--- a/powerpoint/Présentation1.pptx
+++ b/powerpoint/Présentation1.pptx
@@ -109,6 +109,11 @@
       </a:defRPr>
     </a:lvl9pPr>
   </p:defaultTextStyle>
+  <p:extLst>
+    <p:ext uri="{EFAFB233-063F-42B5-8137-9DF3F51BA10A}">
+      <p15:sldGuideLst xmlns:p15="http://schemas.microsoft.com/office/powerpoint/2012/main"/>
+    </p:ext>
+  </p:extLst>
 </p:presentation>
 </file>
 
@@ -2419,12 +2424,11 @@
       <p:bgPr>
         <a:blipFill dpi="0" rotWithShape="1">
           <a:blip r:embed="rId13">
-            <a:alphaModFix amt="94000"/>
             <a:lum/>
           </a:blip>
           <a:srcRect/>
           <a:stretch>
-            <a:fillRect t="-2000" b="-51000"/>
+            <a:fillRect t="-6000" b="-6000"/>
           </a:stretch>
         </a:blipFill>
         <a:effectLst/>
@@ -2969,10 +2973,13 @@
       <p:bgPr>
         <a:blipFill dpi="0" rotWithShape="1">
           <a:blip r:embed="rId2">
+            <a:alphaModFix amt="97000"/>
             <a:lum/>
           </a:blip>
           <a:srcRect/>
-          <a:tile tx="0" ty="0" sx="100000" sy="94000" flip="none" algn="tl"/>
+          <a:stretch>
+            <a:fillRect t="-6000" b="-6000"/>
+          </a:stretch>
         </a:blipFill>
         <a:effectLst/>
       </p:bgPr>
@@ -2993,25 +3000,19 @@
       </p:grpSpPr>
       <p:sp>
         <p:nvSpPr>
-          <p:cNvPr id="5" name="Rectangle 4"/>
+          <p:cNvPr id="4" name="Rectangle 3"/>
           <p:cNvSpPr/>
           <p:nvPr/>
         </p:nvSpPr>
         <p:spPr>
           <a:xfrm>
-            <a:off x="0" y="3401845"/>
-            <a:ext cx="6738128" cy="1862048"/>
+            <a:off x="1553011" y="2270649"/>
+            <a:ext cx="8302208" cy="2215991"/>
           </a:xfrm>
           <a:prstGeom prst="rect">
             <a:avLst/>
           </a:prstGeom>
           <a:noFill/>
-          <a:effectLst>
-            <a:outerShdw blurRad="50800" dist="50800" dir="5400000" algn="ctr" rotWithShape="0">
-              <a:srgbClr val="7030A0"/>
-            </a:outerShdw>
-            <a:reflection endPos="65000" dist="12700" dir="5400000" sy="-100000" algn="bl" rotWithShape="0"/>
-          </a:effectLst>
         </p:spPr>
         <p:txBody>
           <a:bodyPr wrap="none" lIns="91440" tIns="45720" rIns="91440" bIns="45720">
@@ -3021,35 +3022,56 @@
           <a:p>
             <a:pPr algn="ctr"/>
             <a:r>
-              <a:rPr lang="fr-BE" sz="11500" b="1" cap="none" spc="50" dirty="0" smtClean="0">
+              <a:rPr lang="fr-FR" sz="13800" b="1" cap="none" spc="50" dirty="0" smtClean="0">
                 <a:ln w="0"/>
                 <a:solidFill>
-                  <a:schemeClr val="bg2"/>
+                  <a:srgbClr val="0D0579"/>
                 </a:solidFill>
                 <a:effectLst>
-                  <a:innerShdw blurRad="114300">
-                    <a:prstClr val="black"/>
+                  <a:innerShdw blurRad="63500" dist="50800" dir="13500000">
+                    <a:schemeClr val="bg1">
+                      <a:alpha val="50000"/>
+                    </a:schemeClr>
                   </a:innerShdw>
                 </a:effectLst>
-                <a:latin typeface="Castellar" panose="020A0402060406010301" pitchFamily="18" charset="0"/>
+                <a:latin typeface="DejaVu Serif" panose="02060603050605020204" pitchFamily="18" charset="0"/>
+                <a:ea typeface="DejaVu Serif" panose="02060603050605020204" pitchFamily="18" charset="0"/>
               </a:rPr>
-              <a:t>Java 3D</a:t>
-            </a:r>
-            <a:endParaRPr lang="fr-BE" sz="11500" b="1" cap="none" spc="50" dirty="0">
-              <a:ln w="0"/>
-              <a:solidFill>
-                <a:schemeClr val="bg2"/>
-              </a:solidFill>
-              <a:effectLst>
-                <a:innerShdw blurRad="114300">
-                  <a:prstClr val="black"/>
-                </a:innerShdw>
-              </a:effectLst>
-              <a:latin typeface="Castellar" panose="020A0402060406010301" pitchFamily="18" charset="0"/>
-            </a:endParaRPr>
-          </a:p>
-        </p:txBody>
-      </p:sp>
+              <a:t>JAVA 3D</a:t>
+            </a:r>
+          </a:p>
+        </p:txBody>
+      </p:sp>
+      <p:pic>
+        <p:nvPicPr>
+          <p:cNvPr id="6" name="Image 5"/>
+          <p:cNvPicPr>
+            <a:picLocks noChangeAspect="1"/>
+          </p:cNvPicPr>
+          <p:nvPr/>
+        </p:nvPicPr>
+        <p:blipFill>
+          <a:blip r:embed="rId3">
+            <a:extLst>
+              <a:ext uri="{28A0092B-C50C-407E-A947-70E740481C1C}">
+                <a14:useLocalDpi xmlns:a14="http://schemas.microsoft.com/office/drawing/2010/main" val="0"/>
+              </a:ext>
+            </a:extLst>
+          </a:blip>
+          <a:stretch>
+            <a:fillRect/>
+          </a:stretch>
+        </p:blipFill>
+        <p:spPr>
+          <a:xfrm>
+            <a:off x="11401315" y="0"/>
+            <a:ext cx="790685" cy="876422"/>
+          </a:xfrm>
+          <a:prstGeom prst="rect">
+            <a:avLst/>
+          </a:prstGeom>
+        </p:spPr>
+      </p:pic>
     </p:spTree>
     <p:extLst>
       <p:ext uri="{BB962C8B-B14F-4D97-AF65-F5344CB8AC3E}">
@@ -3246,6 +3268,13 @@
   <p:clrMapOvr>
     <a:masterClrMapping/>
   </p:clrMapOvr>
+  <p:timing>
+    <p:tnLst>
+      <p:par>
+        <p:cTn id="1" dur="indefinite" restart="never" nodeType="tmRoot"/>
+      </p:par>
+    </p:tnLst>
+  </p:timing>
 </p:sld>
 </file>
 
@@ -3276,6 +3305,13 @@
   <p:clrMapOvr>
     <a:masterClrMapping/>
   </p:clrMapOvr>
+  <p:timing>
+    <p:tnLst>
+      <p:par>
+        <p:cTn id="1" dur="indefinite" restart="never" nodeType="tmRoot"/>
+      </p:par>
+    </p:tnLst>
+  </p:timing>
 </p:sld>
 </file>
 

--- a/powerpoint/Présentation1.pptx
+++ b/powerpoint/Présentation1.pptx
@@ -5,7 +5,7 @@
     <p:sldMasterId id="2147483648" r:id="rId1"/>
   </p:sldMasterIdLst>
   <p:notesMasterIdLst>
-    <p:notesMasterId r:id="rId10"/>
+    <p:notesMasterId r:id="rId20"/>
   </p:notesMasterIdLst>
   <p:sldIdLst>
     <p:sldId id="256" r:id="rId2"/>
@@ -14,8 +14,18 @@
     <p:sldId id="262" r:id="rId5"/>
     <p:sldId id="258" r:id="rId6"/>
     <p:sldId id="263" r:id="rId7"/>
-    <p:sldId id="260" r:id="rId8"/>
-    <p:sldId id="261" r:id="rId9"/>
+    <p:sldId id="269" r:id="rId8"/>
+    <p:sldId id="268" r:id="rId9"/>
+    <p:sldId id="267" r:id="rId10"/>
+    <p:sldId id="271" r:id="rId11"/>
+    <p:sldId id="266" r:id="rId12"/>
+    <p:sldId id="272" r:id="rId13"/>
+    <p:sldId id="273" r:id="rId14"/>
+    <p:sldId id="270" r:id="rId15"/>
+    <p:sldId id="260" r:id="rId16"/>
+    <p:sldId id="264" r:id="rId17"/>
+    <p:sldId id="265" r:id="rId18"/>
+    <p:sldId id="261" r:id="rId19"/>
   </p:sldIdLst>
   <p:sldSz cx="9144000" cy="6858000" type="screen4x3"/>
   <p:notesSz cx="6858000" cy="9144000"/>
@@ -133,808 +143,6 @@
 </p:presentation>
 </file>
 
-<file path=ppt/charts/chart1.xml><?xml version="1.0" encoding="utf-8"?>
-<c:chartSpace xmlns:c="http://schemas.openxmlformats.org/drawingml/2006/chart" xmlns:a="http://schemas.openxmlformats.org/drawingml/2006/main" xmlns:r="http://schemas.openxmlformats.org/officeDocument/2006/relationships">
-  <c:date1904 val="0"/>
-  <c:lang val="fr-FR"/>
-  <c:roundedCorners val="0"/>
-  <mc:AlternateContent xmlns:mc="http://schemas.openxmlformats.org/markup-compatibility/2006">
-    <mc:Choice xmlns:c14="http://schemas.microsoft.com/office/drawing/2007/8/2/chart" Requires="c14">
-      <c14:style val="107"/>
-    </mc:Choice>
-    <mc:Fallback>
-      <c:style val="7"/>
-    </mc:Fallback>
-  </mc:AlternateContent>
-  <c:chart>
-    <c:title>
-      <c:tx>
-        <c:rich>
-          <a:bodyPr rot="0" spcFirstLastPara="1" vertOverflow="ellipsis" vert="horz" wrap="square" anchor="ctr" anchorCtr="1"/>
-          <a:lstStyle/>
-          <a:p>
-            <a:pPr>
-              <a:defRPr sz="1862" b="0" i="0" u="none" strike="noStrike" kern="1200" spc="0" baseline="0">
-                <a:solidFill>
-                  <a:schemeClr val="bg1"/>
-                </a:solidFill>
-                <a:latin typeface="+mn-lt"/>
-                <a:ea typeface="+mn-ea"/>
-                <a:cs typeface="+mn-cs"/>
-              </a:defRPr>
-            </a:pPr>
-            <a:r>
-              <a:rPr lang="en-US" baseline="0" dirty="0" smtClean="0">
-                <a:solidFill>
-                  <a:schemeClr val="bg1"/>
-                </a:solidFill>
-              </a:rPr>
-              <a:t>Resources</a:t>
-            </a:r>
-            <a:endParaRPr lang="en-US" baseline="0" dirty="0">
-              <a:solidFill>
-                <a:schemeClr val="bg1"/>
-              </a:solidFill>
-            </a:endParaRPr>
-          </a:p>
-        </c:rich>
-      </c:tx>
-      <c:layout/>
-      <c:overlay val="0"/>
-      <c:spPr>
-        <a:noFill/>
-        <a:ln>
-          <a:noFill/>
-        </a:ln>
-        <a:effectLst/>
-      </c:spPr>
-      <c:txPr>
-        <a:bodyPr rot="0" spcFirstLastPara="1" vertOverflow="ellipsis" vert="horz" wrap="square" anchor="ctr" anchorCtr="1"/>
-        <a:lstStyle/>
-        <a:p>
-          <a:pPr>
-            <a:defRPr sz="1862" b="0" i="0" u="none" strike="noStrike" kern="1200" spc="0" baseline="0">
-              <a:solidFill>
-                <a:schemeClr val="bg1"/>
-              </a:solidFill>
-              <a:latin typeface="+mn-lt"/>
-              <a:ea typeface="+mn-ea"/>
-              <a:cs typeface="+mn-cs"/>
-            </a:defRPr>
-          </a:pPr>
-          <a:endParaRPr lang="fr-FR"/>
-        </a:p>
-      </c:txPr>
-    </c:title>
-    <c:autoTitleDeleted val="0"/>
-    <c:plotArea>
-      <c:layout/>
-      <c:pieChart>
-        <c:varyColors val="1"/>
-        <c:ser>
-          <c:idx val="0"/>
-          <c:order val="0"/>
-          <c:tx>
-            <c:strRef>
-              <c:f>Sheet1!$B$1</c:f>
-              <c:strCache>
-                <c:ptCount val="1"/>
-                <c:pt idx="0">
-                  <c:v>Sales</c:v>
-                </c:pt>
-              </c:strCache>
-            </c:strRef>
-          </c:tx>
-          <c:dPt>
-            <c:idx val="0"/>
-            <c:bubble3D val="0"/>
-            <c:spPr>
-              <a:solidFill>
-                <a:schemeClr val="accent5">
-                  <a:tint val="58000"/>
-                </a:schemeClr>
-              </a:solidFill>
-              <a:ln w="19050">
-                <a:solidFill>
-                  <a:schemeClr val="lt1"/>
-                </a:solidFill>
-              </a:ln>
-              <a:effectLst/>
-            </c:spPr>
-          </c:dPt>
-          <c:dPt>
-            <c:idx val="1"/>
-            <c:bubble3D val="0"/>
-            <c:spPr>
-              <a:solidFill>
-                <a:schemeClr val="accent5">
-                  <a:tint val="86000"/>
-                </a:schemeClr>
-              </a:solidFill>
-              <a:ln w="19050">
-                <a:solidFill>
-                  <a:schemeClr val="lt1"/>
-                </a:solidFill>
-              </a:ln>
-              <a:effectLst/>
-            </c:spPr>
-          </c:dPt>
-          <c:dPt>
-            <c:idx val="2"/>
-            <c:bubble3D val="0"/>
-            <c:spPr>
-              <a:solidFill>
-                <a:schemeClr val="accent5">
-                  <a:shade val="86000"/>
-                </a:schemeClr>
-              </a:solidFill>
-              <a:ln w="19050">
-                <a:solidFill>
-                  <a:schemeClr val="lt1"/>
-                </a:solidFill>
-              </a:ln>
-              <a:effectLst/>
-            </c:spPr>
-          </c:dPt>
-          <c:dPt>
-            <c:idx val="3"/>
-            <c:bubble3D val="0"/>
-            <c:spPr>
-              <a:solidFill>
-                <a:schemeClr val="accent5">
-                  <a:shade val="58000"/>
-                </a:schemeClr>
-              </a:solidFill>
-              <a:ln w="19050">
-                <a:solidFill>
-                  <a:schemeClr val="lt1"/>
-                </a:solidFill>
-              </a:ln>
-              <a:effectLst/>
-            </c:spPr>
-          </c:dPt>
-          <c:cat>
-            <c:strRef>
-              <c:f>Sheet1!$A$2:$A$5</c:f>
-              <c:strCache>
-                <c:ptCount val="4"/>
-                <c:pt idx="0">
-                  <c:v>1st Qtr</c:v>
-                </c:pt>
-                <c:pt idx="1">
-                  <c:v>2nd Qtr</c:v>
-                </c:pt>
-                <c:pt idx="2">
-                  <c:v>3rd Qtr</c:v>
-                </c:pt>
-                <c:pt idx="3">
-                  <c:v>4th Qtr</c:v>
-                </c:pt>
-              </c:strCache>
-            </c:strRef>
-          </c:cat>
-          <c:val>
-            <c:numRef>
-              <c:f>Sheet1!$B$2:$B$5</c:f>
-              <c:numCache>
-                <c:formatCode>General</c:formatCode>
-                <c:ptCount val="4"/>
-                <c:pt idx="0">
-                  <c:v>8.1999999999999993</c:v>
-                </c:pt>
-                <c:pt idx="1">
-                  <c:v>3.2</c:v>
-                </c:pt>
-                <c:pt idx="2">
-                  <c:v>1.4</c:v>
-                </c:pt>
-                <c:pt idx="3">
-                  <c:v>1.2</c:v>
-                </c:pt>
-              </c:numCache>
-            </c:numRef>
-          </c:val>
-        </c:ser>
-        <c:dLbls>
-          <c:showLegendKey val="0"/>
-          <c:showVal val="0"/>
-          <c:showCatName val="0"/>
-          <c:showSerName val="0"/>
-          <c:showPercent val="0"/>
-          <c:showBubbleSize val="0"/>
-          <c:showLeaderLines val="1"/>
-        </c:dLbls>
-        <c:firstSliceAng val="0"/>
-      </c:pieChart>
-      <c:spPr>
-        <a:noFill/>
-        <a:ln>
-          <a:noFill/>
-        </a:ln>
-        <a:effectLst/>
-      </c:spPr>
-    </c:plotArea>
-    <c:legend>
-      <c:legendPos val="b"/>
-      <c:layout/>
-      <c:overlay val="0"/>
-      <c:spPr>
-        <a:noFill/>
-        <a:ln>
-          <a:noFill/>
-        </a:ln>
-        <a:effectLst/>
-      </c:spPr>
-      <c:txPr>
-        <a:bodyPr rot="0" spcFirstLastPara="1" vertOverflow="ellipsis" vert="horz" wrap="square" anchor="ctr" anchorCtr="1"/>
-        <a:lstStyle/>
-        <a:p>
-          <a:pPr>
-            <a:defRPr sz="1197" b="0" i="0" u="none" strike="noStrike" kern="1200" baseline="0">
-              <a:solidFill>
-                <a:schemeClr val="bg1"/>
-              </a:solidFill>
-              <a:latin typeface="+mn-lt"/>
-              <a:ea typeface="+mn-ea"/>
-              <a:cs typeface="+mn-cs"/>
-            </a:defRPr>
-          </a:pPr>
-          <a:endParaRPr lang="fr-FR"/>
-        </a:p>
-      </c:txPr>
-    </c:legend>
-    <c:plotVisOnly val="1"/>
-    <c:dispBlanksAs val="gap"/>
-    <c:showDLblsOverMax val="0"/>
-  </c:chart>
-  <c:spPr>
-    <a:noFill/>
-    <a:ln>
-      <a:noFill/>
-    </a:ln>
-    <a:effectLst/>
-  </c:spPr>
-  <c:txPr>
-    <a:bodyPr/>
-    <a:lstStyle/>
-    <a:p>
-      <a:pPr>
-        <a:defRPr/>
-      </a:pPr>
-      <a:endParaRPr lang="fr-FR"/>
-    </a:p>
-  </c:txPr>
-  <c:externalData r:id="rId3">
-    <c:autoUpdate val="0"/>
-  </c:externalData>
-</c:chartSpace>
-</file>
-
-<file path=ppt/charts/colors1.xml><?xml version="1.0" encoding="utf-8"?>
-<cs:colorStyle xmlns:cs="http://schemas.microsoft.com/office/drawing/2012/chartStyle" xmlns:a="http://schemas.openxmlformats.org/drawingml/2006/main" meth="withinLinearReversed" id="25">
-  <a:schemeClr val="accent5"/>
-</cs:colorStyle>
-</file>
-
-<file path=ppt/charts/style1.xml><?xml version="1.0" encoding="utf-8"?>
-<cs:chartStyle xmlns:cs="http://schemas.microsoft.com/office/drawing/2012/chartStyle" xmlns:a="http://schemas.openxmlformats.org/drawingml/2006/main" id="251">
-  <cs:axisTitle>
-    <cs:lnRef idx="0"/>
-    <cs:fillRef idx="0"/>
-    <cs:effectRef idx="0"/>
-    <cs:fontRef idx="minor">
-      <a:schemeClr val="tx1">
-        <a:lumMod val="65000"/>
-        <a:lumOff val="35000"/>
-      </a:schemeClr>
-    </cs:fontRef>
-    <cs:defRPr sz="1330" kern="1200"/>
-  </cs:axisTitle>
-  <cs:categoryAxis>
-    <cs:lnRef idx="0"/>
-    <cs:fillRef idx="0"/>
-    <cs:effectRef idx="0"/>
-    <cs:fontRef idx="minor">
-      <a:schemeClr val="tx1">
-        <a:lumMod val="65000"/>
-        <a:lumOff val="35000"/>
-      </a:schemeClr>
-    </cs:fontRef>
-    <cs:spPr>
-      <a:ln w="9525" cap="flat" cmpd="sng" algn="ctr">
-        <a:solidFill>
-          <a:schemeClr val="tx1">
-            <a:lumMod val="15000"/>
-            <a:lumOff val="85000"/>
-          </a:schemeClr>
-        </a:solidFill>
-        <a:round/>
-      </a:ln>
-    </cs:spPr>
-    <cs:defRPr sz="1197" kern="1200"/>
-  </cs:categoryAxis>
-  <cs:chartArea mods="allowNoFillOverride allowNoLineOverride">
-    <cs:lnRef idx="0"/>
-    <cs:fillRef idx="0"/>
-    <cs:effectRef idx="0"/>
-    <cs:fontRef idx="minor">
-      <a:schemeClr val="tx1"/>
-    </cs:fontRef>
-    <cs:spPr>
-      <a:solidFill>
-        <a:schemeClr val="bg1"/>
-      </a:solidFill>
-      <a:ln w="9525" cap="flat" cmpd="sng" algn="ctr">
-        <a:solidFill>
-          <a:schemeClr val="tx1">
-            <a:lumMod val="15000"/>
-            <a:lumOff val="85000"/>
-          </a:schemeClr>
-        </a:solidFill>
-        <a:round/>
-      </a:ln>
-    </cs:spPr>
-    <cs:defRPr sz="1197" kern="1200"/>
-  </cs:chartArea>
-  <cs:dataLabel>
-    <cs:lnRef idx="0"/>
-    <cs:fillRef idx="0"/>
-    <cs:effectRef idx="0"/>
-    <cs:fontRef idx="minor">
-      <a:schemeClr val="tx1">
-        <a:lumMod val="75000"/>
-        <a:lumOff val="25000"/>
-      </a:schemeClr>
-    </cs:fontRef>
-    <cs:defRPr sz="1197" kern="1200"/>
-  </cs:dataLabel>
-  <cs:dataLabelCallout>
-    <cs:lnRef idx="0"/>
-    <cs:fillRef idx="0"/>
-    <cs:effectRef idx="0"/>
-    <cs:fontRef idx="minor">
-      <a:schemeClr val="dk1">
-        <a:lumMod val="65000"/>
-        <a:lumOff val="35000"/>
-      </a:schemeClr>
-    </cs:fontRef>
-    <cs:spPr>
-      <a:solidFill>
-        <a:schemeClr val="lt1"/>
-      </a:solidFill>
-      <a:ln>
-        <a:solidFill>
-          <a:schemeClr val="dk1">
-            <a:lumMod val="25000"/>
-            <a:lumOff val="75000"/>
-          </a:schemeClr>
-        </a:solidFill>
-      </a:ln>
-    </cs:spPr>
-    <cs:defRPr sz="1197" kern="1200"/>
-    <cs:bodyPr rot="0" spcFirstLastPara="1" vertOverflow="clip" horzOverflow="clip" vert="horz" wrap="square" lIns="36576" tIns="18288" rIns="36576" bIns="18288" anchor="ctr" anchorCtr="1">
-      <a:spAutoFit/>
-    </cs:bodyPr>
-  </cs:dataLabelCallout>
-  <cs:dataPoint>
-    <cs:lnRef idx="0"/>
-    <cs:fillRef idx="1">
-      <cs:styleClr val="auto"/>
-    </cs:fillRef>
-    <cs:effectRef idx="0"/>
-    <cs:fontRef idx="minor">
-      <a:schemeClr val="tx1"/>
-    </cs:fontRef>
-    <cs:spPr>
-      <a:ln w="19050">
-        <a:solidFill>
-          <a:schemeClr val="lt1"/>
-        </a:solidFill>
-      </a:ln>
-    </cs:spPr>
-  </cs:dataPoint>
-  <cs:dataPoint3D>
-    <cs:lnRef idx="0"/>
-    <cs:fillRef idx="1">
-      <cs:styleClr val="auto"/>
-    </cs:fillRef>
-    <cs:effectRef idx="0"/>
-    <cs:fontRef idx="minor">
-      <a:schemeClr val="tx1"/>
-    </cs:fontRef>
-    <cs:spPr>
-      <a:ln w="25400">
-        <a:solidFill>
-          <a:schemeClr val="lt1"/>
-        </a:solidFill>
-      </a:ln>
-    </cs:spPr>
-  </cs:dataPoint3D>
-  <cs:dataPointLine>
-    <cs:lnRef idx="0">
-      <cs:styleClr val="auto"/>
-    </cs:lnRef>
-    <cs:fillRef idx="0"/>
-    <cs:effectRef idx="0"/>
-    <cs:fontRef idx="minor">
-      <a:schemeClr val="tx1"/>
-    </cs:fontRef>
-    <cs:spPr>
-      <a:ln w="28575" cap="rnd">
-        <a:solidFill>
-          <a:schemeClr val="phClr"/>
-        </a:solidFill>
-        <a:round/>
-      </a:ln>
-    </cs:spPr>
-  </cs:dataPointLine>
-  <cs:dataPointMarker>
-    <cs:lnRef idx="0">
-      <cs:styleClr val="auto"/>
-    </cs:lnRef>
-    <cs:fillRef idx="1">
-      <cs:styleClr val="auto"/>
-    </cs:fillRef>
-    <cs:effectRef idx="0"/>
-    <cs:fontRef idx="minor">
-      <a:schemeClr val="tx1"/>
-    </cs:fontRef>
-    <cs:spPr>
-      <a:ln w="9525">
-        <a:solidFill>
-          <a:schemeClr val="phClr"/>
-        </a:solidFill>
-      </a:ln>
-    </cs:spPr>
-  </cs:dataPointMarker>
-  <cs:dataPointMarkerLayout symbol="circle" size="5"/>
-  <cs:dataPointWireframe>
-    <cs:lnRef idx="0">
-      <cs:styleClr val="auto"/>
-    </cs:lnRef>
-    <cs:fillRef idx="0"/>
-    <cs:effectRef idx="0"/>
-    <cs:fontRef idx="minor">
-      <a:schemeClr val="tx1"/>
-    </cs:fontRef>
-    <cs:spPr>
-      <a:ln w="9525" cap="rnd">
-        <a:solidFill>
-          <a:schemeClr val="phClr"/>
-        </a:solidFill>
-        <a:round/>
-      </a:ln>
-    </cs:spPr>
-  </cs:dataPointWireframe>
-  <cs:dataTable>
-    <cs:lnRef idx="0"/>
-    <cs:fillRef idx="0"/>
-    <cs:effectRef idx="0"/>
-    <cs:fontRef idx="minor">
-      <a:schemeClr val="tx1">
-        <a:lumMod val="65000"/>
-        <a:lumOff val="35000"/>
-      </a:schemeClr>
-    </cs:fontRef>
-    <cs:spPr>
-      <a:noFill/>
-      <a:ln w="9525" cap="flat" cmpd="sng" algn="ctr">
-        <a:solidFill>
-          <a:schemeClr val="tx1">
-            <a:lumMod val="15000"/>
-            <a:lumOff val="85000"/>
-          </a:schemeClr>
-        </a:solidFill>
-        <a:round/>
-      </a:ln>
-    </cs:spPr>
-    <cs:defRPr sz="1197" kern="1200"/>
-  </cs:dataTable>
-  <cs:downBar>
-    <cs:lnRef idx="0"/>
-    <cs:fillRef idx="0"/>
-    <cs:effectRef idx="0"/>
-    <cs:fontRef idx="minor">
-      <a:schemeClr val="tx1"/>
-    </cs:fontRef>
-    <cs:spPr>
-      <a:solidFill>
-        <a:schemeClr val="dk1">
-          <a:lumMod val="75000"/>
-          <a:lumOff val="25000"/>
-        </a:schemeClr>
-      </a:solidFill>
-      <a:ln w="9525" cap="flat" cmpd="sng" algn="ctr">
-        <a:solidFill>
-          <a:schemeClr val="tx1">
-            <a:lumMod val="65000"/>
-            <a:lumOff val="35000"/>
-          </a:schemeClr>
-        </a:solidFill>
-        <a:round/>
-      </a:ln>
-    </cs:spPr>
-  </cs:downBar>
-  <cs:dropLine>
-    <cs:lnRef idx="0"/>
-    <cs:fillRef idx="0"/>
-    <cs:effectRef idx="0"/>
-    <cs:fontRef idx="minor">
-      <a:schemeClr val="tx1"/>
-    </cs:fontRef>
-    <cs:spPr>
-      <a:ln w="9525" cap="flat" cmpd="sng" algn="ctr">
-        <a:solidFill>
-          <a:schemeClr val="tx1">
-            <a:lumMod val="35000"/>
-            <a:lumOff val="65000"/>
-          </a:schemeClr>
-        </a:solidFill>
-        <a:round/>
-      </a:ln>
-    </cs:spPr>
-  </cs:dropLine>
-  <cs:errorBar>
-    <cs:lnRef idx="0"/>
-    <cs:fillRef idx="0"/>
-    <cs:effectRef idx="0"/>
-    <cs:fontRef idx="minor">
-      <a:schemeClr val="tx1"/>
-    </cs:fontRef>
-    <cs:spPr>
-      <a:ln w="9525" cap="flat" cmpd="sng" algn="ctr">
-        <a:solidFill>
-          <a:schemeClr val="tx1">
-            <a:lumMod val="65000"/>
-            <a:lumOff val="35000"/>
-          </a:schemeClr>
-        </a:solidFill>
-        <a:round/>
-      </a:ln>
-    </cs:spPr>
-  </cs:errorBar>
-  <cs:floor>
-    <cs:lnRef idx="0"/>
-    <cs:fillRef idx="0"/>
-    <cs:effectRef idx="0"/>
-    <cs:fontRef idx="minor">
-      <a:schemeClr val="tx1"/>
-    </cs:fontRef>
-    <cs:spPr>
-      <a:noFill/>
-      <a:ln>
-        <a:noFill/>
-      </a:ln>
-    </cs:spPr>
-  </cs:floor>
-  <cs:gridlineMajor>
-    <cs:lnRef idx="0"/>
-    <cs:fillRef idx="0"/>
-    <cs:effectRef idx="0"/>
-    <cs:fontRef idx="minor">
-      <a:schemeClr val="tx1"/>
-    </cs:fontRef>
-    <cs:spPr>
-      <a:ln w="9525" cap="flat" cmpd="sng" algn="ctr">
-        <a:solidFill>
-          <a:schemeClr val="tx1">
-            <a:lumMod val="15000"/>
-            <a:lumOff val="85000"/>
-          </a:schemeClr>
-        </a:solidFill>
-        <a:round/>
-      </a:ln>
-    </cs:spPr>
-  </cs:gridlineMajor>
-  <cs:gridlineMinor>
-    <cs:lnRef idx="0"/>
-    <cs:fillRef idx="0"/>
-    <cs:effectRef idx="0"/>
-    <cs:fontRef idx="minor">
-      <a:schemeClr val="tx1"/>
-    </cs:fontRef>
-    <cs:spPr>
-      <a:ln w="9525" cap="flat" cmpd="sng" algn="ctr">
-        <a:solidFill>
-          <a:schemeClr val="tx1">
-            <a:lumMod val="5000"/>
-            <a:lumOff val="95000"/>
-          </a:schemeClr>
-        </a:solidFill>
-        <a:round/>
-      </a:ln>
-    </cs:spPr>
-  </cs:gridlineMinor>
-  <cs:hiLoLine>
-    <cs:lnRef idx="0"/>
-    <cs:fillRef idx="0"/>
-    <cs:effectRef idx="0"/>
-    <cs:fontRef idx="minor">
-      <a:schemeClr val="tx1"/>
-    </cs:fontRef>
-    <cs:spPr>
-      <a:ln w="9525" cap="flat" cmpd="sng" algn="ctr">
-        <a:solidFill>
-          <a:schemeClr val="tx1">
-            <a:lumMod val="50000"/>
-            <a:lumOff val="50000"/>
-          </a:schemeClr>
-        </a:solidFill>
-        <a:round/>
-      </a:ln>
-    </cs:spPr>
-  </cs:hiLoLine>
-  <cs:leaderLine>
-    <cs:lnRef idx="0"/>
-    <cs:fillRef idx="0"/>
-    <cs:effectRef idx="0"/>
-    <cs:fontRef idx="minor">
-      <a:schemeClr val="tx1"/>
-    </cs:fontRef>
-    <cs:spPr>
-      <a:ln w="9525" cap="flat" cmpd="sng" algn="ctr">
-        <a:solidFill>
-          <a:schemeClr val="tx1">
-            <a:lumMod val="35000"/>
-            <a:lumOff val="65000"/>
-          </a:schemeClr>
-        </a:solidFill>
-        <a:round/>
-      </a:ln>
-    </cs:spPr>
-  </cs:leaderLine>
-  <cs:legend>
-    <cs:lnRef idx="0"/>
-    <cs:fillRef idx="0"/>
-    <cs:effectRef idx="0"/>
-    <cs:fontRef idx="minor">
-      <a:schemeClr val="tx1">
-        <a:lumMod val="65000"/>
-        <a:lumOff val="35000"/>
-      </a:schemeClr>
-    </cs:fontRef>
-    <cs:defRPr sz="1197" kern="1200"/>
-  </cs:legend>
-  <cs:plotArea mods="allowNoFillOverride allowNoLineOverride">
-    <cs:lnRef idx="0"/>
-    <cs:fillRef idx="0"/>
-    <cs:effectRef idx="0"/>
-    <cs:fontRef idx="minor">
-      <a:schemeClr val="tx1"/>
-    </cs:fontRef>
-  </cs:plotArea>
-  <cs:plotArea3D mods="allowNoFillOverride allowNoLineOverride">
-    <cs:lnRef idx="0"/>
-    <cs:fillRef idx="0"/>
-    <cs:effectRef idx="0"/>
-    <cs:fontRef idx="minor">
-      <a:schemeClr val="tx1"/>
-    </cs:fontRef>
-  </cs:plotArea3D>
-  <cs:seriesAxis>
-    <cs:lnRef idx="0"/>
-    <cs:fillRef idx="0"/>
-    <cs:effectRef idx="0"/>
-    <cs:fontRef idx="minor">
-      <a:schemeClr val="tx1">
-        <a:lumMod val="65000"/>
-        <a:lumOff val="35000"/>
-      </a:schemeClr>
-    </cs:fontRef>
-    <cs:defRPr sz="1197" kern="1200"/>
-  </cs:seriesAxis>
-  <cs:seriesLine>
-    <cs:lnRef idx="0"/>
-    <cs:fillRef idx="0"/>
-    <cs:effectRef idx="0"/>
-    <cs:fontRef idx="minor">
-      <a:schemeClr val="tx1"/>
-    </cs:fontRef>
-    <cs:spPr>
-      <a:ln w="9525" cap="flat" cmpd="sng" algn="ctr">
-        <a:solidFill>
-          <a:schemeClr val="tx1">
-            <a:lumMod val="35000"/>
-            <a:lumOff val="65000"/>
-          </a:schemeClr>
-        </a:solidFill>
-        <a:round/>
-      </a:ln>
-    </cs:spPr>
-  </cs:seriesLine>
-  <cs:title>
-    <cs:lnRef idx="0"/>
-    <cs:fillRef idx="0"/>
-    <cs:effectRef idx="0"/>
-    <cs:fontRef idx="minor">
-      <a:schemeClr val="tx1">
-        <a:lumMod val="65000"/>
-        <a:lumOff val="35000"/>
-      </a:schemeClr>
-    </cs:fontRef>
-    <cs:defRPr sz="1862" b="0" kern="1200" spc="0" baseline="0"/>
-  </cs:title>
-  <cs:trendline>
-    <cs:lnRef idx="0">
-      <cs:styleClr val="auto"/>
-    </cs:lnRef>
-    <cs:fillRef idx="0"/>
-    <cs:effectRef idx="0"/>
-    <cs:fontRef idx="minor">
-      <a:schemeClr val="tx1"/>
-    </cs:fontRef>
-    <cs:spPr>
-      <a:ln w="19050" cap="rnd">
-        <a:solidFill>
-          <a:schemeClr val="phClr"/>
-        </a:solidFill>
-        <a:prstDash val="sysDot"/>
-      </a:ln>
-    </cs:spPr>
-  </cs:trendline>
-  <cs:trendlineLabel>
-    <cs:lnRef idx="0"/>
-    <cs:fillRef idx="0"/>
-    <cs:effectRef idx="0"/>
-    <cs:fontRef idx="minor">
-      <a:schemeClr val="tx1">
-        <a:lumMod val="65000"/>
-        <a:lumOff val="35000"/>
-      </a:schemeClr>
-    </cs:fontRef>
-    <cs:defRPr sz="1197" kern="1200"/>
-  </cs:trendlineLabel>
-  <cs:upBar>
-    <cs:lnRef idx="0"/>
-    <cs:fillRef idx="0"/>
-    <cs:effectRef idx="0"/>
-    <cs:fontRef idx="minor">
-      <a:schemeClr val="tx1"/>
-    </cs:fontRef>
-    <cs:spPr>
-      <a:solidFill>
-        <a:schemeClr val="lt1"/>
-      </a:solidFill>
-      <a:ln w="9525" cap="flat" cmpd="sng" algn="ctr">
-        <a:solidFill>
-          <a:schemeClr val="tx1">
-            <a:lumMod val="65000"/>
-            <a:lumOff val="35000"/>
-          </a:schemeClr>
-        </a:solidFill>
-        <a:round/>
-      </a:ln>
-    </cs:spPr>
-  </cs:upBar>
-  <cs:valueAxis>
-    <cs:lnRef idx="0"/>
-    <cs:fillRef idx="0"/>
-    <cs:effectRef idx="0"/>
-    <cs:fontRef idx="minor">
-      <a:schemeClr val="tx1">
-        <a:lumMod val="65000"/>
-        <a:lumOff val="35000"/>
-      </a:schemeClr>
-    </cs:fontRef>
-    <cs:defRPr sz="1197" kern="1200"/>
-  </cs:valueAxis>
-  <cs:wall>
-    <cs:lnRef idx="0"/>
-    <cs:fillRef idx="0"/>
-    <cs:effectRef idx="0"/>
-    <cs:fontRef idx="minor">
-      <a:schemeClr val="tx1"/>
-    </cs:fontRef>
-    <cs:spPr>
-      <a:noFill/>
-      <a:ln>
-        <a:noFill/>
-      </a:ln>
-    </cs:spPr>
-  </cs:wall>
-</cs:chartStyle>
-</file>
-
 <file path=ppt/notesMasters/notesMaster1.xml><?xml version="1.0" encoding="utf-8"?>
 <p:notesMaster xmlns:a="http://schemas.openxmlformats.org/drawingml/2006/main" xmlns:r="http://schemas.openxmlformats.org/officeDocument/2006/relationships" xmlns:p="http://schemas.openxmlformats.org/presentationml/2006/main">
   <p:cSld>
@@ -1017,7 +225,7 @@
           <a:p>
             <a:fld id="{8AA807B4-561F-4196-A2BD-89B27DE483A7}" type="datetimeFigureOut">
               <a:rPr lang="en-US" smtClean="0"/>
-              <a:t>5/16/2016</a:t>
+              <a:t>5/18/2016</a:t>
             </a:fld>
             <a:endParaRPr lang="en-US"/>
           </a:p>
@@ -1304,6 +512,1063 @@
       </p:grpSpPr>
       <p:sp>
         <p:nvSpPr>
+          <p:cNvPr id="2" name="Espace réservé de l'image des diapositives 1"/>
+          <p:cNvSpPr>
+            <a:spLocks noGrp="1" noRot="1" noChangeAspect="1"/>
+          </p:cNvSpPr>
+          <p:nvPr>
+            <p:ph type="sldImg"/>
+          </p:nvPr>
+        </p:nvSpPr>
+        <p:spPr/>
+      </p:sp>
+      <p:sp>
+        <p:nvSpPr>
+          <p:cNvPr id="3" name="Espace réservé des commentaires 2"/>
+          <p:cNvSpPr>
+            <a:spLocks noGrp="1"/>
+          </p:cNvSpPr>
+          <p:nvPr>
+            <p:ph type="body" idx="1"/>
+          </p:nvPr>
+        </p:nvSpPr>
+        <p:spPr/>
+        <p:txBody>
+          <a:bodyPr/>
+          <a:lstStyle/>
+          <a:p>
+            <a:r>
+              <a:rPr lang="fr-BE" dirty="0" err="1" smtClean="0">
+                <a:solidFill>
+                  <a:schemeClr val="tx1"/>
+                </a:solidFill>
+              </a:rPr>
+              <a:t>VirtualUniverse</a:t>
+            </a:r>
+            <a:r>
+              <a:rPr lang="fr-BE" dirty="0" smtClean="0">
+                <a:solidFill>
+                  <a:schemeClr val="tx1"/>
+                </a:solidFill>
+              </a:rPr>
+              <a:t>: Racine d'un graphe de scène. Une application peut contenir plusieurs "Univers Virtuels".</a:t>
+            </a:r>
+          </a:p>
+          <a:p>
+            <a:r>
+              <a:rPr lang="fr-BE" dirty="0" smtClean="0">
+                <a:solidFill>
+                  <a:schemeClr val="tx1"/>
+                </a:solidFill>
+              </a:rPr>
+              <a:t>Locale: </a:t>
+            </a:r>
+            <a:r>
+              <a:rPr lang="fr-BE" sz="1200" b="0" i="0" kern="1200" dirty="0" smtClean="0">
+                <a:solidFill>
+                  <a:schemeClr val="tx1"/>
+                </a:solidFill>
+                <a:effectLst/>
+                <a:latin typeface="+mn-lt"/>
+                <a:ea typeface="+mn-ea"/>
+                <a:cs typeface="+mn-cs"/>
+              </a:rPr>
+              <a:t>Définit d'une position en haute-résolution dans un </a:t>
+            </a:r>
+            <a:r>
+              <a:rPr lang="fr-BE" sz="1200" b="0" i="0" kern="1200" dirty="0" err="1" smtClean="0">
+                <a:solidFill>
+                  <a:schemeClr val="tx1"/>
+                </a:solidFill>
+                <a:effectLst/>
+                <a:latin typeface="+mn-lt"/>
+                <a:ea typeface="+mn-ea"/>
+                <a:cs typeface="+mn-cs"/>
+              </a:rPr>
+              <a:t>VirtualUniverse</a:t>
+            </a:r>
+            <a:r>
+              <a:rPr lang="fr-BE" sz="1200" b="0" i="0" kern="1200" dirty="0" smtClean="0">
+                <a:solidFill>
+                  <a:schemeClr val="tx1"/>
+                </a:solidFill>
+                <a:effectLst/>
+                <a:latin typeface="+mn-lt"/>
+                <a:ea typeface="+mn-ea"/>
+                <a:cs typeface="+mn-cs"/>
+              </a:rPr>
+              <a:t>. Container pour un ensemble de sous-graphes enracinés en cette position.</a:t>
+            </a:r>
+          </a:p>
+          <a:p>
+            <a:r>
+              <a:rPr lang="fr-BE" sz="1200" b="0" i="0" kern="1200" dirty="0" smtClean="0">
+                <a:solidFill>
+                  <a:schemeClr val="tx1"/>
+                </a:solidFill>
+                <a:effectLst/>
+                <a:latin typeface="+mn-lt"/>
+                <a:ea typeface="+mn-ea"/>
+                <a:cs typeface="+mn-cs"/>
+              </a:rPr>
+              <a:t>Objets dans un objet Locale définis en utilisant des coordonnées double-précision relativement à l'origine de cet objet (définition du système de coordonnées du monde virtuel pour cet objet Locale).</a:t>
+            </a:r>
+          </a:p>
+          <a:p>
+            <a:r>
+              <a:rPr lang="fr-BE" sz="1200" b="0" i="0" kern="1200" dirty="0" smtClean="0">
+                <a:solidFill>
+                  <a:schemeClr val="tx1"/>
+                </a:solidFill>
+                <a:effectLst/>
+                <a:latin typeface="+mn-lt"/>
+                <a:ea typeface="+mn-ea"/>
+                <a:cs typeface="+mn-cs"/>
+              </a:rPr>
+              <a:t>Méthodes set et </a:t>
+            </a:r>
+            <a:r>
+              <a:rPr lang="fr-BE" sz="1200" b="0" i="0" kern="1200" dirty="0" err="1" smtClean="0">
+                <a:solidFill>
+                  <a:schemeClr val="tx1"/>
+                </a:solidFill>
+                <a:effectLst/>
+                <a:latin typeface="+mn-lt"/>
+                <a:ea typeface="+mn-ea"/>
+                <a:cs typeface="+mn-cs"/>
+              </a:rPr>
+              <a:t>get</a:t>
+            </a:r>
+            <a:r>
+              <a:rPr lang="fr-BE" sz="1200" b="0" i="0" kern="1200" dirty="0" smtClean="0">
+                <a:solidFill>
+                  <a:schemeClr val="tx1"/>
+                </a:solidFill>
+                <a:effectLst/>
+                <a:latin typeface="+mn-lt"/>
+                <a:ea typeface="+mn-ea"/>
+                <a:cs typeface="+mn-cs"/>
+              </a:rPr>
+              <a:t> nécessaires à la configuration des coordonnées haute-résolution.</a:t>
+            </a:r>
+          </a:p>
+          <a:p>
+            <a:r>
+              <a:rPr lang="fr-BE" sz="1200" b="0" i="0" kern="1200" dirty="0" smtClean="0">
+                <a:solidFill>
+                  <a:schemeClr val="tx1"/>
+                </a:solidFill>
+                <a:effectLst/>
+                <a:latin typeface="+mn-lt"/>
+                <a:ea typeface="+mn-ea"/>
+                <a:cs typeface="+mn-cs"/>
+              </a:rPr>
+              <a:t>Méthodes pour ajouter, retirer et énumérer les graphes branches contenus</a:t>
+            </a:r>
+          </a:p>
+          <a:p>
+            <a:pPr marL="0" marR="0" indent="0" algn="l" defTabSz="914400" rtl="0" eaLnBrk="1" fontAlgn="auto" latinLnBrk="0" hangingPunct="1">
+              <a:lnSpc>
+                <a:spcPct val="100000"/>
+              </a:lnSpc>
+              <a:spcBef>
+                <a:spcPts val="0"/>
+              </a:spcBef>
+              <a:spcAft>
+                <a:spcPts val="0"/>
+              </a:spcAft>
+              <a:buClrTx/>
+              <a:buSzTx/>
+              <a:buFontTx/>
+              <a:buNone/>
+              <a:tabLst/>
+              <a:defRPr/>
+            </a:pPr>
+            <a:r>
+              <a:rPr lang="fr-BE" sz="1200" b="1" i="0" kern="1200" dirty="0" smtClean="0">
+                <a:solidFill>
+                  <a:schemeClr val="tx1"/>
+                </a:solidFill>
+                <a:effectLst/>
+                <a:latin typeface="+mn-lt"/>
+                <a:ea typeface="+mn-ea"/>
+                <a:cs typeface="+mn-cs"/>
+                <a:hlinkClick r:id="rId3"/>
+              </a:rPr>
+              <a:t>BranchGroup</a:t>
+            </a:r>
+            <a:r>
+              <a:rPr lang="fr-BE" sz="1200" b="0" i="0" kern="1200" dirty="0" smtClean="0">
+                <a:solidFill>
+                  <a:schemeClr val="tx1"/>
+                </a:solidFill>
+                <a:effectLst/>
+                <a:latin typeface="+mn-lt"/>
+                <a:ea typeface="+mn-ea"/>
+                <a:cs typeface="+mn-cs"/>
+              </a:rPr>
+              <a:t>: Pointeur sur la racine d'une branche d'un graphe de scène. Insertion possible seulement dans l'ensemble des racines associé à un objet Locale.</a:t>
+            </a:r>
+          </a:p>
+          <a:p>
+            <a:pPr marL="0" marR="0" indent="0" algn="l" defTabSz="914400" rtl="0" eaLnBrk="1" fontAlgn="auto" latinLnBrk="0" hangingPunct="1">
+              <a:lnSpc>
+                <a:spcPct val="100000"/>
+              </a:lnSpc>
+              <a:spcBef>
+                <a:spcPts val="0"/>
+              </a:spcBef>
+              <a:spcAft>
+                <a:spcPts val="0"/>
+              </a:spcAft>
+              <a:buClrTx/>
+              <a:buSzTx/>
+              <a:buFontTx/>
+              <a:buNone/>
+              <a:tabLst/>
+              <a:defRPr/>
+            </a:pPr>
+            <a:r>
+              <a:rPr lang="fr-BE" sz="1200" b="1" i="0" kern="1200" dirty="0" err="1" smtClean="0">
+                <a:solidFill>
+                  <a:schemeClr val="tx1"/>
+                </a:solidFill>
+                <a:effectLst/>
+                <a:latin typeface="+mn-lt"/>
+                <a:ea typeface="+mn-ea"/>
+                <a:cs typeface="+mn-cs"/>
+                <a:hlinkClick r:id="rId4"/>
+              </a:rPr>
+              <a:t>TransformGroup</a:t>
+            </a:r>
+            <a:r>
+              <a:rPr lang="fr-BE" sz="1200" b="0" i="0" kern="1200" dirty="0" smtClean="0">
+                <a:solidFill>
+                  <a:schemeClr val="tx1"/>
+                </a:solidFill>
+                <a:effectLst/>
+                <a:latin typeface="+mn-lt"/>
+                <a:ea typeface="+mn-ea"/>
+                <a:cs typeface="+mn-cs"/>
+              </a:rPr>
+              <a:t>: Un nœud Group qui contient une transformation de classe Transform3D appliquée à chacun de ses fils avant son traitement.</a:t>
+            </a:r>
+          </a:p>
+          <a:p>
+            <a:pPr marL="0" marR="0" indent="0" algn="l" defTabSz="914400" rtl="0" eaLnBrk="1" fontAlgn="auto" latinLnBrk="0" hangingPunct="1">
+              <a:lnSpc>
+                <a:spcPct val="100000"/>
+              </a:lnSpc>
+              <a:spcBef>
+                <a:spcPts val="0"/>
+              </a:spcBef>
+              <a:spcAft>
+                <a:spcPts val="0"/>
+              </a:spcAft>
+              <a:buClrTx/>
+              <a:buSzTx/>
+              <a:buFontTx/>
+              <a:buNone/>
+              <a:tabLst/>
+              <a:defRPr/>
+            </a:pPr>
+            <a:endParaRPr lang="fr-BE" sz="1200" b="0" i="0" kern="1200" dirty="0" smtClean="0">
+              <a:solidFill>
+                <a:schemeClr val="tx1"/>
+              </a:solidFill>
+              <a:effectLst/>
+              <a:latin typeface="+mn-lt"/>
+              <a:ea typeface="+mn-ea"/>
+              <a:cs typeface="+mn-cs"/>
+            </a:endParaRPr>
+          </a:p>
+          <a:p>
+            <a:endParaRPr lang="fr-BE" sz="1200" b="0" i="0" kern="1200" dirty="0" smtClean="0">
+              <a:solidFill>
+                <a:schemeClr val="tx1"/>
+              </a:solidFill>
+              <a:effectLst/>
+              <a:latin typeface="+mn-lt"/>
+              <a:ea typeface="+mn-ea"/>
+              <a:cs typeface="+mn-cs"/>
+            </a:endParaRPr>
+          </a:p>
+          <a:p>
+            <a:endParaRPr lang="fr-BE" dirty="0" smtClean="0"/>
+          </a:p>
+          <a:p>
+            <a:endParaRPr lang="fr-BE" dirty="0" smtClean="0"/>
+          </a:p>
+        </p:txBody>
+      </p:sp>
+      <p:sp>
+        <p:nvSpPr>
+          <p:cNvPr id="4" name="Espace réservé du numéro de diapositive 3"/>
+          <p:cNvSpPr>
+            <a:spLocks noGrp="1"/>
+          </p:cNvSpPr>
+          <p:nvPr>
+            <p:ph type="sldNum" sz="quarter" idx="10"/>
+          </p:nvPr>
+        </p:nvSpPr>
+        <p:spPr/>
+        <p:txBody>
+          <a:bodyPr/>
+          <a:lstStyle/>
+          <a:p>
+            <a:fld id="{F9B9F26C-5E20-463A-A30E-4B3CD8C634F9}" type="slidenum">
+              <a:rPr lang="en-US" smtClean="0"/>
+              <a:t>8</a:t>
+            </a:fld>
+            <a:endParaRPr lang="en-US"/>
+          </a:p>
+        </p:txBody>
+      </p:sp>
+    </p:spTree>
+    <p:extLst>
+      <p:ext uri="{BB962C8B-B14F-4D97-AF65-F5344CB8AC3E}">
+        <p14:creationId xmlns:p14="http://schemas.microsoft.com/office/powerpoint/2010/main" val="1652654734"/>
+      </p:ext>
+    </p:extLst>
+  </p:cSld>
+  <p:clrMapOvr>
+    <a:masterClrMapping/>
+  </p:clrMapOvr>
+</p:notes>
+</file>
+
+<file path=ppt/notesSlides/notesSlide2.xml><?xml version="1.0" encoding="utf-8"?>
+<p:notes xmlns:a="http://schemas.openxmlformats.org/drawingml/2006/main" xmlns:r="http://schemas.openxmlformats.org/officeDocument/2006/relationships" xmlns:p="http://schemas.openxmlformats.org/presentationml/2006/main">
+  <p:cSld>
+    <p:spTree>
+      <p:nvGrpSpPr>
+        <p:cNvPr id="1" name=""/>
+        <p:cNvGrpSpPr/>
+        <p:nvPr/>
+      </p:nvGrpSpPr>
+      <p:grpSpPr>
+        <a:xfrm>
+          <a:off x="0" y="0"/>
+          <a:ext cx="0" cy="0"/>
+          <a:chOff x="0" y="0"/>
+          <a:chExt cx="0" cy="0"/>
+        </a:xfrm>
+      </p:grpSpPr>
+      <p:sp>
+        <p:nvSpPr>
+          <p:cNvPr id="2" name="Espace réservé de l'image des diapositives 1"/>
+          <p:cNvSpPr>
+            <a:spLocks noGrp="1" noRot="1" noChangeAspect="1"/>
+          </p:cNvSpPr>
+          <p:nvPr>
+            <p:ph type="sldImg"/>
+          </p:nvPr>
+        </p:nvSpPr>
+        <p:spPr/>
+      </p:sp>
+      <p:sp>
+        <p:nvSpPr>
+          <p:cNvPr id="3" name="Espace réservé des commentaires 2"/>
+          <p:cNvSpPr>
+            <a:spLocks noGrp="1"/>
+          </p:cNvSpPr>
+          <p:nvPr>
+            <p:ph type="body" idx="1"/>
+          </p:nvPr>
+        </p:nvSpPr>
+        <p:spPr/>
+        <p:txBody>
+          <a:bodyPr/>
+          <a:lstStyle/>
+          <a:p>
+            <a:r>
+              <a:rPr lang="fr-BE" sz="1200" b="0" i="0" kern="1200" dirty="0" smtClean="0">
+                <a:solidFill>
+                  <a:schemeClr val="tx1"/>
+                </a:solidFill>
+                <a:effectLst/>
+                <a:latin typeface="+mn-lt"/>
+                <a:ea typeface="+mn-ea"/>
+                <a:cs typeface="+mn-cs"/>
+              </a:rPr>
+              <a:t> </a:t>
+            </a:r>
+          </a:p>
+          <a:p>
+            <a:r>
+              <a:rPr lang="fr-BE" sz="1200" b="0" i="0" kern="1200" dirty="0" smtClean="0">
+                <a:solidFill>
+                  <a:schemeClr val="tx1"/>
+                </a:solidFill>
+                <a:effectLst/>
+                <a:latin typeface="+mn-lt"/>
+                <a:ea typeface="+mn-ea"/>
+                <a:cs typeface="+mn-cs"/>
+              </a:rPr>
+              <a:t>Voici un autre exemple d'arbre correspondant à une scène 3D affichant un objet ayant subi deux transformations géométriques au préalable. Nous verrons dans le chapitre consacré aux </a:t>
+            </a:r>
+            <a:r>
+              <a:rPr lang="fr-BE" sz="1200" b="0" i="0" kern="1200" dirty="0" smtClean="0">
+                <a:solidFill>
+                  <a:schemeClr val="tx1"/>
+                </a:solidFill>
+                <a:effectLst/>
+                <a:latin typeface="+mn-lt"/>
+                <a:ea typeface="+mn-ea"/>
+                <a:cs typeface="+mn-cs"/>
+                <a:hlinkClick r:id="rId3"/>
+              </a:rPr>
+              <a:t>transformations</a:t>
+            </a:r>
+            <a:r>
+              <a:rPr lang="fr-BE" sz="1200" b="0" i="0" kern="1200" dirty="0" smtClean="0">
+                <a:solidFill>
+                  <a:schemeClr val="tx1"/>
+                </a:solidFill>
+                <a:effectLst/>
+                <a:latin typeface="+mn-lt"/>
+                <a:ea typeface="+mn-ea"/>
+                <a:cs typeface="+mn-cs"/>
+              </a:rPr>
+              <a:t> que celles - ci sont toujours appliquées dans un ordre bien précis : de la feuille vers la racine. Dans notre exemple, c'est la translation qui est d'abord appliquée à l'objet </a:t>
+            </a:r>
+            <a:r>
+              <a:rPr lang="fr-BE" sz="1200" b="0" i="0" kern="1200" dirty="0" err="1" smtClean="0">
+                <a:solidFill>
+                  <a:schemeClr val="tx1"/>
+                </a:solidFill>
+                <a:effectLst/>
+                <a:latin typeface="+mn-lt"/>
+                <a:ea typeface="+mn-ea"/>
+                <a:cs typeface="+mn-cs"/>
+              </a:rPr>
+              <a:t>ColorCube</a:t>
+            </a:r>
+            <a:r>
+              <a:rPr lang="fr-BE" sz="1200" b="0" i="0" kern="1200" dirty="0" smtClean="0">
+                <a:solidFill>
+                  <a:schemeClr val="tx1"/>
+                </a:solidFill>
+                <a:effectLst/>
+                <a:latin typeface="+mn-lt"/>
+                <a:ea typeface="+mn-ea"/>
+                <a:cs typeface="+mn-cs"/>
+              </a:rPr>
+              <a:t> puis la rotation ensuite. L'ordre d'exécution des transformations est primordial car nous n'obtiendrions pas du tout le même résultat si la rotation était appliquée en premier :</a:t>
+            </a:r>
+          </a:p>
+          <a:p>
+            <a:endParaRPr lang="fr-BE" dirty="0"/>
+          </a:p>
+        </p:txBody>
+      </p:sp>
+      <p:sp>
+        <p:nvSpPr>
+          <p:cNvPr id="4" name="Espace réservé du numéro de diapositive 3"/>
+          <p:cNvSpPr>
+            <a:spLocks noGrp="1"/>
+          </p:cNvSpPr>
+          <p:nvPr>
+            <p:ph type="sldNum" sz="quarter" idx="10"/>
+          </p:nvPr>
+        </p:nvSpPr>
+        <p:spPr/>
+        <p:txBody>
+          <a:bodyPr/>
+          <a:lstStyle/>
+          <a:p>
+            <a:fld id="{F9B9F26C-5E20-463A-A30E-4B3CD8C634F9}" type="slidenum">
+              <a:rPr lang="en-US" smtClean="0"/>
+              <a:t>9</a:t>
+            </a:fld>
+            <a:endParaRPr lang="en-US"/>
+          </a:p>
+        </p:txBody>
+      </p:sp>
+    </p:spTree>
+    <p:extLst>
+      <p:ext uri="{BB962C8B-B14F-4D97-AF65-F5344CB8AC3E}">
+        <p14:creationId xmlns:p14="http://schemas.microsoft.com/office/powerpoint/2010/main" val="662840705"/>
+      </p:ext>
+    </p:extLst>
+  </p:cSld>
+  <p:clrMapOvr>
+    <a:masterClrMapping/>
+  </p:clrMapOvr>
+</p:notes>
+</file>
+
+<file path=ppt/notesSlides/notesSlide3.xml><?xml version="1.0" encoding="utf-8"?>
+<p:notes xmlns:a="http://schemas.openxmlformats.org/drawingml/2006/main" xmlns:r="http://schemas.openxmlformats.org/officeDocument/2006/relationships" xmlns:p="http://schemas.openxmlformats.org/presentationml/2006/main">
+  <p:cSld>
+    <p:spTree>
+      <p:nvGrpSpPr>
+        <p:cNvPr id="1" name=""/>
+        <p:cNvGrpSpPr/>
+        <p:nvPr/>
+      </p:nvGrpSpPr>
+      <p:grpSpPr>
+        <a:xfrm>
+          <a:off x="0" y="0"/>
+          <a:ext cx="0" cy="0"/>
+          <a:chOff x="0" y="0"/>
+          <a:chExt cx="0" cy="0"/>
+        </a:xfrm>
+      </p:grpSpPr>
+      <p:sp>
+        <p:nvSpPr>
+          <p:cNvPr id="2" name="Espace réservé de l'image des diapositives 1"/>
+          <p:cNvSpPr>
+            <a:spLocks noGrp="1" noRot="1" noChangeAspect="1"/>
+          </p:cNvSpPr>
+          <p:nvPr>
+            <p:ph type="sldImg"/>
+          </p:nvPr>
+        </p:nvSpPr>
+        <p:spPr/>
+      </p:sp>
+      <p:sp>
+        <p:nvSpPr>
+          <p:cNvPr id="3" name="Espace réservé des commentaires 2"/>
+          <p:cNvSpPr>
+            <a:spLocks noGrp="1"/>
+          </p:cNvSpPr>
+          <p:nvPr>
+            <p:ph type="body" idx="1"/>
+          </p:nvPr>
+        </p:nvSpPr>
+        <p:spPr/>
+        <p:txBody>
+          <a:bodyPr/>
+          <a:lstStyle/>
+          <a:p>
+            <a:r>
+              <a:rPr lang="fr-BE" sz="1200" b="0" i="0" kern="1200" dirty="0" smtClean="0">
+                <a:solidFill>
+                  <a:schemeClr val="tx1"/>
+                </a:solidFill>
+                <a:effectLst/>
+                <a:latin typeface="+mn-lt"/>
+                <a:ea typeface="+mn-ea"/>
+                <a:cs typeface="+mn-cs"/>
+              </a:rPr>
+              <a:t>La classe BranchGroup possède une méthode compile(). L'appel de cette méthode convertit toute la branche de l'arbre située sous le nœud BranchGroup en une représentation interne qui est optimisée pour le moteur de rendu afin d'avoir un affichage rapide. Les optimisations effectuées par cette méthode compile() sont multiples, l'une d'entre elles consiste à transformer plusieurs nœuds de type </a:t>
+            </a:r>
+            <a:r>
+              <a:rPr lang="fr-BE" sz="1200" b="0" i="0" kern="1200" dirty="0" err="1" smtClean="0">
+                <a:solidFill>
+                  <a:schemeClr val="tx1"/>
+                </a:solidFill>
+                <a:effectLst/>
+                <a:latin typeface="+mn-lt"/>
+                <a:ea typeface="+mn-ea"/>
+                <a:cs typeface="+mn-cs"/>
+              </a:rPr>
+              <a:t>TransformGroup</a:t>
+            </a:r>
+            <a:r>
+              <a:rPr lang="fr-BE" sz="1200" b="0" i="0" kern="1200" dirty="0" smtClean="0">
+                <a:solidFill>
+                  <a:schemeClr val="tx1"/>
+                </a:solidFill>
+                <a:effectLst/>
+                <a:latin typeface="+mn-lt"/>
+                <a:ea typeface="+mn-ea"/>
+                <a:cs typeface="+mn-cs"/>
+              </a:rPr>
+              <a:t> consécutifs en une seul objet </a:t>
+            </a:r>
+            <a:r>
+              <a:rPr lang="fr-BE" sz="1200" b="0" i="0" kern="1200" dirty="0" err="1" smtClean="0">
+                <a:solidFill>
+                  <a:schemeClr val="tx1"/>
+                </a:solidFill>
+                <a:effectLst/>
+                <a:latin typeface="+mn-lt"/>
+                <a:ea typeface="+mn-ea"/>
+                <a:cs typeface="+mn-cs"/>
+              </a:rPr>
+              <a:t>TransformGroup</a:t>
+            </a:r>
+            <a:r>
+              <a:rPr lang="fr-BE" sz="1200" b="0" i="0" kern="1200" dirty="0" smtClean="0">
+                <a:solidFill>
+                  <a:schemeClr val="tx1"/>
+                </a:solidFill>
+                <a:effectLst/>
+                <a:latin typeface="+mn-lt"/>
+                <a:ea typeface="+mn-ea"/>
+                <a:cs typeface="+mn-cs"/>
+              </a:rPr>
+              <a:t>. La transformation 3D résultante n'en sera que plus performante :</a:t>
+            </a:r>
+            <a:endParaRPr lang="fr-BE" dirty="0"/>
+          </a:p>
+        </p:txBody>
+      </p:sp>
+      <p:sp>
+        <p:nvSpPr>
+          <p:cNvPr id="4" name="Espace réservé du numéro de diapositive 3"/>
+          <p:cNvSpPr>
+            <a:spLocks noGrp="1"/>
+          </p:cNvSpPr>
+          <p:nvPr>
+            <p:ph type="sldNum" sz="quarter" idx="10"/>
+          </p:nvPr>
+        </p:nvSpPr>
+        <p:spPr/>
+        <p:txBody>
+          <a:bodyPr/>
+          <a:lstStyle/>
+          <a:p>
+            <a:fld id="{F9B9F26C-5E20-463A-A30E-4B3CD8C634F9}" type="slidenum">
+              <a:rPr lang="en-US" smtClean="0"/>
+              <a:t>10</a:t>
+            </a:fld>
+            <a:endParaRPr lang="en-US"/>
+          </a:p>
+        </p:txBody>
+      </p:sp>
+    </p:spTree>
+    <p:extLst>
+      <p:ext uri="{BB962C8B-B14F-4D97-AF65-F5344CB8AC3E}">
+        <p14:creationId xmlns:p14="http://schemas.microsoft.com/office/powerpoint/2010/main" val="885670676"/>
+      </p:ext>
+    </p:extLst>
+  </p:cSld>
+  <p:clrMapOvr>
+    <a:masterClrMapping/>
+  </p:clrMapOvr>
+</p:notes>
+</file>
+
+<file path=ppt/notesSlides/notesSlide4.xml><?xml version="1.0" encoding="utf-8"?>
+<p:notes xmlns:a="http://schemas.openxmlformats.org/drawingml/2006/main" xmlns:r="http://schemas.openxmlformats.org/officeDocument/2006/relationships" xmlns:p="http://schemas.openxmlformats.org/presentationml/2006/main">
+  <p:cSld>
+    <p:spTree>
+      <p:nvGrpSpPr>
+        <p:cNvPr id="1" name=""/>
+        <p:cNvGrpSpPr/>
+        <p:nvPr/>
+      </p:nvGrpSpPr>
+      <p:grpSpPr>
+        <a:xfrm>
+          <a:off x="0" y="0"/>
+          <a:ext cx="0" cy="0"/>
+          <a:chOff x="0" y="0"/>
+          <a:chExt cx="0" cy="0"/>
+        </a:xfrm>
+      </p:grpSpPr>
+      <p:sp>
+        <p:nvSpPr>
+          <p:cNvPr id="2" name="Espace réservé de l'image des diapositives 1"/>
+          <p:cNvSpPr>
+            <a:spLocks noGrp="1" noRot="1" noChangeAspect="1"/>
+          </p:cNvSpPr>
+          <p:nvPr>
+            <p:ph type="sldImg"/>
+          </p:nvPr>
+        </p:nvSpPr>
+        <p:spPr/>
+      </p:sp>
+      <p:sp>
+        <p:nvSpPr>
+          <p:cNvPr id="3" name="Espace réservé des commentaires 2"/>
+          <p:cNvSpPr>
+            <a:spLocks noGrp="1"/>
+          </p:cNvSpPr>
+          <p:nvPr>
+            <p:ph type="body" idx="1"/>
+          </p:nvPr>
+        </p:nvSpPr>
+        <p:spPr/>
+        <p:txBody>
+          <a:bodyPr/>
+          <a:lstStyle/>
+          <a:p>
+            <a:endParaRPr lang="fr-BE" dirty="0"/>
+          </a:p>
+        </p:txBody>
+      </p:sp>
+      <p:sp>
+        <p:nvSpPr>
+          <p:cNvPr id="4" name="Espace réservé du numéro de diapositive 3"/>
+          <p:cNvSpPr>
+            <a:spLocks noGrp="1"/>
+          </p:cNvSpPr>
+          <p:nvPr>
+            <p:ph type="sldNum" sz="quarter" idx="10"/>
+          </p:nvPr>
+        </p:nvSpPr>
+        <p:spPr/>
+        <p:txBody>
+          <a:bodyPr/>
+          <a:lstStyle/>
+          <a:p>
+            <a:fld id="{F9B9F26C-5E20-463A-A30E-4B3CD8C634F9}" type="slidenum">
+              <a:rPr lang="en-US" smtClean="0"/>
+              <a:t>11</a:t>
+            </a:fld>
+            <a:endParaRPr lang="en-US"/>
+          </a:p>
+        </p:txBody>
+      </p:sp>
+    </p:spTree>
+    <p:extLst>
+      <p:ext uri="{BB962C8B-B14F-4D97-AF65-F5344CB8AC3E}">
+        <p14:creationId xmlns:p14="http://schemas.microsoft.com/office/powerpoint/2010/main" val="1095302871"/>
+      </p:ext>
+    </p:extLst>
+  </p:cSld>
+  <p:clrMapOvr>
+    <a:masterClrMapping/>
+  </p:clrMapOvr>
+</p:notes>
+</file>
+
+<file path=ppt/notesSlides/notesSlide5.xml><?xml version="1.0" encoding="utf-8"?>
+<p:notes xmlns:a="http://schemas.openxmlformats.org/drawingml/2006/main" xmlns:r="http://schemas.openxmlformats.org/officeDocument/2006/relationships" xmlns:p="http://schemas.openxmlformats.org/presentationml/2006/main">
+  <p:cSld>
+    <p:spTree>
+      <p:nvGrpSpPr>
+        <p:cNvPr id="1" name=""/>
+        <p:cNvGrpSpPr/>
+        <p:nvPr/>
+      </p:nvGrpSpPr>
+      <p:grpSpPr>
+        <a:xfrm>
+          <a:off x="0" y="0"/>
+          <a:ext cx="0" cy="0"/>
+          <a:chOff x="0" y="0"/>
+          <a:chExt cx="0" cy="0"/>
+        </a:xfrm>
+      </p:grpSpPr>
+      <p:sp>
+        <p:nvSpPr>
+          <p:cNvPr id="2" name="Espace réservé de l'image des diapositives 1"/>
+          <p:cNvSpPr>
+            <a:spLocks noGrp="1" noRot="1" noChangeAspect="1"/>
+          </p:cNvSpPr>
+          <p:nvPr>
+            <p:ph type="sldImg"/>
+          </p:nvPr>
+        </p:nvSpPr>
+        <p:spPr/>
+      </p:sp>
+      <p:sp>
+        <p:nvSpPr>
+          <p:cNvPr id="3" name="Espace réservé des commentaires 2"/>
+          <p:cNvSpPr>
+            <a:spLocks noGrp="1"/>
+          </p:cNvSpPr>
+          <p:nvPr>
+            <p:ph type="body" idx="1"/>
+          </p:nvPr>
+        </p:nvSpPr>
+        <p:spPr/>
+        <p:txBody>
+          <a:bodyPr/>
+          <a:lstStyle/>
+          <a:p>
+            <a:r>
+              <a:rPr lang="fr-BE" sz="1200" b="0" i="0" kern="1200" dirty="0" err="1" smtClean="0">
+                <a:solidFill>
+                  <a:schemeClr val="tx1"/>
+                </a:solidFill>
+                <a:effectLst/>
+                <a:latin typeface="+mn-lt"/>
+                <a:ea typeface="+mn-ea"/>
+                <a:cs typeface="+mn-cs"/>
+              </a:rPr>
+              <a:t>Immediate</a:t>
+            </a:r>
+            <a:r>
+              <a:rPr lang="fr-BE" sz="1200" b="0" i="0" kern="1200" dirty="0" smtClean="0">
+                <a:solidFill>
+                  <a:schemeClr val="tx1"/>
+                </a:solidFill>
+                <a:effectLst/>
+                <a:latin typeface="+mn-lt"/>
+                <a:ea typeface="+mn-ea"/>
+                <a:cs typeface="+mn-cs"/>
+              </a:rPr>
+              <a:t> mode</a:t>
+            </a:r>
+            <a:br>
+              <a:rPr lang="fr-BE" sz="1200" b="0" i="0" kern="1200" dirty="0" smtClean="0">
+                <a:solidFill>
+                  <a:schemeClr val="tx1"/>
+                </a:solidFill>
+                <a:effectLst/>
+                <a:latin typeface="+mn-lt"/>
+                <a:ea typeface="+mn-ea"/>
+                <a:cs typeface="+mn-cs"/>
+              </a:rPr>
+            </a:br>
+            <a:r>
+              <a:rPr lang="fr-BE" sz="1200" b="0" i="0" kern="1200" dirty="0" smtClean="0">
+                <a:solidFill>
+                  <a:schemeClr val="tx1"/>
+                </a:solidFill>
+                <a:effectLst/>
+                <a:latin typeface="+mn-lt"/>
+                <a:ea typeface="+mn-ea"/>
+                <a:cs typeface="+mn-cs"/>
+              </a:rPr>
+              <a:t>Permet d'utiliser ou non la structure graphe de scène inhérente à l'API Java 3D.</a:t>
+            </a:r>
+            <a:br>
+              <a:rPr lang="fr-BE" sz="1200" b="0" i="0" kern="1200" dirty="0" smtClean="0">
+                <a:solidFill>
+                  <a:schemeClr val="tx1"/>
+                </a:solidFill>
+                <a:effectLst/>
+                <a:latin typeface="+mn-lt"/>
+                <a:ea typeface="+mn-ea"/>
+                <a:cs typeface="+mn-cs"/>
+              </a:rPr>
+            </a:br>
+            <a:r>
+              <a:rPr lang="fr-BE" sz="1200" b="0" i="0" kern="1200" dirty="0" smtClean="0">
+                <a:solidFill>
+                  <a:schemeClr val="tx1"/>
+                </a:solidFill>
+                <a:effectLst/>
+                <a:latin typeface="+mn-lt"/>
+                <a:ea typeface="+mn-ea"/>
+                <a:cs typeface="+mn-cs"/>
+              </a:rPr>
+              <a:t>Maximum de flexibilité au prix d'une moins bonne vitesse de rendu.</a:t>
+            </a:r>
+          </a:p>
+          <a:p>
+            <a:r>
+              <a:rPr lang="fr-BE" sz="1200" b="0" i="0" kern="1200" dirty="0" err="1" smtClean="0">
+                <a:solidFill>
+                  <a:schemeClr val="tx1"/>
+                </a:solidFill>
+                <a:effectLst/>
+                <a:latin typeface="+mn-lt"/>
+                <a:ea typeface="+mn-ea"/>
+                <a:cs typeface="+mn-cs"/>
+              </a:rPr>
+              <a:t>Retained</a:t>
+            </a:r>
+            <a:r>
+              <a:rPr lang="fr-BE" sz="1200" b="0" i="0" kern="1200" dirty="0" smtClean="0">
+                <a:solidFill>
+                  <a:schemeClr val="tx1"/>
+                </a:solidFill>
+                <a:effectLst/>
+                <a:latin typeface="+mn-lt"/>
+                <a:ea typeface="+mn-ea"/>
+                <a:cs typeface="+mn-cs"/>
+              </a:rPr>
+              <a:t> mode</a:t>
+            </a:r>
+            <a:br>
+              <a:rPr lang="fr-BE" sz="1200" b="0" i="0" kern="1200" dirty="0" smtClean="0">
+                <a:solidFill>
+                  <a:schemeClr val="tx1"/>
+                </a:solidFill>
+                <a:effectLst/>
+                <a:latin typeface="+mn-lt"/>
+                <a:ea typeface="+mn-ea"/>
+                <a:cs typeface="+mn-cs"/>
+              </a:rPr>
+            </a:br>
+            <a:r>
+              <a:rPr lang="fr-BE" sz="1200" b="0" i="0" kern="1200" dirty="0" smtClean="0">
+                <a:solidFill>
+                  <a:schemeClr val="tx1"/>
+                </a:solidFill>
+                <a:effectLst/>
+                <a:latin typeface="+mn-lt"/>
+                <a:ea typeface="+mn-ea"/>
+                <a:cs typeface="+mn-cs"/>
+              </a:rPr>
+              <a:t>Tous les objets définis dans le graphe de scène accessibles et manipulables (création, destruction, ...) par programme, par sélection, ...</a:t>
+            </a:r>
+            <a:br>
+              <a:rPr lang="fr-BE" sz="1200" b="0" i="0" kern="1200" dirty="0" smtClean="0">
+                <a:solidFill>
+                  <a:schemeClr val="tx1"/>
+                </a:solidFill>
+                <a:effectLst/>
+                <a:latin typeface="+mn-lt"/>
+                <a:ea typeface="+mn-ea"/>
+                <a:cs typeface="+mn-cs"/>
+              </a:rPr>
+            </a:br>
+            <a:r>
+              <a:rPr lang="fr-BE" sz="1200" b="0" i="0" kern="1200" dirty="0" smtClean="0">
+                <a:solidFill>
+                  <a:schemeClr val="tx1"/>
+                </a:solidFill>
+                <a:effectLst/>
+                <a:latin typeface="+mn-lt"/>
+                <a:ea typeface="+mn-ea"/>
+                <a:cs typeface="+mn-cs"/>
+              </a:rPr>
+              <a:t>Optimisation de la vitesse de rendu par réalisation automatique d'optimisations par Java3D (opération possible car Java 3D connaît ce que le programmeur a réalisé).</a:t>
+            </a:r>
+          </a:p>
+          <a:p>
+            <a:r>
+              <a:rPr lang="fr-BE" sz="1200" b="0" i="0" kern="1200" dirty="0" err="1" smtClean="0">
+                <a:solidFill>
+                  <a:schemeClr val="tx1"/>
+                </a:solidFill>
+                <a:effectLst/>
+                <a:latin typeface="+mn-lt"/>
+                <a:ea typeface="+mn-ea"/>
+                <a:cs typeface="+mn-cs"/>
+              </a:rPr>
+              <a:t>Compiled-Retained</a:t>
+            </a:r>
+            <a:r>
+              <a:rPr lang="fr-BE" sz="1200" b="0" i="0" kern="1200" dirty="0" smtClean="0">
+                <a:solidFill>
+                  <a:schemeClr val="tx1"/>
+                </a:solidFill>
+                <a:effectLst/>
+                <a:latin typeface="+mn-lt"/>
+                <a:ea typeface="+mn-ea"/>
+                <a:cs typeface="+mn-cs"/>
+              </a:rPr>
+              <a:t> mode</a:t>
+            </a:r>
+            <a:br>
+              <a:rPr lang="fr-BE" sz="1200" b="0" i="0" kern="1200" dirty="0" smtClean="0">
+                <a:solidFill>
+                  <a:schemeClr val="tx1"/>
+                </a:solidFill>
+                <a:effectLst/>
+                <a:latin typeface="+mn-lt"/>
+                <a:ea typeface="+mn-ea"/>
+                <a:cs typeface="+mn-cs"/>
+              </a:rPr>
+            </a:br>
+            <a:r>
+              <a:rPr lang="fr-BE" sz="1200" b="0" i="0" kern="1200" dirty="0" smtClean="0">
+                <a:solidFill>
+                  <a:schemeClr val="tx1"/>
+                </a:solidFill>
+                <a:effectLst/>
+                <a:latin typeface="+mn-lt"/>
+                <a:ea typeface="+mn-ea"/>
+                <a:cs typeface="+mn-cs"/>
+              </a:rPr>
+              <a:t>Meilleures performances de rendu par optimisation poussée, mais perte de la flexibilité de programmation liée aux possibilités d'accès et de modification des objets.</a:t>
+            </a:r>
+            <a:br>
+              <a:rPr lang="fr-BE" sz="1200" b="0" i="0" kern="1200" dirty="0" smtClean="0">
+                <a:solidFill>
+                  <a:schemeClr val="tx1"/>
+                </a:solidFill>
+                <a:effectLst/>
+                <a:latin typeface="+mn-lt"/>
+                <a:ea typeface="+mn-ea"/>
+                <a:cs typeface="+mn-cs"/>
+              </a:rPr>
+            </a:br>
+            <a:r>
+              <a:rPr lang="fr-BE" sz="1200" b="0" i="0" kern="1200" dirty="0" smtClean="0">
+                <a:solidFill>
+                  <a:schemeClr val="tx1"/>
+                </a:solidFill>
+                <a:effectLst/>
+                <a:latin typeface="+mn-lt"/>
+                <a:ea typeface="+mn-ea"/>
+                <a:cs typeface="+mn-cs"/>
+              </a:rPr>
+              <a:t>Conservation d'un accès aux objets via les </a:t>
+            </a:r>
+            <a:r>
+              <a:rPr lang="fr-BE" sz="1200" b="0" i="0" kern="1200" dirty="0" err="1" smtClean="0">
+                <a:solidFill>
+                  <a:schemeClr val="tx1"/>
+                </a:solidFill>
+                <a:effectLst/>
+                <a:latin typeface="+mn-lt"/>
+                <a:ea typeface="+mn-ea"/>
+                <a:cs typeface="+mn-cs"/>
+              </a:rPr>
+              <a:t>capability</a:t>
+            </a:r>
+            <a:r>
+              <a:rPr lang="fr-BE" sz="1200" b="0" i="0" kern="1200" dirty="0" smtClean="0">
+                <a:solidFill>
+                  <a:schemeClr val="tx1"/>
+                </a:solidFill>
+                <a:effectLst/>
+                <a:latin typeface="+mn-lt"/>
+                <a:ea typeface="+mn-ea"/>
+                <a:cs typeface="+mn-cs"/>
+              </a:rPr>
+              <a:t> flags</a:t>
+            </a:r>
+          </a:p>
+          <a:p>
+            <a:endParaRPr lang="fr-BE" dirty="0"/>
+          </a:p>
+        </p:txBody>
+      </p:sp>
+      <p:sp>
+        <p:nvSpPr>
+          <p:cNvPr id="4" name="Espace réservé du numéro de diapositive 3"/>
+          <p:cNvSpPr>
+            <a:spLocks noGrp="1"/>
+          </p:cNvSpPr>
+          <p:nvPr>
+            <p:ph type="sldNum" sz="quarter" idx="10"/>
+          </p:nvPr>
+        </p:nvSpPr>
+        <p:spPr/>
+        <p:txBody>
+          <a:bodyPr/>
+          <a:lstStyle/>
+          <a:p>
+            <a:fld id="{F9B9F26C-5E20-463A-A30E-4B3CD8C634F9}" type="slidenum">
+              <a:rPr lang="en-US" smtClean="0"/>
+              <a:t>12</a:t>
+            </a:fld>
+            <a:endParaRPr lang="en-US"/>
+          </a:p>
+        </p:txBody>
+      </p:sp>
+    </p:spTree>
+    <p:extLst>
+      <p:ext uri="{BB962C8B-B14F-4D97-AF65-F5344CB8AC3E}">
+        <p14:creationId xmlns:p14="http://schemas.microsoft.com/office/powerpoint/2010/main" val="4111338804"/>
+      </p:ext>
+    </p:extLst>
+  </p:cSld>
+  <p:clrMapOvr>
+    <a:masterClrMapping/>
+  </p:clrMapOvr>
+</p:notes>
+</file>
+
+<file path=ppt/notesSlides/notesSlide6.xml><?xml version="1.0" encoding="utf-8"?>
+<p:notes xmlns:a="http://schemas.openxmlformats.org/drawingml/2006/main" xmlns:r="http://schemas.openxmlformats.org/officeDocument/2006/relationships" xmlns:p="http://schemas.openxmlformats.org/presentationml/2006/main">
+  <p:cSld>
+    <p:spTree>
+      <p:nvGrpSpPr>
+        <p:cNvPr id="1" name=""/>
+        <p:cNvGrpSpPr/>
+        <p:nvPr/>
+      </p:nvGrpSpPr>
+      <p:grpSpPr>
+        <a:xfrm>
+          <a:off x="0" y="0"/>
+          <a:ext cx="0" cy="0"/>
+          <a:chOff x="0" y="0"/>
+          <a:chExt cx="0" cy="0"/>
+        </a:xfrm>
+      </p:grpSpPr>
+      <p:sp>
+        <p:nvSpPr>
           <p:cNvPr id="2" name="Slide Image Placeholder 1"/>
           <p:cNvSpPr>
             <a:spLocks noGrp="1" noRot="1" noChangeAspect="1"/>
@@ -1355,7 +1620,7 @@
                 </a:solidFill>
               </a:rPr>
               <a:pPr/>
-              <a:t>8</a:t>
+              <a:t>18</a:t>
             </a:fld>
             <a:endParaRPr lang="en-US">
               <a:solidFill>
@@ -1599,7 +1864,7 @@
             <a:fld id="{53074F12-AA26-4AC8-9962-C36BB8F32554}" type="datetimeFigureOut">
               <a:rPr lang="en-US" smtClean="0"/>
               <a:pPr/>
-              <a:t>5/16/2016</a:t>
+              <a:t>5/18/2016</a:t>
             </a:fld>
             <a:endParaRPr lang="en-US"/>
           </a:p>
@@ -1854,7 +2119,7 @@
             <a:fld id="{53074F12-AA26-4AC8-9962-C36BB8F32554}" type="datetimeFigureOut">
               <a:rPr lang="en-US" smtClean="0"/>
               <a:pPr/>
-              <a:t>5/16/2016</a:t>
+              <a:t>5/18/2016</a:t>
             </a:fld>
             <a:endParaRPr lang="en-US"/>
           </a:p>
@@ -2026,7 +2291,7 @@
             <a:fld id="{53074F12-AA26-4AC8-9962-C36BB8F32554}" type="datetimeFigureOut">
               <a:rPr lang="en-US" smtClean="0"/>
               <a:pPr/>
-              <a:t>5/16/2016</a:t>
+              <a:t>5/18/2016</a:t>
             </a:fld>
             <a:endParaRPr lang="en-US"/>
           </a:p>
@@ -2208,7 +2473,7 @@
             <a:fld id="{53074F12-AA26-4AC8-9962-C36BB8F32554}" type="datetimeFigureOut">
               <a:rPr lang="en-US" smtClean="0"/>
               <a:pPr/>
-              <a:t>5/16/2016</a:t>
+              <a:t>5/18/2016</a:t>
             </a:fld>
             <a:endParaRPr lang="en-US"/>
           </a:p>
@@ -2443,7 +2708,7 @@
             <a:fld id="{53074F12-AA26-4AC8-9962-C36BB8F32554}" type="datetimeFigureOut">
               <a:rPr lang="en-US" smtClean="0"/>
               <a:pPr/>
-              <a:t>5/16/2016</a:t>
+              <a:t>5/18/2016</a:t>
             </a:fld>
             <a:endParaRPr lang="en-US"/>
           </a:p>
@@ -2692,7 +2957,7 @@
             <a:fld id="{53074F12-AA26-4AC8-9962-C36BB8F32554}" type="datetimeFigureOut">
               <a:rPr lang="en-US" smtClean="0"/>
               <a:pPr/>
-              <a:t>5/16/2016</a:t>
+              <a:t>5/18/2016</a:t>
             </a:fld>
             <a:endParaRPr lang="en-US"/>
           </a:p>
@@ -2940,7 +3205,7 @@
             <a:fld id="{53074F12-AA26-4AC8-9962-C36BB8F32554}" type="datetimeFigureOut">
               <a:rPr lang="en-US" smtClean="0"/>
               <a:pPr/>
-              <a:t>5/16/2016</a:t>
+              <a:t>5/18/2016</a:t>
             </a:fld>
             <a:endParaRPr lang="en-US"/>
           </a:p>
@@ -3235,7 +3500,7 @@
             <a:fld id="{53074F12-AA26-4AC8-9962-C36BB8F32554}" type="datetimeFigureOut">
               <a:rPr lang="en-US" smtClean="0"/>
               <a:pPr/>
-              <a:t>5/16/2016</a:t>
+              <a:t>5/18/2016</a:t>
             </a:fld>
             <a:endParaRPr lang="en-US"/>
           </a:p>
@@ -3725,7 +3990,7 @@
             <a:fld id="{53074F12-AA26-4AC8-9962-C36BB8F32554}" type="datetimeFigureOut">
               <a:rPr lang="en-US" smtClean="0"/>
               <a:pPr/>
-              <a:t>5/16/2016</a:t>
+              <a:t>5/18/2016</a:t>
             </a:fld>
             <a:endParaRPr lang="en-US"/>
           </a:p>
@@ -3845,7 +4110,7 @@
             <a:fld id="{53074F12-AA26-4AC8-9962-C36BB8F32554}" type="datetimeFigureOut">
               <a:rPr lang="en-US" smtClean="0"/>
               <a:pPr/>
-              <a:t>5/16/2016</a:t>
+              <a:t>5/18/2016</a:t>
             </a:fld>
             <a:endParaRPr lang="en-US"/>
           </a:p>
@@ -3942,7 +4207,7 @@
             <a:fld id="{53074F12-AA26-4AC8-9962-C36BB8F32554}" type="datetimeFigureOut">
               <a:rPr lang="en-US" smtClean="0"/>
               <a:pPr/>
-              <a:t>5/16/2016</a:t>
+              <a:t>5/18/2016</a:t>
             </a:fld>
             <a:endParaRPr lang="en-US"/>
           </a:p>
@@ -4221,7 +4486,7 @@
             <a:fld id="{53074F12-AA26-4AC8-9962-C36BB8F32554}" type="datetimeFigureOut">
               <a:rPr lang="en-US" smtClean="0"/>
               <a:pPr/>
-              <a:t>5/16/2016</a:t>
+              <a:t>5/18/2016</a:t>
             </a:fld>
             <a:endParaRPr lang="en-US"/>
           </a:p>
@@ -4445,7 +4710,7 @@
             <a:fld id="{53074F12-AA26-4AC8-9962-C36BB8F32554}" type="datetimeFigureOut">
               <a:rPr lang="en-US" smtClean="0"/>
               <a:pPr/>
-              <a:t>5/16/2016</a:t>
+              <a:t>5/18/2016</a:t>
             </a:fld>
             <a:endParaRPr lang="en-US"/>
           </a:p>
@@ -4914,7 +5179,7 @@
 </p:sld>
 </file>
 
-<file path=ppt/slides/slide2.xml><?xml version="1.0" encoding="utf-8"?>
+<file path=ppt/slides/slide10.xml><?xml version="1.0" encoding="utf-8"?>
 <p:sld xmlns:a="http://schemas.openxmlformats.org/drawingml/2006/main" xmlns:r="http://schemas.openxmlformats.org/officeDocument/2006/relationships" xmlns:p="http://schemas.openxmlformats.org/presentationml/2006/main">
   <p:cSld>
     <p:spTree>
@@ -4933,18 +5198,64 @@
       </p:grpSpPr>
       <p:sp>
         <p:nvSpPr>
-          <p:cNvPr id="2" name="Title 1"/>
+          <p:cNvPr id="2" name="Titre 1"/>
           <p:cNvSpPr>
             <a:spLocks noGrp="1"/>
           </p:cNvSpPr>
           <p:nvPr>
             <p:ph type="title"/>
+          </p:nvPr>
+        </p:nvSpPr>
+        <p:spPr/>
+        <p:txBody>
+          <a:bodyPr/>
+          <a:lstStyle/>
+          <a:p>
+            <a:r>
+              <a:rPr lang="fr-BE" dirty="0" smtClean="0"/>
+              <a:t>Graphe de scène</a:t>
+            </a:r>
+            <a:endParaRPr lang="fr-BE" dirty="0"/>
+          </a:p>
+        </p:txBody>
+      </p:sp>
+      <p:sp>
+        <p:nvSpPr>
+          <p:cNvPr id="3" name="Espace réservé du texte 2"/>
+          <p:cNvSpPr>
+            <a:spLocks noGrp="1"/>
+          </p:cNvSpPr>
+          <p:nvPr>
+            <p:ph type="body" idx="1"/>
+          </p:nvPr>
+        </p:nvSpPr>
+        <p:spPr/>
+        <p:txBody>
+          <a:bodyPr/>
+          <a:lstStyle/>
+          <a:p>
+            <a:r>
+              <a:rPr lang="fr-BE" dirty="0" smtClean="0"/>
+              <a:t>Compilation</a:t>
+            </a:r>
+            <a:endParaRPr lang="fr-BE" dirty="0"/>
+          </a:p>
+        </p:txBody>
+      </p:sp>
+      <p:sp>
+        <p:nvSpPr>
+          <p:cNvPr id="7" name="Espace réservé du contenu 2"/>
+          <p:cNvSpPr>
+            <a:spLocks noGrp="1"/>
+          </p:cNvSpPr>
+          <p:nvPr>
+            <p:ph sz="half" idx="2"/>
           </p:nvPr>
         </p:nvSpPr>
         <p:spPr>
           <a:xfrm>
-            <a:off x="601670" y="527605"/>
-            <a:ext cx="7940659" cy="763524"/>
+            <a:off x="449264" y="2625725"/>
+            <a:ext cx="3970032" cy="2024915"/>
           </a:xfrm>
         </p:spPr>
         <p:txBody>
@@ -4954,16 +5265,118 @@
           <a:lstStyle/>
           <a:p>
             <a:r>
-              <a:rPr lang="en-US" dirty="0" smtClean="0"/>
-              <a:t>Slide Title</a:t>
-            </a:r>
-            <a:endParaRPr lang="en-US" dirty="0"/>
-          </a:p>
-        </p:txBody>
-      </p:sp>
-      <p:sp>
-        <p:nvSpPr>
-          <p:cNvPr id="3" name="Content Placeholder 2"/>
+              <a:rPr lang="fr-BE" dirty="0" err="1" smtClean="0"/>
+              <a:t>BranchGroup.compile</a:t>
+            </a:r>
+            <a:r>
+              <a:rPr lang="fr-BE" dirty="0" smtClean="0"/>
+              <a:t>() </a:t>
+            </a:r>
+          </a:p>
+          <a:p>
+            <a:pPr marL="0" indent="0">
+              <a:buNone/>
+            </a:pPr>
+            <a:r>
+              <a:rPr lang="fr-BE" dirty="0" smtClean="0"/>
+              <a:t>Optimisation interne </a:t>
+            </a:r>
+          </a:p>
+        </p:txBody>
+      </p:sp>
+      <p:pic>
+        <p:nvPicPr>
+          <p:cNvPr id="8" name="Image 7"/>
+          <p:cNvPicPr>
+            <a:picLocks noChangeAspect="1"/>
+          </p:cNvPicPr>
+          <p:nvPr/>
+        </p:nvPicPr>
+        <p:blipFill>
+          <a:blip r:embed="rId3">
+            <a:extLst>
+              <a:ext uri="{28A0092B-C50C-407E-A947-70E740481C1C}">
+                <a14:useLocalDpi xmlns:a14="http://schemas.microsoft.com/office/drawing/2010/main" val="0"/>
+              </a:ext>
+            </a:extLst>
+          </a:blip>
+          <a:stretch>
+            <a:fillRect/>
+          </a:stretch>
+        </p:blipFill>
+        <p:spPr>
+          <a:xfrm>
+            <a:off x="4546569" y="2055312"/>
+            <a:ext cx="4543998" cy="4161870"/>
+          </a:xfrm>
+          <a:prstGeom prst="rect">
+            <a:avLst/>
+          </a:prstGeom>
+        </p:spPr>
+      </p:pic>
+    </p:spTree>
+    <p:extLst>
+      <p:ext uri="{BB962C8B-B14F-4D97-AF65-F5344CB8AC3E}">
+        <p14:creationId xmlns:p14="http://schemas.microsoft.com/office/powerpoint/2010/main" val="3361147696"/>
+      </p:ext>
+    </p:extLst>
+  </p:cSld>
+  <p:clrMapOvr>
+    <a:masterClrMapping/>
+  </p:clrMapOvr>
+  <p:timing>
+    <p:tnLst>
+      <p:par>
+        <p:cTn id="1" dur="indefinite" restart="never" nodeType="tmRoot"/>
+      </p:par>
+    </p:tnLst>
+  </p:timing>
+</p:sld>
+</file>
+
+<file path=ppt/slides/slide11.xml><?xml version="1.0" encoding="utf-8"?>
+<p:sld xmlns:a="http://schemas.openxmlformats.org/drawingml/2006/main" xmlns:r="http://schemas.openxmlformats.org/officeDocument/2006/relationships" xmlns:p="http://schemas.openxmlformats.org/presentationml/2006/main">
+  <p:cSld>
+    <p:spTree>
+      <p:nvGrpSpPr>
+        <p:cNvPr id="1" name=""/>
+        <p:cNvGrpSpPr/>
+        <p:nvPr/>
+      </p:nvGrpSpPr>
+      <p:grpSpPr>
+        <a:xfrm>
+          <a:off x="0" y="0"/>
+          <a:ext cx="0" cy="0"/>
+          <a:chOff x="0" y="0"/>
+          <a:chExt cx="0" cy="0"/>
+        </a:xfrm>
+      </p:grpSpPr>
+      <p:sp>
+        <p:nvSpPr>
+          <p:cNvPr id="2" name="Titre 1"/>
+          <p:cNvSpPr>
+            <a:spLocks noGrp="1"/>
+          </p:cNvSpPr>
+          <p:nvPr>
+            <p:ph type="title"/>
+          </p:nvPr>
+        </p:nvSpPr>
+        <p:spPr/>
+        <p:txBody>
+          <a:bodyPr/>
+          <a:lstStyle/>
+          <a:p>
+            <a:r>
+              <a:rPr lang="fr-BE" dirty="0" smtClean="0"/>
+              <a:t>Graphe scène : exécution</a:t>
+            </a:r>
+            <a:endParaRPr lang="fr-BE" dirty="0"/>
+          </a:p>
+        </p:txBody>
+      </p:sp>
+      <p:sp>
+        <p:nvSpPr>
+          <p:cNvPr id="4" name="Espace réservé du contenu 3"/>
           <p:cNvSpPr>
             <a:spLocks noGrp="1"/>
           </p:cNvSpPr>
@@ -4973,52 +5386,518 @@
         </p:nvSpPr>
         <p:spPr/>
         <p:txBody>
+          <a:bodyPr>
+            <a:normAutofit/>
+          </a:bodyPr>
+          <a:lstStyle/>
+          <a:p>
+            <a:pPr marL="0" indent="0">
+              <a:buNone/>
+            </a:pPr>
+            <a:r>
+              <a:rPr lang="fr-BE" dirty="0"/>
+              <a:t>Java3D utilise plusieurs threads, asynchrones </a:t>
+            </a:r>
+            <a:r>
+              <a:rPr lang="fr-BE" dirty="0" smtClean="0"/>
+              <a:t>et  ind</a:t>
+            </a:r>
+            <a:r>
+              <a:rPr lang="fr-BE" dirty="0"/>
+              <a:t>é</a:t>
+            </a:r>
+            <a:r>
+              <a:rPr lang="fr-BE" dirty="0" smtClean="0"/>
+              <a:t>pendants </a:t>
+            </a:r>
+            <a:r>
+              <a:rPr lang="fr-BE" dirty="0"/>
+              <a:t>:</a:t>
+            </a:r>
+          </a:p>
+          <a:p>
+            <a:pPr lvl="1"/>
+            <a:r>
+              <a:rPr lang="fr-BE" dirty="0" smtClean="0"/>
+              <a:t>rendu </a:t>
+            </a:r>
+            <a:r>
+              <a:rPr lang="fr-BE" dirty="0"/>
+              <a:t>graphique</a:t>
+            </a:r>
+          </a:p>
+          <a:p>
+            <a:pPr lvl="1"/>
+            <a:r>
+              <a:rPr lang="fr-BE" dirty="0" smtClean="0"/>
+              <a:t>rendu </a:t>
+            </a:r>
+            <a:r>
+              <a:rPr lang="fr-BE" dirty="0"/>
+              <a:t>sonore</a:t>
+            </a:r>
+          </a:p>
+          <a:p>
+            <a:pPr lvl="1"/>
+            <a:r>
+              <a:rPr lang="fr-BE" dirty="0" smtClean="0"/>
+              <a:t> </a:t>
+            </a:r>
+            <a:r>
+              <a:rPr lang="fr-BE" dirty="0"/>
+              <a:t>animation du comportement</a:t>
+            </a:r>
+          </a:p>
+          <a:p>
+            <a:pPr lvl="1"/>
+            <a:r>
+              <a:rPr lang="fr-BE" dirty="0" smtClean="0"/>
+              <a:t> </a:t>
+            </a:r>
+            <a:r>
+              <a:rPr lang="fr-BE" dirty="0"/>
+              <a:t>gestion des </a:t>
+            </a:r>
+            <a:r>
+              <a:rPr lang="fr-BE" dirty="0" smtClean="0"/>
+              <a:t>périphériques</a:t>
+            </a:r>
+            <a:endParaRPr lang="fr-BE" dirty="0"/>
+          </a:p>
+          <a:p>
+            <a:pPr lvl="1"/>
+            <a:r>
+              <a:rPr lang="fr-BE" dirty="0" smtClean="0"/>
+              <a:t> génération </a:t>
+            </a:r>
+            <a:r>
+              <a:rPr lang="fr-BE" dirty="0"/>
+              <a:t>des </a:t>
+            </a:r>
+            <a:r>
+              <a:rPr lang="fr-BE" dirty="0" smtClean="0"/>
+              <a:t>événements </a:t>
+            </a:r>
+            <a:r>
+              <a:rPr lang="fr-BE" dirty="0"/>
+              <a:t>(</a:t>
+            </a:r>
+            <a:r>
+              <a:rPr lang="fr-BE" dirty="0" smtClean="0"/>
+              <a:t>détection </a:t>
+            </a:r>
+            <a:r>
+              <a:rPr lang="fr-BE" dirty="0"/>
+              <a:t>de collision)</a:t>
+            </a:r>
+            <a:endParaRPr lang="fr-BE" dirty="0"/>
+          </a:p>
+        </p:txBody>
+      </p:sp>
+    </p:spTree>
+    <p:extLst>
+      <p:ext uri="{BB962C8B-B14F-4D97-AF65-F5344CB8AC3E}">
+        <p14:creationId xmlns:p14="http://schemas.microsoft.com/office/powerpoint/2010/main" val="2690852348"/>
+      </p:ext>
+    </p:extLst>
+  </p:cSld>
+  <p:clrMapOvr>
+    <a:masterClrMapping/>
+  </p:clrMapOvr>
+  <p:timing>
+    <p:tnLst>
+      <p:par>
+        <p:cTn id="1" dur="indefinite" restart="never" nodeType="tmRoot"/>
+      </p:par>
+    </p:tnLst>
+  </p:timing>
+</p:sld>
+</file>
+
+<file path=ppt/slides/slide12.xml><?xml version="1.0" encoding="utf-8"?>
+<p:sld xmlns:a="http://schemas.openxmlformats.org/drawingml/2006/main" xmlns:r="http://schemas.openxmlformats.org/officeDocument/2006/relationships" xmlns:p="http://schemas.openxmlformats.org/presentationml/2006/main">
+  <p:cSld>
+    <p:spTree>
+      <p:nvGrpSpPr>
+        <p:cNvPr id="1" name=""/>
+        <p:cNvGrpSpPr/>
+        <p:nvPr/>
+      </p:nvGrpSpPr>
+      <p:grpSpPr>
+        <a:xfrm>
+          <a:off x="0" y="0"/>
+          <a:ext cx="0" cy="0"/>
+          <a:chOff x="0" y="0"/>
+          <a:chExt cx="0" cy="0"/>
+        </a:xfrm>
+      </p:grpSpPr>
+      <p:sp>
+        <p:nvSpPr>
+          <p:cNvPr id="2" name="Titre 1"/>
+          <p:cNvSpPr>
+            <a:spLocks noGrp="1"/>
+          </p:cNvSpPr>
+          <p:nvPr>
+            <p:ph type="title"/>
+          </p:nvPr>
+        </p:nvSpPr>
+        <p:spPr/>
+        <p:txBody>
           <a:bodyPr/>
           <a:lstStyle/>
           <a:p>
             <a:r>
-              <a:rPr lang="en-US" dirty="0" smtClean="0">
-                <a:solidFill>
-                  <a:schemeClr val="bg1"/>
-                </a:solidFill>
-              </a:rPr>
-              <a:t>Make Effective Presentations</a:t>
-            </a:r>
-          </a:p>
-          <a:p>
-            <a:r>
-              <a:rPr lang="en-US" dirty="0" smtClean="0">
-                <a:solidFill>
-                  <a:schemeClr val="bg1"/>
-                </a:solidFill>
-              </a:rPr>
-              <a:t>Using Awesome Backgrounds</a:t>
-            </a:r>
-          </a:p>
-          <a:p>
-            <a:r>
-              <a:rPr lang="en-US" dirty="0" smtClean="0">
-                <a:solidFill>
-                  <a:schemeClr val="bg1"/>
-                </a:solidFill>
-              </a:rPr>
-              <a:t>Engage your Audience</a:t>
-            </a:r>
-          </a:p>
-          <a:p>
-            <a:r>
-              <a:rPr lang="en-US" dirty="0" smtClean="0">
-                <a:solidFill>
-                  <a:schemeClr val="bg1"/>
-                </a:solidFill>
-              </a:rPr>
-              <a:t>Capture Audience Attention</a:t>
-            </a:r>
-          </a:p>
-          <a:p>
-            <a:endParaRPr lang="en-US" dirty="0" smtClean="0"/>
-          </a:p>
-          <a:p>
+              <a:rPr lang="fr-BE" dirty="0" smtClean="0"/>
+              <a:t>Model de rendu</a:t>
+            </a:r>
+            <a:endParaRPr lang="fr-BE" dirty="0"/>
+          </a:p>
+        </p:txBody>
+      </p:sp>
+      <p:sp>
+        <p:nvSpPr>
+          <p:cNvPr id="3" name="Espace réservé du texte 2"/>
+          <p:cNvSpPr>
+            <a:spLocks noGrp="1"/>
+          </p:cNvSpPr>
+          <p:nvPr>
+            <p:ph type="body" idx="1"/>
+          </p:nvPr>
+        </p:nvSpPr>
+        <p:spPr>
+          <a:xfrm>
+            <a:off x="448966" y="1901949"/>
+            <a:ext cx="8398774" cy="571629"/>
+          </a:xfrm>
+        </p:spPr>
+        <p:txBody>
+          <a:bodyPr>
+            <a:normAutofit/>
+          </a:bodyPr>
+          <a:lstStyle/>
+          <a:p>
+            <a:r>
+              <a:rPr lang="fr-BE" dirty="0"/>
+              <a:t>Existence de trois modèles de rendu </a:t>
+            </a:r>
+            <a:r>
+              <a:rPr lang="fr-BE" dirty="0" smtClean="0"/>
+              <a:t>:</a:t>
+            </a:r>
+            <a:endParaRPr lang="fr-BE" dirty="0"/>
+          </a:p>
+        </p:txBody>
+      </p:sp>
+      <p:sp>
+        <p:nvSpPr>
+          <p:cNvPr id="4" name="Espace réservé du contenu 3"/>
+          <p:cNvSpPr>
+            <a:spLocks noGrp="1"/>
+          </p:cNvSpPr>
+          <p:nvPr>
+            <p:ph sz="half" idx="2"/>
+          </p:nvPr>
+        </p:nvSpPr>
+        <p:spPr>
+          <a:xfrm>
+            <a:off x="448965" y="2626284"/>
+            <a:ext cx="8398775" cy="3856815"/>
+          </a:xfrm>
+        </p:spPr>
+        <p:txBody>
+          <a:bodyPr/>
+          <a:lstStyle/>
+          <a:p>
+            <a:r>
+              <a:rPr lang="fr-BE" dirty="0" err="1" smtClean="0"/>
+              <a:t>Immediate</a:t>
+            </a:r>
+            <a:r>
+              <a:rPr lang="fr-BE" dirty="0" smtClean="0"/>
+              <a:t> </a:t>
+            </a:r>
+            <a:r>
+              <a:rPr lang="fr-BE" dirty="0"/>
+              <a:t>mode</a:t>
+            </a:r>
+          </a:p>
+          <a:p>
+            <a:r>
+              <a:rPr lang="fr-BE" dirty="0"/>
+              <a:t> </a:t>
+            </a:r>
+            <a:r>
+              <a:rPr lang="fr-BE" dirty="0" err="1" smtClean="0"/>
+              <a:t>Retained</a:t>
+            </a:r>
+            <a:r>
+              <a:rPr lang="fr-BE" dirty="0" smtClean="0"/>
+              <a:t> </a:t>
+            </a:r>
+            <a:r>
+              <a:rPr lang="fr-BE" dirty="0"/>
+              <a:t>mode</a:t>
+            </a:r>
+          </a:p>
+          <a:p>
+            <a:r>
+              <a:rPr lang="fr-BE" dirty="0" smtClean="0"/>
+              <a:t> </a:t>
+            </a:r>
+            <a:r>
+              <a:rPr lang="fr-BE" dirty="0" err="1"/>
+              <a:t>Compiled-Retained</a:t>
+            </a:r>
+            <a:r>
+              <a:rPr lang="fr-BE" dirty="0"/>
+              <a:t> mode</a:t>
+            </a:r>
+            <a:endParaRPr lang="fr-BE" dirty="0"/>
+          </a:p>
+        </p:txBody>
+      </p:sp>
+    </p:spTree>
+    <p:extLst>
+      <p:ext uri="{BB962C8B-B14F-4D97-AF65-F5344CB8AC3E}">
+        <p14:creationId xmlns:p14="http://schemas.microsoft.com/office/powerpoint/2010/main" val="380016839"/>
+      </p:ext>
+    </p:extLst>
+  </p:cSld>
+  <p:clrMapOvr>
+    <a:masterClrMapping/>
+  </p:clrMapOvr>
+</p:sld>
+</file>
+
+<file path=ppt/slides/slide13.xml><?xml version="1.0" encoding="utf-8"?>
+<p:sld xmlns:a="http://schemas.openxmlformats.org/drawingml/2006/main" xmlns:r="http://schemas.openxmlformats.org/officeDocument/2006/relationships" xmlns:p="http://schemas.openxmlformats.org/presentationml/2006/main">
+  <p:cSld>
+    <p:spTree>
+      <p:nvGrpSpPr>
+        <p:cNvPr id="1" name=""/>
+        <p:cNvGrpSpPr/>
+        <p:nvPr/>
+      </p:nvGrpSpPr>
+      <p:grpSpPr>
+        <a:xfrm>
+          <a:off x="0" y="0"/>
+          <a:ext cx="0" cy="0"/>
+          <a:chOff x="0" y="0"/>
+          <a:chExt cx="0" cy="0"/>
+        </a:xfrm>
+      </p:grpSpPr>
+      <p:sp>
+        <p:nvSpPr>
+          <p:cNvPr id="2" name="Titre 1"/>
+          <p:cNvSpPr>
+            <a:spLocks noGrp="1"/>
+          </p:cNvSpPr>
+          <p:nvPr>
+            <p:ph type="title"/>
+          </p:nvPr>
+        </p:nvSpPr>
+        <p:spPr/>
+        <p:txBody>
+          <a:bodyPr/>
+          <a:lstStyle/>
+          <a:p>
+            <a:endParaRPr lang="fr-BE"/>
+          </a:p>
+        </p:txBody>
+      </p:sp>
+      <p:sp>
+        <p:nvSpPr>
+          <p:cNvPr id="3" name="Espace réservé du texte 2"/>
+          <p:cNvSpPr>
+            <a:spLocks noGrp="1"/>
+          </p:cNvSpPr>
+          <p:nvPr>
+            <p:ph type="body" idx="1"/>
+          </p:nvPr>
+        </p:nvSpPr>
+        <p:spPr/>
+        <p:txBody>
+          <a:bodyPr/>
+          <a:lstStyle/>
+          <a:p>
+            <a:endParaRPr lang="fr-BE"/>
+          </a:p>
+        </p:txBody>
+      </p:sp>
+      <p:sp>
+        <p:nvSpPr>
+          <p:cNvPr id="4" name="Espace réservé du contenu 3"/>
+          <p:cNvSpPr>
+            <a:spLocks noGrp="1"/>
+          </p:cNvSpPr>
+          <p:nvPr>
+            <p:ph sz="half" idx="2"/>
+          </p:nvPr>
+        </p:nvSpPr>
+        <p:spPr/>
+        <p:txBody>
+          <a:bodyPr/>
+          <a:lstStyle/>
+          <a:p>
+            <a:endParaRPr lang="fr-BE"/>
+          </a:p>
+        </p:txBody>
+      </p:sp>
+      <p:sp>
+        <p:nvSpPr>
+          <p:cNvPr id="5" name="Espace réservé du texte 4"/>
+          <p:cNvSpPr>
+            <a:spLocks noGrp="1"/>
+          </p:cNvSpPr>
+          <p:nvPr>
+            <p:ph type="body" sz="quarter" idx="3"/>
+          </p:nvPr>
+        </p:nvSpPr>
+        <p:spPr/>
+        <p:txBody>
+          <a:bodyPr/>
+          <a:lstStyle/>
+          <a:p>
+            <a:endParaRPr lang="fr-BE"/>
+          </a:p>
+        </p:txBody>
+      </p:sp>
+      <p:sp>
+        <p:nvSpPr>
+          <p:cNvPr id="6" name="Espace réservé du contenu 5"/>
+          <p:cNvSpPr>
+            <a:spLocks noGrp="1"/>
+          </p:cNvSpPr>
+          <p:nvPr>
+            <p:ph sz="quarter" idx="4"/>
+          </p:nvPr>
+        </p:nvSpPr>
+        <p:spPr/>
+        <p:txBody>
+          <a:bodyPr/>
+          <a:lstStyle/>
+          <a:p>
+            <a:endParaRPr lang="fr-BE"/>
+          </a:p>
+        </p:txBody>
+      </p:sp>
+    </p:spTree>
+    <p:extLst>
+      <p:ext uri="{BB962C8B-B14F-4D97-AF65-F5344CB8AC3E}">
+        <p14:creationId xmlns:p14="http://schemas.microsoft.com/office/powerpoint/2010/main" val="977299868"/>
+      </p:ext>
+    </p:extLst>
+  </p:cSld>
+  <p:clrMapOvr>
+    <a:masterClrMapping/>
+  </p:clrMapOvr>
+</p:sld>
+</file>
+
+<file path=ppt/slides/slide14.xml><?xml version="1.0" encoding="utf-8"?>
+<p:sld xmlns:a="http://schemas.openxmlformats.org/drawingml/2006/main" xmlns:r="http://schemas.openxmlformats.org/officeDocument/2006/relationships" xmlns:p="http://schemas.openxmlformats.org/presentationml/2006/main">
+  <p:cSld>
+    <p:spTree>
+      <p:nvGrpSpPr>
+        <p:cNvPr id="1" name=""/>
+        <p:cNvGrpSpPr/>
+        <p:nvPr/>
+      </p:nvGrpSpPr>
+      <p:grpSpPr>
+        <a:xfrm>
+          <a:off x="0" y="0"/>
+          <a:ext cx="0" cy="0"/>
+          <a:chOff x="0" y="0"/>
+          <a:chExt cx="0" cy="0"/>
+        </a:xfrm>
+      </p:grpSpPr>
+      <p:sp>
+        <p:nvSpPr>
+          <p:cNvPr id="2" name="Titre 1"/>
+          <p:cNvSpPr>
+            <a:spLocks noGrp="1"/>
+          </p:cNvSpPr>
+          <p:nvPr>
+            <p:ph type="title"/>
+          </p:nvPr>
+        </p:nvSpPr>
+        <p:spPr/>
+        <p:txBody>
+          <a:bodyPr/>
+          <a:lstStyle/>
+          <a:p>
+            <a:endParaRPr lang="fr-BE"/>
+          </a:p>
+        </p:txBody>
+      </p:sp>
+      <p:sp>
+        <p:nvSpPr>
+          <p:cNvPr id="3" name="Espace réservé du contenu 2"/>
+          <p:cNvSpPr>
+            <a:spLocks noGrp="1"/>
+          </p:cNvSpPr>
+          <p:nvPr>
+            <p:ph idx="1"/>
+          </p:nvPr>
+        </p:nvSpPr>
+        <p:spPr/>
+        <p:txBody>
+          <a:bodyPr/>
+          <a:lstStyle/>
+          <a:p>
+            <a:endParaRPr lang="fr-BE"/>
+          </a:p>
+        </p:txBody>
+      </p:sp>
+    </p:spTree>
+    <p:extLst>
+      <p:ext uri="{BB962C8B-B14F-4D97-AF65-F5344CB8AC3E}">
+        <p14:creationId xmlns:p14="http://schemas.microsoft.com/office/powerpoint/2010/main" val="274710972"/>
+      </p:ext>
+    </p:extLst>
+  </p:cSld>
+  <p:clrMapOvr>
+    <a:masterClrMapping/>
+  </p:clrMapOvr>
+</p:sld>
+</file>
+
+<file path=ppt/slides/slide15.xml><?xml version="1.0" encoding="utf-8"?>
+<p:sld xmlns:a="http://schemas.openxmlformats.org/drawingml/2006/main" xmlns:r="http://schemas.openxmlformats.org/officeDocument/2006/relationships" xmlns:p="http://schemas.openxmlformats.org/presentationml/2006/main">
+  <p:cSld>
+    <p:spTree>
+      <p:nvGrpSpPr>
+        <p:cNvPr id="1" name=""/>
+        <p:cNvGrpSpPr/>
+        <p:nvPr/>
+      </p:nvGrpSpPr>
+      <p:grpSpPr>
+        <a:xfrm>
+          <a:off x="0" y="0"/>
+          <a:ext cx="0" cy="0"/>
+          <a:chOff x="0" y="0"/>
+          <a:chExt cx="0" cy="0"/>
+        </a:xfrm>
+      </p:grpSpPr>
+      <p:sp>
+        <p:nvSpPr>
+          <p:cNvPr id="2" name="Title 1"/>
+          <p:cNvSpPr>
+            <a:spLocks noGrp="1"/>
+          </p:cNvSpPr>
+          <p:nvPr>
+            <p:ph type="title"/>
+          </p:nvPr>
+        </p:nvSpPr>
+        <p:spPr/>
+        <p:txBody>
+          <a:bodyPr/>
+          <a:lstStyle/>
+          <a:p>
+            <a:r>
+              <a:rPr lang="en-US" dirty="0" err="1" smtClean="0"/>
+              <a:t>Vocabulaire</a:t>
+            </a:r>
             <a:endParaRPr lang="en-US" dirty="0"/>
           </a:p>
         </p:txBody>
@@ -5066,51 +5945,14 @@
           </a:extLst>
         </p:spPr>
       </p:pic>
-    </p:spTree>
-    <p:extLst>
-      <p:ext uri="{BB962C8B-B14F-4D97-AF65-F5344CB8AC3E}">
-        <p14:creationId xmlns:p14="http://schemas.microsoft.com/office/powerpoint/2010/main" val="4103309497"/>
-      </p:ext>
-    </p:extLst>
-  </p:cSld>
-  <p:clrMapOvr>
-    <a:masterClrMapping/>
-  </p:clrMapOvr>
-  <p:timing>
-    <p:tnLst>
-      <p:par>
-        <p:cTn id="1" dur="indefinite" restart="never" nodeType="tmRoot"/>
-      </p:par>
-    </p:tnLst>
-  </p:timing>
-</p:sld>
-</file>
-
-<file path=ppt/slides/slide3.xml><?xml version="1.0" encoding="utf-8"?>
-<p:sld xmlns:a="http://schemas.openxmlformats.org/drawingml/2006/main" xmlns:r="http://schemas.openxmlformats.org/officeDocument/2006/relationships" xmlns:p="http://schemas.openxmlformats.org/presentationml/2006/main">
-  <p:cSld>
-    <p:spTree>
-      <p:nvGrpSpPr>
-        <p:cNvPr id="1" name=""/>
-        <p:cNvGrpSpPr/>
-        <p:nvPr/>
-      </p:nvGrpSpPr>
-      <p:grpSpPr>
-        <a:xfrm>
-          <a:off x="0" y="0"/>
-          <a:ext cx="0" cy="0"/>
-          <a:chOff x="0" y="0"/>
-          <a:chExt cx="0" cy="0"/>
-        </a:xfrm>
-      </p:grpSpPr>
-      <p:sp>
-        <p:nvSpPr>
-          <p:cNvPr id="4" name="Title 3"/>
-          <p:cNvSpPr>
-            <a:spLocks noGrp="1"/>
-          </p:cNvSpPr>
-          <p:nvPr>
-            <p:ph type="title"/>
+      <p:sp>
+        <p:nvSpPr>
+          <p:cNvPr id="3" name="Espace réservé du contenu 2"/>
+          <p:cNvSpPr>
+            <a:spLocks noGrp="1"/>
+          </p:cNvSpPr>
+          <p:nvPr>
+            <p:ph idx="1"/>
           </p:nvPr>
         </p:nvSpPr>
         <p:spPr/>
@@ -5119,744 +5961,42 @@
           <a:lstStyle/>
           <a:p>
             <a:r>
-              <a:rPr lang="en-US" dirty="0" smtClean="0"/>
-              <a:t>Introduction</a:t>
-            </a:r>
-            <a:endParaRPr lang="en-US" dirty="0"/>
-          </a:p>
-        </p:txBody>
-      </p:sp>
-      <p:sp>
-        <p:nvSpPr>
-          <p:cNvPr id="5" name="Content Placeholder 4"/>
-          <p:cNvSpPr>
-            <a:spLocks noGrp="1"/>
-          </p:cNvSpPr>
-          <p:nvPr>
-            <p:ph idx="1"/>
-          </p:nvPr>
-        </p:nvSpPr>
-        <p:spPr/>
-        <p:txBody>
-          <a:bodyPr>
-            <a:normAutofit/>
-          </a:bodyPr>
-          <a:lstStyle/>
-          <a:p>
+              <a:rPr lang="fr-BE" dirty="0" smtClean="0"/>
+              <a:t>Primitive : formes </a:t>
+            </a:r>
             <a:r>
               <a:rPr lang="fr-BE" dirty="0"/>
-              <a:t>API Java de Sun destinée à l’affichage 3D sous Java </a:t>
+              <a:t>géométriques de bases, pouvant être créées sur demande par le logiciel, </a:t>
+            </a:r>
+            <a:r>
+              <a:rPr lang="fr-BE" dirty="0" smtClean="0"/>
+              <a:t>mathématiquement </a:t>
+            </a:r>
+            <a:r>
+              <a:rPr lang="fr-BE" dirty="0"/>
+              <a:t>parfaites car régies par des formules mathématiques </a:t>
             </a:r>
             <a:endParaRPr lang="fr-BE" dirty="0" smtClean="0"/>
           </a:p>
           <a:p>
             <a:r>
+              <a:rPr lang="fr-BE" dirty="0"/>
+              <a:t>Maillage </a:t>
+            </a:r>
+            <a:r>
               <a:rPr lang="fr-BE" dirty="0" smtClean="0"/>
-              <a:t> </a:t>
+              <a:t>: discrétisation </a:t>
             </a:r>
             <a:r>
               <a:rPr lang="fr-BE" dirty="0"/>
-              <a:t>Destiné à l’écriture d’applications et </a:t>
-            </a:r>
-            <a:r>
-              <a:rPr lang="fr-BE" dirty="0" smtClean="0"/>
-              <a:t>d’Applets</a:t>
-            </a:r>
-          </a:p>
-          <a:p>
-            <a:r>
-              <a:rPr lang="fr-BE" dirty="0" smtClean="0"/>
-              <a:t> </a:t>
-            </a:r>
-            <a:r>
-              <a:rPr lang="fr-BE" dirty="0"/>
-              <a:t>Conçu dans le but de faciliter la programmation d'environnements 3D </a:t>
-            </a:r>
-          </a:p>
-          <a:p>
-            <a:r>
-              <a:rPr lang="fr-BE" dirty="0" smtClean="0"/>
-              <a:t> </a:t>
-            </a:r>
-            <a:r>
-              <a:rPr lang="fr-BE" dirty="0"/>
-              <a:t>Justifié par la portabilité de Java qui permet la portabilité des applications </a:t>
-            </a:r>
-            <a:endParaRPr lang="fr-BE" dirty="0" smtClean="0"/>
-          </a:p>
-        </p:txBody>
-      </p:sp>
-      <p:pic>
-        <p:nvPicPr>
-          <p:cNvPr id="6" name="Picture 2" descr="E:\cloud\drive\websites\ppttemplate\ppt\logo-ppttemplate.png">
-            <a:hlinkClick r:id="rId2"/>
-          </p:cNvPr>
-          <p:cNvPicPr>
-            <a:picLocks noChangeAspect="1" noChangeArrowheads="1"/>
-          </p:cNvPicPr>
-          <p:nvPr/>
-        </p:nvPicPr>
-        <p:blipFill>
-          <a:blip r:embed="rId3" cstate="print">
-            <a:extLst>
-              <a:ext uri="{28A0092B-C50C-407E-A947-70E740481C1C}">
-                <a14:useLocalDpi xmlns:a14="http://schemas.microsoft.com/office/drawing/2010/main" val="0"/>
-              </a:ext>
-            </a:extLst>
-          </a:blip>
-          <a:srcRect/>
-          <a:stretch>
-            <a:fillRect/>
-          </a:stretch>
-        </p:blipFill>
-        <p:spPr bwMode="auto">
-          <a:xfrm>
-            <a:off x="7878674" y="6531587"/>
-            <a:ext cx="1161288" cy="250278"/>
-          </a:xfrm>
-          <a:prstGeom prst="rect">
-            <a:avLst/>
-          </a:prstGeom>
-          <a:noFill/>
-          <a:extLst>
-            <a:ext uri="{909E8E84-426E-40DD-AFC4-6F175D3DCCD1}">
-              <a14:hiddenFill xmlns:a14="http://schemas.microsoft.com/office/drawing/2010/main">
-                <a:solidFill>
-                  <a:srgbClr val="FFFFFF"/>
-                </a:solidFill>
-              </a14:hiddenFill>
-            </a:ext>
-          </a:extLst>
-        </p:spPr>
-      </p:pic>
-    </p:spTree>
-    <p:extLst>
-      <p:ext uri="{BB962C8B-B14F-4D97-AF65-F5344CB8AC3E}">
-        <p14:creationId xmlns:p14="http://schemas.microsoft.com/office/powerpoint/2010/main" val="1101633878"/>
-      </p:ext>
-    </p:extLst>
-  </p:cSld>
-  <p:clrMapOvr>
-    <a:masterClrMapping/>
-  </p:clrMapOvr>
-  <p:timing>
-    <p:tnLst>
-      <p:par>
-        <p:cTn id="1" dur="indefinite" restart="never" nodeType="tmRoot"/>
-      </p:par>
-    </p:tnLst>
-  </p:timing>
-</p:sld>
-</file>
-
-<file path=ppt/slides/slide4.xml><?xml version="1.0" encoding="utf-8"?>
-<p:sld xmlns:a="http://schemas.openxmlformats.org/drawingml/2006/main" xmlns:r="http://schemas.openxmlformats.org/officeDocument/2006/relationships" xmlns:p="http://schemas.openxmlformats.org/presentationml/2006/main">
-  <p:cSld>
-    <p:spTree>
-      <p:nvGrpSpPr>
-        <p:cNvPr id="1" name=""/>
-        <p:cNvGrpSpPr/>
-        <p:nvPr/>
-      </p:nvGrpSpPr>
-      <p:grpSpPr>
-        <a:xfrm>
-          <a:off x="0" y="0"/>
-          <a:ext cx="0" cy="0"/>
-          <a:chOff x="0" y="0"/>
-          <a:chExt cx="0" cy="0"/>
-        </a:xfrm>
-      </p:grpSpPr>
-      <p:sp>
-        <p:nvSpPr>
-          <p:cNvPr id="4" name="Title 3"/>
-          <p:cNvSpPr>
-            <a:spLocks noGrp="1"/>
-          </p:cNvSpPr>
-          <p:nvPr>
-            <p:ph type="title"/>
-          </p:nvPr>
-        </p:nvSpPr>
-        <p:spPr/>
-        <p:txBody>
-          <a:bodyPr/>
-          <a:lstStyle/>
-          <a:p>
-            <a:r>
-              <a:rPr lang="en-US" dirty="0" err="1" smtClean="0"/>
-              <a:t>Historique</a:t>
-            </a:r>
-            <a:endParaRPr lang="en-US" dirty="0"/>
-          </a:p>
-        </p:txBody>
-      </p:sp>
-      <p:sp>
-        <p:nvSpPr>
-          <p:cNvPr id="5" name="Content Placeholder 4"/>
-          <p:cNvSpPr>
-            <a:spLocks noGrp="1"/>
-          </p:cNvSpPr>
-          <p:nvPr>
-            <p:ph idx="1"/>
-          </p:nvPr>
-        </p:nvSpPr>
-        <p:spPr/>
-        <p:txBody>
-          <a:bodyPr>
-            <a:normAutofit/>
-          </a:bodyPr>
-          <a:lstStyle/>
-          <a:p>
-            <a:r>
-              <a:rPr lang="fr-BE" dirty="0" smtClean="0"/>
-              <a:t>1996 Lancement du projet par Intel, Sun, </a:t>
-            </a:r>
-            <a:r>
-              <a:rPr lang="fr-BE" dirty="0" err="1" smtClean="0"/>
-              <a:t>Silicon</a:t>
-            </a:r>
-            <a:r>
-              <a:rPr lang="fr-BE" dirty="0" smtClean="0"/>
-              <a:t> </a:t>
-            </a:r>
-            <a:r>
-              <a:rPr lang="fr-BE" dirty="0" err="1" smtClean="0"/>
-              <a:t>Graphics</a:t>
-            </a:r>
-            <a:r>
-              <a:rPr lang="fr-BE" dirty="0" smtClean="0"/>
-              <a:t> et Apple.</a:t>
-            </a:r>
-          </a:p>
-          <a:p>
-            <a:r>
-              <a:rPr lang="fr-BE" dirty="0" smtClean="0"/>
-              <a:t> 1998 :  première version.</a:t>
-            </a:r>
+              <a:t>spatiale d’un milieu continu, ou aussi, une modélisation géométrique d’un domaine par des éléments proportionnés finis et bien définis. </a:t>
+            </a:r>
+          </a:p>
+          <a:p>
             <a:endParaRPr lang="fr-BE" dirty="0"/>
           </a:p>
-          <a:p>
-            <a:r>
-              <a:rPr lang="en-US" dirty="0" smtClean="0"/>
-              <a:t>2003-2004 : </a:t>
-            </a:r>
-            <a:r>
-              <a:rPr lang="en-US" dirty="0" err="1" smtClean="0"/>
-              <a:t>Arret</a:t>
-            </a:r>
-            <a:r>
-              <a:rPr lang="en-US" dirty="0" smtClean="0"/>
-              <a:t> du </a:t>
-            </a:r>
-            <a:r>
-              <a:rPr lang="en-US" dirty="0" err="1" smtClean="0"/>
-              <a:t>projet</a:t>
-            </a:r>
-            <a:r>
-              <a:rPr lang="en-US" dirty="0" smtClean="0"/>
-              <a:t>.</a:t>
-            </a:r>
-          </a:p>
-          <a:p>
-            <a:r>
-              <a:rPr lang="en-US" dirty="0" smtClean="0"/>
-              <a:t>2004  : le </a:t>
-            </a:r>
-            <a:r>
-              <a:rPr lang="en-US" dirty="0" err="1"/>
-              <a:t>projet</a:t>
-            </a:r>
-            <a:r>
-              <a:rPr lang="en-US" dirty="0"/>
-              <a:t> </a:t>
-            </a:r>
-            <a:r>
-              <a:rPr lang="en-US" dirty="0" err="1"/>
-              <a:t>est</a:t>
-            </a:r>
-            <a:r>
-              <a:rPr lang="en-US" dirty="0"/>
-              <a:t> </a:t>
-            </a:r>
-            <a:r>
-              <a:rPr lang="en-US" dirty="0" err="1"/>
-              <a:t>devenu</a:t>
-            </a:r>
-            <a:r>
-              <a:rPr lang="en-US" dirty="0"/>
-              <a:t> Open Source. </a:t>
-            </a:r>
-            <a:endParaRPr lang="fr-BE" dirty="0"/>
-          </a:p>
-          <a:p>
-            <a:r>
-              <a:rPr lang="en-US" dirty="0"/>
-              <a:t>Current version 1.5.2 </a:t>
-            </a:r>
-            <a:r>
-              <a:rPr lang="en-US" dirty="0" smtClean="0"/>
-              <a:t>3.</a:t>
-            </a:r>
-            <a:endParaRPr lang="fr-BE" dirty="0"/>
-          </a:p>
-        </p:txBody>
-      </p:sp>
-      <p:pic>
-        <p:nvPicPr>
-          <p:cNvPr id="6" name="Picture 2" descr="E:\cloud\drive\websites\ppttemplate\ppt\logo-ppttemplate.png">
-            <a:hlinkClick r:id="rId2"/>
-          </p:cNvPr>
-          <p:cNvPicPr>
-            <a:picLocks noChangeAspect="1" noChangeArrowheads="1"/>
-          </p:cNvPicPr>
-          <p:nvPr/>
-        </p:nvPicPr>
-        <p:blipFill>
-          <a:blip r:embed="rId3" cstate="print">
-            <a:extLst>
-              <a:ext uri="{28A0092B-C50C-407E-A947-70E740481C1C}">
-                <a14:useLocalDpi xmlns:a14="http://schemas.microsoft.com/office/drawing/2010/main" val="0"/>
-              </a:ext>
-            </a:extLst>
-          </a:blip>
-          <a:srcRect/>
-          <a:stretch>
-            <a:fillRect/>
-          </a:stretch>
-        </p:blipFill>
-        <p:spPr bwMode="auto">
-          <a:xfrm>
-            <a:off x="7878674" y="6531587"/>
-            <a:ext cx="1161288" cy="250278"/>
-          </a:xfrm>
-          <a:prstGeom prst="rect">
-            <a:avLst/>
-          </a:prstGeom>
-          <a:noFill/>
-          <a:extLst>
-            <a:ext uri="{909E8E84-426E-40DD-AFC4-6F175D3DCCD1}">
-              <a14:hiddenFill xmlns:a14="http://schemas.microsoft.com/office/drawing/2010/main">
-                <a:solidFill>
-                  <a:srgbClr val="FFFFFF"/>
-                </a:solidFill>
-              </a14:hiddenFill>
-            </a:ext>
-          </a:extLst>
-        </p:spPr>
-      </p:pic>
-    </p:spTree>
-    <p:extLst>
-      <p:ext uri="{BB962C8B-B14F-4D97-AF65-F5344CB8AC3E}">
-        <p14:creationId xmlns:p14="http://schemas.microsoft.com/office/powerpoint/2010/main" val="114916891"/>
-      </p:ext>
-    </p:extLst>
-  </p:cSld>
-  <p:clrMapOvr>
-    <a:masterClrMapping/>
-  </p:clrMapOvr>
-  <p:timing>
-    <p:tnLst>
-      <p:par>
-        <p:cTn id="1" dur="indefinite" restart="never" nodeType="tmRoot"/>
-      </p:par>
-    </p:tnLst>
-  </p:timing>
-</p:sld>
-</file>
-
-<file path=ppt/slides/slide5.xml><?xml version="1.0" encoding="utf-8"?>
-<p:sld xmlns:a="http://schemas.openxmlformats.org/drawingml/2006/main" xmlns:r="http://schemas.openxmlformats.org/officeDocument/2006/relationships" xmlns:p="http://schemas.openxmlformats.org/presentationml/2006/main">
-  <p:cSld>
-    <p:spTree>
-      <p:nvGrpSpPr>
-        <p:cNvPr id="1" name=""/>
-        <p:cNvGrpSpPr/>
-        <p:nvPr/>
-      </p:nvGrpSpPr>
-      <p:grpSpPr>
-        <a:xfrm>
-          <a:off x="0" y="0"/>
-          <a:ext cx="0" cy="0"/>
-          <a:chOff x="0" y="0"/>
-          <a:chExt cx="0" cy="0"/>
-        </a:xfrm>
-      </p:grpSpPr>
-      <p:sp>
-        <p:nvSpPr>
-          <p:cNvPr id="4" name="Title 3"/>
-          <p:cNvSpPr>
-            <a:spLocks noGrp="1"/>
-          </p:cNvSpPr>
-          <p:nvPr>
-            <p:ph type="title"/>
-          </p:nvPr>
-        </p:nvSpPr>
-        <p:spPr>
-          <a:xfrm>
-            <a:off x="448965" y="527605"/>
-            <a:ext cx="8229600" cy="763525"/>
-          </a:xfrm>
-        </p:spPr>
-        <p:txBody>
-          <a:bodyPr>
-            <a:normAutofit/>
-          </a:bodyPr>
-          <a:lstStyle/>
-          <a:p>
-            <a:r>
-              <a:rPr lang="en-US" dirty="0" smtClean="0"/>
-              <a:t>Installation</a:t>
-            </a:r>
-            <a:endParaRPr lang="en-US" dirty="0"/>
-          </a:p>
-        </p:txBody>
-      </p:sp>
-      <p:sp>
-        <p:nvSpPr>
-          <p:cNvPr id="6" name="Content Placeholder 5"/>
-          <p:cNvSpPr>
-            <a:spLocks noGrp="1"/>
-          </p:cNvSpPr>
-          <p:nvPr>
-            <p:ph sz="half" idx="2"/>
-          </p:nvPr>
-        </p:nvSpPr>
-        <p:spPr>
-          <a:xfrm>
-            <a:off x="448965" y="2054655"/>
-            <a:ext cx="8398775" cy="3035058"/>
-          </a:xfrm>
-        </p:spPr>
-        <p:txBody>
-          <a:bodyPr/>
-          <a:lstStyle/>
-          <a:p>
-            <a:r>
-              <a:rPr lang="fr-BE" dirty="0"/>
-              <a:t>J2SE SDK (Java 2 Standard Edition Software </a:t>
-            </a:r>
-            <a:r>
-              <a:rPr lang="fr-BE" dirty="0" err="1"/>
-              <a:t>Development</a:t>
-            </a:r>
-            <a:r>
-              <a:rPr lang="fr-BE" dirty="0"/>
-              <a:t> Kit) : JRE + le JDK + Virtual Machine</a:t>
-            </a:r>
-          </a:p>
-          <a:p>
-            <a:r>
-              <a:rPr lang="fr-BE" dirty="0"/>
-              <a:t>Java 3D </a:t>
-            </a:r>
-            <a:r>
-              <a:rPr lang="fr-BE" dirty="0" err="1"/>
-              <a:t>devlopment</a:t>
-            </a:r>
-            <a:r>
-              <a:rPr lang="fr-BE" dirty="0"/>
-              <a:t> kit : http://www.oracle.com/technetwork/articles/javase/index-jsp-138252.html</a:t>
-            </a:r>
-          </a:p>
-          <a:p>
-            <a:endParaRPr lang="en-US" dirty="0"/>
-          </a:p>
-        </p:txBody>
-      </p:sp>
-      <p:pic>
-        <p:nvPicPr>
-          <p:cNvPr id="9" name="Picture 2" descr="E:\cloud\drive\websites\ppttemplate\ppt\logo-ppttemplate.png">
-            <a:hlinkClick r:id="rId2"/>
-          </p:cNvPr>
-          <p:cNvPicPr>
-            <a:picLocks noChangeAspect="1" noChangeArrowheads="1"/>
-          </p:cNvPicPr>
-          <p:nvPr/>
-        </p:nvPicPr>
-        <p:blipFill>
-          <a:blip r:embed="rId3" cstate="print">
-            <a:extLst>
-              <a:ext uri="{28A0092B-C50C-407E-A947-70E740481C1C}">
-                <a14:useLocalDpi xmlns:a14="http://schemas.microsoft.com/office/drawing/2010/main" val="0"/>
-              </a:ext>
-            </a:extLst>
-          </a:blip>
-          <a:srcRect/>
-          <a:stretch>
-            <a:fillRect/>
-          </a:stretch>
-        </p:blipFill>
-        <p:spPr bwMode="auto">
-          <a:xfrm>
-            <a:off x="7878674" y="6531587"/>
-            <a:ext cx="1161288" cy="250278"/>
-          </a:xfrm>
-          <a:prstGeom prst="rect">
-            <a:avLst/>
-          </a:prstGeom>
-          <a:noFill/>
-          <a:extLst>
-            <a:ext uri="{909E8E84-426E-40DD-AFC4-6F175D3DCCD1}">
-              <a14:hiddenFill xmlns:a14="http://schemas.microsoft.com/office/drawing/2010/main">
-                <a:solidFill>
-                  <a:srgbClr val="FFFFFF"/>
-                </a:solidFill>
-              </a14:hiddenFill>
-            </a:ext>
-          </a:extLst>
-        </p:spPr>
-      </p:pic>
-    </p:spTree>
-    <p:extLst>
-      <p:ext uri="{BB962C8B-B14F-4D97-AF65-F5344CB8AC3E}">
-        <p14:creationId xmlns:p14="http://schemas.microsoft.com/office/powerpoint/2010/main" val="4170783713"/>
-      </p:ext>
-    </p:extLst>
-  </p:cSld>
-  <p:clrMapOvr>
-    <a:masterClrMapping/>
-  </p:clrMapOvr>
-  <p:timing>
-    <p:tnLst>
-      <p:par>
-        <p:cTn id="1" dur="indefinite" restart="never" nodeType="tmRoot"/>
-      </p:par>
-    </p:tnLst>
-  </p:timing>
-</p:sld>
-</file>
-
-<file path=ppt/slides/slide6.xml><?xml version="1.0" encoding="utf-8"?>
-<p:sld xmlns:a="http://schemas.openxmlformats.org/drawingml/2006/main" xmlns:r="http://schemas.openxmlformats.org/officeDocument/2006/relationships" xmlns:p="http://schemas.openxmlformats.org/presentationml/2006/main">
-  <p:cSld>
-    <p:spTree>
-      <p:nvGrpSpPr>
-        <p:cNvPr id="1" name=""/>
-        <p:cNvGrpSpPr/>
-        <p:nvPr/>
-      </p:nvGrpSpPr>
-      <p:grpSpPr>
-        <a:xfrm>
-          <a:off x="0" y="0"/>
-          <a:ext cx="0" cy="0"/>
-          <a:chOff x="0" y="0"/>
-          <a:chExt cx="0" cy="0"/>
-        </a:xfrm>
-      </p:grpSpPr>
-      <p:sp>
-        <p:nvSpPr>
-          <p:cNvPr id="4" name="Title 3"/>
-          <p:cNvSpPr>
-            <a:spLocks noGrp="1"/>
-          </p:cNvSpPr>
-          <p:nvPr>
-            <p:ph type="title"/>
-          </p:nvPr>
-        </p:nvSpPr>
-        <p:spPr/>
-        <p:txBody>
-          <a:bodyPr/>
-          <a:lstStyle/>
-          <a:p>
-            <a:r>
-              <a:rPr lang="en-US" dirty="0" smtClean="0"/>
-              <a:t>Installation</a:t>
-            </a:r>
-            <a:endParaRPr lang="en-US" dirty="0"/>
-          </a:p>
-        </p:txBody>
-      </p:sp>
-      <p:sp>
-        <p:nvSpPr>
-          <p:cNvPr id="5" name="Content Placeholder 4"/>
-          <p:cNvSpPr>
-            <a:spLocks noGrp="1"/>
-          </p:cNvSpPr>
-          <p:nvPr>
-            <p:ph idx="1"/>
-          </p:nvPr>
-        </p:nvSpPr>
-        <p:spPr/>
-        <p:txBody>
-          <a:bodyPr>
-            <a:normAutofit/>
-          </a:bodyPr>
-          <a:lstStyle/>
-          <a:p>
-            <a:endParaRPr lang="fr-BE" dirty="0"/>
-          </a:p>
-        </p:txBody>
-      </p:sp>
-      <p:pic>
-        <p:nvPicPr>
-          <p:cNvPr id="6" name="Picture 2" descr="E:\cloud\drive\websites\ppttemplate\ppt\logo-ppttemplate.png">
-            <a:hlinkClick r:id="rId2"/>
-          </p:cNvPr>
-          <p:cNvPicPr>
-            <a:picLocks noChangeAspect="1" noChangeArrowheads="1"/>
-          </p:cNvPicPr>
-          <p:nvPr/>
-        </p:nvPicPr>
-        <p:blipFill>
-          <a:blip r:embed="rId3" cstate="print">
-            <a:extLst>
-              <a:ext uri="{28A0092B-C50C-407E-A947-70E740481C1C}">
-                <a14:useLocalDpi xmlns:a14="http://schemas.microsoft.com/office/drawing/2010/main" val="0"/>
-              </a:ext>
-            </a:extLst>
-          </a:blip>
-          <a:srcRect/>
-          <a:stretch>
-            <a:fillRect/>
-          </a:stretch>
-        </p:blipFill>
-        <p:spPr bwMode="auto">
-          <a:xfrm>
-            <a:off x="7878674" y="6531587"/>
-            <a:ext cx="1161288" cy="250278"/>
-          </a:xfrm>
-          <a:prstGeom prst="rect">
-            <a:avLst/>
-          </a:prstGeom>
-          <a:noFill/>
-          <a:extLst>
-            <a:ext uri="{909E8E84-426E-40DD-AFC4-6F175D3DCCD1}">
-              <a14:hiddenFill xmlns:a14="http://schemas.microsoft.com/office/drawing/2010/main">
-                <a:solidFill>
-                  <a:srgbClr val="FFFFFF"/>
-                </a:solidFill>
-              </a14:hiddenFill>
-            </a:ext>
-          </a:extLst>
-        </p:spPr>
-      </p:pic>
-    </p:spTree>
-    <p:extLst>
-      <p:ext uri="{BB962C8B-B14F-4D97-AF65-F5344CB8AC3E}">
-        <p14:creationId xmlns:p14="http://schemas.microsoft.com/office/powerpoint/2010/main" val="100852833"/>
-      </p:ext>
-    </p:extLst>
-  </p:cSld>
-  <p:clrMapOvr>
-    <a:masterClrMapping/>
-  </p:clrMapOvr>
-  <p:timing>
-    <p:tnLst>
-      <p:par>
-        <p:cTn id="1" dur="indefinite" restart="never" nodeType="tmRoot"/>
-      </p:par>
-    </p:tnLst>
-  </p:timing>
-</p:sld>
-</file>
-
-<file path=ppt/slides/slide7.xml><?xml version="1.0" encoding="utf-8"?>
-<p:sld xmlns:a="http://schemas.openxmlformats.org/drawingml/2006/main" xmlns:r="http://schemas.openxmlformats.org/officeDocument/2006/relationships" xmlns:p="http://schemas.openxmlformats.org/presentationml/2006/main">
-  <p:cSld>
-    <p:spTree>
-      <p:nvGrpSpPr>
-        <p:cNvPr id="1" name=""/>
-        <p:cNvGrpSpPr/>
-        <p:nvPr/>
-      </p:nvGrpSpPr>
-      <p:grpSpPr>
-        <a:xfrm>
-          <a:off x="0" y="0"/>
-          <a:ext cx="0" cy="0"/>
-          <a:chOff x="0" y="0"/>
-          <a:chExt cx="0" cy="0"/>
-        </a:xfrm>
-      </p:grpSpPr>
-      <p:sp>
-        <p:nvSpPr>
-          <p:cNvPr id="2" name="Title 1"/>
-          <p:cNvSpPr>
-            <a:spLocks noGrp="1"/>
-          </p:cNvSpPr>
-          <p:nvPr>
-            <p:ph type="title"/>
-          </p:nvPr>
-        </p:nvSpPr>
-        <p:spPr/>
-        <p:txBody>
-          <a:bodyPr/>
-          <a:lstStyle/>
-          <a:p>
-            <a:r>
-              <a:rPr lang="en-US" dirty="0" err="1" smtClean="0"/>
-              <a:t>Historique</a:t>
-            </a:r>
-            <a:endParaRPr lang="en-US" dirty="0"/>
-          </a:p>
-        </p:txBody>
-      </p:sp>
-      <p:graphicFrame>
-        <p:nvGraphicFramePr>
-          <p:cNvPr id="7" name="Content Placeholder 6"/>
-          <p:cNvGraphicFramePr>
-            <a:graphicFrameLocks noGrp="1"/>
-          </p:cNvGraphicFramePr>
-          <p:nvPr>
-            <p:ph idx="1"/>
-            <p:extLst>
-              <p:ext uri="{D42A27DB-BD31-4B8C-83A1-F6EECF244321}">
-                <p14:modId xmlns:p14="http://schemas.microsoft.com/office/powerpoint/2010/main" val="1454895415"/>
-              </p:ext>
-            </p:extLst>
-          </p:nvPr>
-        </p:nvGraphicFramePr>
-        <p:xfrm>
-          <a:off x="2232025" y="1290638"/>
-          <a:ext cx="6413500" cy="4276725"/>
-        </p:xfrm>
-        <a:graphic>
-          <a:graphicData uri="http://schemas.openxmlformats.org/drawingml/2006/chart">
-            <c:chart xmlns:c="http://schemas.openxmlformats.org/drawingml/2006/chart" xmlns:r="http://schemas.openxmlformats.org/officeDocument/2006/relationships" r:id="rId2"/>
-          </a:graphicData>
-        </a:graphic>
-      </p:graphicFrame>
-      <p:pic>
-        <p:nvPicPr>
-          <p:cNvPr id="4" name="Picture 2" descr="E:\cloud\drive\websites\ppttemplate\ppt\logo-ppttemplate.png">
-            <a:hlinkClick r:id="rId3"/>
-          </p:cNvPr>
-          <p:cNvPicPr>
-            <a:picLocks noChangeAspect="1" noChangeArrowheads="1"/>
-          </p:cNvPicPr>
-          <p:nvPr/>
-        </p:nvPicPr>
-        <p:blipFill>
-          <a:blip r:embed="rId4" cstate="print">
-            <a:extLst>
-              <a:ext uri="{28A0092B-C50C-407E-A947-70E740481C1C}">
-                <a14:useLocalDpi xmlns:a14="http://schemas.microsoft.com/office/drawing/2010/main" val="0"/>
-              </a:ext>
-            </a:extLst>
-          </a:blip>
-          <a:srcRect/>
-          <a:stretch>
-            <a:fillRect/>
-          </a:stretch>
-        </p:blipFill>
-        <p:spPr bwMode="auto">
-          <a:xfrm>
-            <a:off x="7878674" y="6531587"/>
-            <a:ext cx="1161288" cy="250278"/>
-          </a:xfrm>
-          <a:prstGeom prst="rect">
-            <a:avLst/>
-          </a:prstGeom>
-          <a:noFill/>
-          <a:extLst>
-            <a:ext uri="{909E8E84-426E-40DD-AFC4-6F175D3DCCD1}">
-              <a14:hiddenFill xmlns:a14="http://schemas.microsoft.com/office/drawing/2010/main">
-                <a:solidFill>
-                  <a:srgbClr val="FFFFFF"/>
-                </a:solidFill>
-              </a14:hiddenFill>
-            </a:ext>
-          </a:extLst>
-        </p:spPr>
-      </p:pic>
+        </p:txBody>
+      </p:sp>
     </p:spTree>
     <p:extLst>
       <p:ext uri="{BB962C8B-B14F-4D97-AF65-F5344CB8AC3E}">
@@ -5877,7 +6017,218 @@
 </p:sld>
 </file>
 
-<file path=ppt/slides/slide8.xml><?xml version="1.0" encoding="utf-8"?>
+<file path=ppt/slides/slide16.xml><?xml version="1.0" encoding="utf-8"?>
+<p:sld xmlns:a="http://schemas.openxmlformats.org/drawingml/2006/main" xmlns:r="http://schemas.openxmlformats.org/officeDocument/2006/relationships" xmlns:p="http://schemas.openxmlformats.org/presentationml/2006/main">
+  <p:cSld>
+    <p:spTree>
+      <p:nvGrpSpPr>
+        <p:cNvPr id="1" name=""/>
+        <p:cNvGrpSpPr/>
+        <p:nvPr/>
+      </p:nvGrpSpPr>
+      <p:grpSpPr>
+        <a:xfrm>
+          <a:off x="0" y="0"/>
+          <a:ext cx="0" cy="0"/>
+          <a:chOff x="0" y="0"/>
+          <a:chExt cx="0" cy="0"/>
+        </a:xfrm>
+      </p:grpSpPr>
+      <p:sp>
+        <p:nvSpPr>
+          <p:cNvPr id="2" name="Titre 1"/>
+          <p:cNvSpPr>
+            <a:spLocks noGrp="1"/>
+          </p:cNvSpPr>
+          <p:nvPr>
+            <p:ph type="title"/>
+          </p:nvPr>
+        </p:nvSpPr>
+        <p:spPr/>
+        <p:txBody>
+          <a:bodyPr/>
+          <a:lstStyle/>
+          <a:p>
+            <a:r>
+              <a:rPr lang="fr-BE" dirty="0" smtClean="0"/>
+              <a:t>Bibliographie</a:t>
+            </a:r>
+            <a:endParaRPr lang="fr-BE" dirty="0"/>
+          </a:p>
+        </p:txBody>
+      </p:sp>
+      <p:sp>
+        <p:nvSpPr>
+          <p:cNvPr id="3" name="Espace réservé du contenu 2"/>
+          <p:cNvSpPr>
+            <a:spLocks noGrp="1"/>
+          </p:cNvSpPr>
+          <p:nvPr>
+            <p:ph idx="1"/>
+          </p:nvPr>
+        </p:nvSpPr>
+        <p:spPr/>
+        <p:txBody>
+          <a:bodyPr>
+            <a:normAutofit/>
+          </a:bodyPr>
+          <a:lstStyle/>
+          <a:p>
+            <a:endParaRPr lang="fr-BE" dirty="0"/>
+          </a:p>
+        </p:txBody>
+      </p:sp>
+    </p:spTree>
+    <p:extLst>
+      <p:ext uri="{BB962C8B-B14F-4D97-AF65-F5344CB8AC3E}">
+        <p14:creationId xmlns:p14="http://schemas.microsoft.com/office/powerpoint/2010/main" val="1411032663"/>
+      </p:ext>
+    </p:extLst>
+  </p:cSld>
+  <p:clrMapOvr>
+    <a:masterClrMapping/>
+  </p:clrMapOvr>
+  <p:timing>
+    <p:tnLst>
+      <p:par>
+        <p:cTn id="1" dur="indefinite" restart="never" nodeType="tmRoot"/>
+      </p:par>
+    </p:tnLst>
+  </p:timing>
+</p:sld>
+</file>
+
+<file path=ppt/slides/slide17.xml><?xml version="1.0" encoding="utf-8"?>
+<p:sld xmlns:a="http://schemas.openxmlformats.org/drawingml/2006/main" xmlns:r="http://schemas.openxmlformats.org/officeDocument/2006/relationships" xmlns:p="http://schemas.openxmlformats.org/presentationml/2006/main">
+  <p:cSld>
+    <p:spTree>
+      <p:nvGrpSpPr>
+        <p:cNvPr id="1" name=""/>
+        <p:cNvGrpSpPr/>
+        <p:nvPr/>
+      </p:nvGrpSpPr>
+      <p:grpSpPr>
+        <a:xfrm>
+          <a:off x="0" y="0"/>
+          <a:ext cx="0" cy="0"/>
+          <a:chOff x="0" y="0"/>
+          <a:chExt cx="0" cy="0"/>
+        </a:xfrm>
+      </p:grpSpPr>
+      <p:sp>
+        <p:nvSpPr>
+          <p:cNvPr id="2" name="Titre 1"/>
+          <p:cNvSpPr>
+            <a:spLocks noGrp="1"/>
+          </p:cNvSpPr>
+          <p:nvPr>
+            <p:ph type="title"/>
+          </p:nvPr>
+        </p:nvSpPr>
+        <p:spPr/>
+        <p:txBody>
+          <a:bodyPr/>
+          <a:lstStyle/>
+          <a:p>
+            <a:endParaRPr lang="fr-BE"/>
+          </a:p>
+        </p:txBody>
+      </p:sp>
+      <p:sp>
+        <p:nvSpPr>
+          <p:cNvPr id="3" name="Espace réservé du texte 2"/>
+          <p:cNvSpPr>
+            <a:spLocks noGrp="1"/>
+          </p:cNvSpPr>
+          <p:nvPr>
+            <p:ph type="body" idx="1"/>
+          </p:nvPr>
+        </p:nvSpPr>
+        <p:spPr>
+          <a:xfrm>
+            <a:off x="448965" y="1901949"/>
+            <a:ext cx="8229599" cy="610821"/>
+          </a:xfrm>
+        </p:spPr>
+        <p:txBody>
+          <a:bodyPr/>
+          <a:lstStyle/>
+          <a:p>
+            <a:r>
+              <a:rPr lang="fr-BE" dirty="0" smtClean="0"/>
+              <a:t>Bibliographie</a:t>
+            </a:r>
+            <a:endParaRPr lang="fr-BE" dirty="0"/>
+          </a:p>
+        </p:txBody>
+      </p:sp>
+      <p:sp>
+        <p:nvSpPr>
+          <p:cNvPr id="4" name="Espace réservé du contenu 3"/>
+          <p:cNvSpPr>
+            <a:spLocks noGrp="1"/>
+          </p:cNvSpPr>
+          <p:nvPr>
+            <p:ph sz="half" idx="2"/>
+          </p:nvPr>
+        </p:nvSpPr>
+        <p:spPr>
+          <a:xfrm>
+            <a:off x="601670" y="2778987"/>
+            <a:ext cx="8076895" cy="3551407"/>
+          </a:xfrm>
+        </p:spPr>
+        <p:txBody>
+          <a:bodyPr/>
+          <a:lstStyle/>
+          <a:p>
+            <a:r>
+              <a:rPr lang="fr-BE" dirty="0"/>
+              <a:t>Nicolas JANEY : </a:t>
+            </a:r>
+          </a:p>
+          <a:p>
+            <a:pPr lvl="1"/>
+            <a:r>
+              <a:rPr lang="fr-BE" dirty="0"/>
+              <a:t>LIFC, Département Informatique Université de Franche Comté : http://raphaello.univ-fcomte.fr/IG/Java3D/Java3D.htm</a:t>
+            </a:r>
+          </a:p>
+          <a:p>
+            <a:pPr marL="457200" lvl="1" indent="0">
+              <a:buNone/>
+            </a:pPr>
+            <a:r>
+              <a:rPr lang="fr-BE" dirty="0"/>
+              <a:t>Le site de la communauté Java3D : ✔ https://java3d.dev.java.net/ ➢ Le tutorial Java3D : ✔ http://java.sun.com/developer/onlineTraining/java3d/ </a:t>
+            </a:r>
+          </a:p>
+          <a:p>
+            <a:endParaRPr lang="fr-BE" dirty="0"/>
+          </a:p>
+        </p:txBody>
+      </p:sp>
+    </p:spTree>
+    <p:extLst>
+      <p:ext uri="{BB962C8B-B14F-4D97-AF65-F5344CB8AC3E}">
+        <p14:creationId xmlns:p14="http://schemas.microsoft.com/office/powerpoint/2010/main" val="3969128882"/>
+      </p:ext>
+    </p:extLst>
+  </p:cSld>
+  <p:clrMapOvr>
+    <a:masterClrMapping/>
+  </p:clrMapOvr>
+  <p:timing>
+    <p:tnLst>
+      <p:par>
+        <p:cTn id="1" dur="indefinite" restart="never" nodeType="tmRoot"/>
+      </p:par>
+    </p:tnLst>
+  </p:timing>
+</p:sld>
+</file>
+
+<file path=ppt/slides/slide18.xml><?xml version="1.0" encoding="utf-8"?>
 <p:sld xmlns:a="http://schemas.openxmlformats.org/drawingml/2006/main" xmlns:r="http://schemas.openxmlformats.org/officeDocument/2006/relationships" xmlns:p="http://schemas.openxmlformats.org/presentationml/2006/main">
   <p:cSld>
     <p:bg>
@@ -6321,7 +6672,7 @@
               <a:buNone/>
             </a:pPr>
             <a:r>
-              <a:rPr lang="en-US" smtClean="0">
+              <a:rPr lang="en-US" dirty="0" smtClean="0">
                 <a:solidFill>
                   <a:prstClr val="black"/>
                 </a:solidFill>
@@ -6356,70 +6707,34 @@
                   <a:prstClr val="black"/>
                 </a:solidFill>
               </a:rPr>
-              <a:t>You can use </a:t>
-            </a:r>
-            <a:r>
-              <a:rPr lang="en-US" sz="1600" smtClean="0">
-                <a:solidFill>
-                  <a:prstClr val="black"/>
-                </a:solidFill>
-              </a:rPr>
-              <a:t>this free PowerPoint </a:t>
+              <a:t>You can use this free PowerPoint template for your own presentations.  Follow us on Twitter </a:t>
             </a:r>
             <a:r>
               <a:rPr lang="en-US" sz="1600" dirty="0" smtClean="0">
-                <a:solidFill>
-                  <a:prstClr val="black"/>
-                </a:solidFill>
-              </a:rPr>
-              <a:t>template </a:t>
-            </a:r>
-            <a:r>
-              <a:rPr lang="en-US" sz="1600" smtClean="0">
-                <a:solidFill>
-                  <a:prstClr val="black"/>
-                </a:solidFill>
-              </a:rPr>
-              <a:t>for your own presentations.  Follow </a:t>
-            </a:r>
-            <a:r>
-              <a:rPr lang="en-US" sz="1600" dirty="0" smtClean="0">
-                <a:solidFill>
-                  <a:prstClr val="black"/>
-                </a:solidFill>
-              </a:rPr>
-              <a:t>us </a:t>
-            </a:r>
-            <a:r>
-              <a:rPr lang="en-US" sz="1600" smtClean="0">
-                <a:solidFill>
-                  <a:prstClr val="black"/>
-                </a:solidFill>
-              </a:rPr>
-              <a:t>on Twitter </a:t>
-            </a:r>
-            <a:r>
-              <a:rPr lang="en-US" sz="1600" smtClean="0">
                 <a:solidFill>
                   <a:prstClr val="black"/>
                 </a:solidFill>
                 <a:hlinkClick r:id="rId4"/>
               </a:rPr>
-              <a:t>@ppttemplatenet</a:t>
-            </a:r>
-            <a:r>
-              <a:rPr lang="en-US" sz="1600" smtClean="0">
+              <a:t>@</a:t>
+            </a:r>
+            <a:r>
+              <a:rPr lang="en-US" sz="1600" dirty="0" err="1" smtClean="0">
+                <a:solidFill>
+                  <a:prstClr val="black"/>
+                </a:solidFill>
+                <a:hlinkClick r:id="rId4"/>
+              </a:rPr>
+              <a:t>ppttemplatenet</a:t>
+            </a:r>
+            <a:r>
+              <a:rPr lang="en-US" sz="1600" dirty="0" smtClean="0">
                 <a:solidFill>
                   <a:prstClr val="black"/>
                 </a:solidFill>
               </a:rPr>
               <a:t> </a:t>
             </a:r>
-            <a:endParaRPr lang="en-US" sz="1600" dirty="0" smtClean="0">
-              <a:solidFill>
-                <a:prstClr val="black"/>
-              </a:solidFill>
-            </a:endParaRPr>
           </a:p>
           <a:p>
             <a:pPr marL="0" indent="0" algn="ctr">
@@ -6438,7 +6753,7 @@
               <a:buNone/>
             </a:pPr>
             <a:r>
-              <a:rPr lang="en-US" sz="2400" smtClean="0">
+              <a:rPr lang="en-US" sz="2400" dirty="0" smtClean="0">
                 <a:solidFill>
                   <a:prstClr val="black"/>
                 </a:solidFill>
@@ -7161,6 +7476,1931 @@
     <p:extLst>
       <p:ext uri="{BB962C8B-B14F-4D97-AF65-F5344CB8AC3E}">
         <p14:creationId xmlns:p14="http://schemas.microsoft.com/office/powerpoint/2010/main" val="4292739298"/>
+      </p:ext>
+    </p:extLst>
+  </p:cSld>
+  <p:clrMapOvr>
+    <a:masterClrMapping/>
+  </p:clrMapOvr>
+  <p:timing>
+    <p:tnLst>
+      <p:par>
+        <p:cTn id="1" dur="indefinite" restart="never" nodeType="tmRoot"/>
+      </p:par>
+    </p:tnLst>
+  </p:timing>
+</p:sld>
+</file>
+
+<file path=ppt/slides/slide2.xml><?xml version="1.0" encoding="utf-8"?>
+<p:sld xmlns:a="http://schemas.openxmlformats.org/drawingml/2006/main" xmlns:r="http://schemas.openxmlformats.org/officeDocument/2006/relationships" xmlns:p="http://schemas.openxmlformats.org/presentationml/2006/main">
+  <p:cSld>
+    <p:spTree>
+      <p:nvGrpSpPr>
+        <p:cNvPr id="1" name=""/>
+        <p:cNvGrpSpPr/>
+        <p:nvPr/>
+      </p:nvGrpSpPr>
+      <p:grpSpPr>
+        <a:xfrm>
+          <a:off x="0" y="0"/>
+          <a:ext cx="0" cy="0"/>
+          <a:chOff x="0" y="0"/>
+          <a:chExt cx="0" cy="0"/>
+        </a:xfrm>
+      </p:grpSpPr>
+      <p:sp>
+        <p:nvSpPr>
+          <p:cNvPr id="2" name="Title 1"/>
+          <p:cNvSpPr>
+            <a:spLocks noGrp="1"/>
+          </p:cNvSpPr>
+          <p:nvPr>
+            <p:ph type="title"/>
+          </p:nvPr>
+        </p:nvSpPr>
+        <p:spPr>
+          <a:xfrm>
+            <a:off x="601670" y="527605"/>
+            <a:ext cx="7940659" cy="763524"/>
+          </a:xfrm>
+        </p:spPr>
+        <p:txBody>
+          <a:bodyPr>
+            <a:normAutofit/>
+          </a:bodyPr>
+          <a:lstStyle/>
+          <a:p>
+            <a:r>
+              <a:rPr lang="en-US" dirty="0" smtClean="0"/>
+              <a:t>Slide Title</a:t>
+            </a:r>
+            <a:endParaRPr lang="en-US" dirty="0"/>
+          </a:p>
+        </p:txBody>
+      </p:sp>
+      <p:sp>
+        <p:nvSpPr>
+          <p:cNvPr id="3" name="Content Placeholder 2"/>
+          <p:cNvSpPr>
+            <a:spLocks noGrp="1"/>
+          </p:cNvSpPr>
+          <p:nvPr>
+            <p:ph idx="1"/>
+          </p:nvPr>
+        </p:nvSpPr>
+        <p:spPr/>
+        <p:txBody>
+          <a:bodyPr/>
+          <a:lstStyle/>
+          <a:p>
+            <a:r>
+              <a:rPr lang="en-US" dirty="0" smtClean="0">
+                <a:solidFill>
+                  <a:schemeClr val="bg1"/>
+                </a:solidFill>
+              </a:rPr>
+              <a:t>Make Effective Presentations</a:t>
+            </a:r>
+          </a:p>
+          <a:p>
+            <a:r>
+              <a:rPr lang="en-US" dirty="0" smtClean="0">
+                <a:solidFill>
+                  <a:schemeClr val="bg1"/>
+                </a:solidFill>
+              </a:rPr>
+              <a:t>Using Awesome Backgrounds</a:t>
+            </a:r>
+          </a:p>
+          <a:p>
+            <a:r>
+              <a:rPr lang="en-US" dirty="0" smtClean="0">
+                <a:solidFill>
+                  <a:schemeClr val="bg1"/>
+                </a:solidFill>
+              </a:rPr>
+              <a:t>Engage your Audience</a:t>
+            </a:r>
+          </a:p>
+          <a:p>
+            <a:r>
+              <a:rPr lang="en-US" dirty="0" smtClean="0">
+                <a:solidFill>
+                  <a:schemeClr val="bg1"/>
+                </a:solidFill>
+              </a:rPr>
+              <a:t>Capture Audience Attention</a:t>
+            </a:r>
+          </a:p>
+          <a:p>
+            <a:endParaRPr lang="en-US" dirty="0" smtClean="0"/>
+          </a:p>
+          <a:p>
+            <a:endParaRPr lang="en-US" dirty="0"/>
+          </a:p>
+        </p:txBody>
+      </p:sp>
+      <p:pic>
+        <p:nvPicPr>
+          <p:cNvPr id="4" name="Picture 2" descr="E:\cloud\drive\websites\ppttemplate\ppt\logo-ppttemplate.png">
+            <a:hlinkClick r:id="rId2"/>
+          </p:cNvPr>
+          <p:cNvPicPr>
+            <a:picLocks noChangeAspect="1" noChangeArrowheads="1"/>
+          </p:cNvPicPr>
+          <p:nvPr/>
+        </p:nvPicPr>
+        <p:blipFill>
+          <a:blip r:embed="rId3" cstate="print">
+            <a:extLst>
+              <a:ext uri="{28A0092B-C50C-407E-A947-70E740481C1C}">
+                <a14:useLocalDpi xmlns:a14="http://schemas.microsoft.com/office/drawing/2010/main" val="0"/>
+              </a:ext>
+            </a:extLst>
+          </a:blip>
+          <a:srcRect/>
+          <a:stretch>
+            <a:fillRect/>
+          </a:stretch>
+        </p:blipFill>
+        <p:spPr bwMode="auto">
+          <a:xfrm>
+            <a:off x="7878674" y="6531587"/>
+            <a:ext cx="1161288" cy="250278"/>
+          </a:xfrm>
+          <a:prstGeom prst="rect">
+            <a:avLst/>
+          </a:prstGeom>
+          <a:noFill/>
+          <a:extLst>
+            <a:ext uri="{909E8E84-426E-40DD-AFC4-6F175D3DCCD1}">
+              <a14:hiddenFill xmlns:a14="http://schemas.microsoft.com/office/drawing/2010/main">
+                <a:solidFill>
+                  <a:srgbClr val="FFFFFF"/>
+                </a:solidFill>
+              </a14:hiddenFill>
+            </a:ext>
+          </a:extLst>
+        </p:spPr>
+      </p:pic>
+    </p:spTree>
+    <p:extLst>
+      <p:ext uri="{BB962C8B-B14F-4D97-AF65-F5344CB8AC3E}">
+        <p14:creationId xmlns:p14="http://schemas.microsoft.com/office/powerpoint/2010/main" val="4103309497"/>
+      </p:ext>
+    </p:extLst>
+  </p:cSld>
+  <p:clrMapOvr>
+    <a:masterClrMapping/>
+  </p:clrMapOvr>
+  <p:timing>
+    <p:tnLst>
+      <p:par>
+        <p:cTn id="1" dur="indefinite" restart="never" nodeType="tmRoot"/>
+      </p:par>
+    </p:tnLst>
+  </p:timing>
+</p:sld>
+</file>
+
+<file path=ppt/slides/slide3.xml><?xml version="1.0" encoding="utf-8"?>
+<p:sld xmlns:a="http://schemas.openxmlformats.org/drawingml/2006/main" xmlns:r="http://schemas.openxmlformats.org/officeDocument/2006/relationships" xmlns:p="http://schemas.openxmlformats.org/presentationml/2006/main">
+  <p:cSld>
+    <p:spTree>
+      <p:nvGrpSpPr>
+        <p:cNvPr id="1" name=""/>
+        <p:cNvGrpSpPr/>
+        <p:nvPr/>
+      </p:nvGrpSpPr>
+      <p:grpSpPr>
+        <a:xfrm>
+          <a:off x="0" y="0"/>
+          <a:ext cx="0" cy="0"/>
+          <a:chOff x="0" y="0"/>
+          <a:chExt cx="0" cy="0"/>
+        </a:xfrm>
+      </p:grpSpPr>
+      <p:sp>
+        <p:nvSpPr>
+          <p:cNvPr id="4" name="Title 3"/>
+          <p:cNvSpPr>
+            <a:spLocks noGrp="1"/>
+          </p:cNvSpPr>
+          <p:nvPr>
+            <p:ph type="title"/>
+          </p:nvPr>
+        </p:nvSpPr>
+        <p:spPr/>
+        <p:txBody>
+          <a:bodyPr/>
+          <a:lstStyle/>
+          <a:p>
+            <a:r>
+              <a:rPr lang="en-US" dirty="0" smtClean="0"/>
+              <a:t>Introduction</a:t>
+            </a:r>
+            <a:endParaRPr lang="en-US" dirty="0"/>
+          </a:p>
+        </p:txBody>
+      </p:sp>
+      <p:sp>
+        <p:nvSpPr>
+          <p:cNvPr id="5" name="Content Placeholder 4"/>
+          <p:cNvSpPr>
+            <a:spLocks noGrp="1"/>
+          </p:cNvSpPr>
+          <p:nvPr>
+            <p:ph idx="1"/>
+          </p:nvPr>
+        </p:nvSpPr>
+        <p:spPr/>
+        <p:txBody>
+          <a:bodyPr>
+            <a:normAutofit/>
+          </a:bodyPr>
+          <a:lstStyle/>
+          <a:p>
+            <a:r>
+              <a:rPr lang="fr-BE" dirty="0"/>
+              <a:t>API Java de Sun destinée à l’affichage 3D sous Java </a:t>
+            </a:r>
+            <a:endParaRPr lang="fr-BE" dirty="0" smtClean="0"/>
+          </a:p>
+          <a:p>
+            <a:r>
+              <a:rPr lang="fr-BE" dirty="0" smtClean="0"/>
+              <a:t> </a:t>
+            </a:r>
+            <a:r>
+              <a:rPr lang="fr-BE" dirty="0"/>
+              <a:t>Destiné à l’écriture d’applications et </a:t>
+            </a:r>
+            <a:r>
+              <a:rPr lang="fr-BE" dirty="0" smtClean="0"/>
+              <a:t>d’Applets</a:t>
+            </a:r>
+          </a:p>
+          <a:p>
+            <a:r>
+              <a:rPr lang="fr-BE" dirty="0" smtClean="0"/>
+              <a:t> </a:t>
+            </a:r>
+            <a:r>
+              <a:rPr lang="fr-BE" dirty="0"/>
+              <a:t>Conçu dans le but de faciliter la programmation d'environnements 3D </a:t>
+            </a:r>
+          </a:p>
+          <a:p>
+            <a:r>
+              <a:rPr lang="fr-BE" dirty="0" smtClean="0"/>
+              <a:t> </a:t>
+            </a:r>
+            <a:r>
+              <a:rPr lang="fr-BE" dirty="0"/>
+              <a:t>Justifié par la portabilité de Java qui permet la portabilité des applications </a:t>
+            </a:r>
+            <a:endParaRPr lang="fr-BE" dirty="0" smtClean="0"/>
+          </a:p>
+        </p:txBody>
+      </p:sp>
+      <p:pic>
+        <p:nvPicPr>
+          <p:cNvPr id="6" name="Picture 2" descr="E:\cloud\drive\websites\ppttemplate\ppt\logo-ppttemplate.png">
+            <a:hlinkClick r:id="rId2"/>
+          </p:cNvPr>
+          <p:cNvPicPr>
+            <a:picLocks noChangeAspect="1" noChangeArrowheads="1"/>
+          </p:cNvPicPr>
+          <p:nvPr/>
+        </p:nvPicPr>
+        <p:blipFill>
+          <a:blip r:embed="rId3" cstate="print">
+            <a:extLst>
+              <a:ext uri="{28A0092B-C50C-407E-A947-70E740481C1C}">
+                <a14:useLocalDpi xmlns:a14="http://schemas.microsoft.com/office/drawing/2010/main" val="0"/>
+              </a:ext>
+            </a:extLst>
+          </a:blip>
+          <a:srcRect/>
+          <a:stretch>
+            <a:fillRect/>
+          </a:stretch>
+        </p:blipFill>
+        <p:spPr bwMode="auto">
+          <a:xfrm>
+            <a:off x="7878674" y="6531587"/>
+            <a:ext cx="1161288" cy="250278"/>
+          </a:xfrm>
+          <a:prstGeom prst="rect">
+            <a:avLst/>
+          </a:prstGeom>
+          <a:noFill/>
+          <a:extLst>
+            <a:ext uri="{909E8E84-426E-40DD-AFC4-6F175D3DCCD1}">
+              <a14:hiddenFill xmlns:a14="http://schemas.microsoft.com/office/drawing/2010/main">
+                <a:solidFill>
+                  <a:srgbClr val="FFFFFF"/>
+                </a:solidFill>
+              </a14:hiddenFill>
+            </a:ext>
+          </a:extLst>
+        </p:spPr>
+      </p:pic>
+    </p:spTree>
+    <p:extLst>
+      <p:ext uri="{BB962C8B-B14F-4D97-AF65-F5344CB8AC3E}">
+        <p14:creationId xmlns:p14="http://schemas.microsoft.com/office/powerpoint/2010/main" val="1101633878"/>
+      </p:ext>
+    </p:extLst>
+  </p:cSld>
+  <p:clrMapOvr>
+    <a:masterClrMapping/>
+  </p:clrMapOvr>
+  <p:timing>
+    <p:tnLst>
+      <p:par>
+        <p:cTn id="1" dur="indefinite" restart="never" nodeType="tmRoot"/>
+      </p:par>
+    </p:tnLst>
+  </p:timing>
+</p:sld>
+</file>
+
+<file path=ppt/slides/slide4.xml><?xml version="1.0" encoding="utf-8"?>
+<p:sld xmlns:a="http://schemas.openxmlformats.org/drawingml/2006/main" xmlns:r="http://schemas.openxmlformats.org/officeDocument/2006/relationships" xmlns:p="http://schemas.openxmlformats.org/presentationml/2006/main">
+  <p:cSld>
+    <p:spTree>
+      <p:nvGrpSpPr>
+        <p:cNvPr id="1" name=""/>
+        <p:cNvGrpSpPr/>
+        <p:nvPr/>
+      </p:nvGrpSpPr>
+      <p:grpSpPr>
+        <a:xfrm>
+          <a:off x="0" y="0"/>
+          <a:ext cx="0" cy="0"/>
+          <a:chOff x="0" y="0"/>
+          <a:chExt cx="0" cy="0"/>
+        </a:xfrm>
+      </p:grpSpPr>
+      <p:sp>
+        <p:nvSpPr>
+          <p:cNvPr id="4" name="Title 3"/>
+          <p:cNvSpPr>
+            <a:spLocks noGrp="1"/>
+          </p:cNvSpPr>
+          <p:nvPr>
+            <p:ph type="title"/>
+          </p:nvPr>
+        </p:nvSpPr>
+        <p:spPr/>
+        <p:txBody>
+          <a:bodyPr/>
+          <a:lstStyle/>
+          <a:p>
+            <a:r>
+              <a:rPr lang="en-US" dirty="0" err="1" smtClean="0"/>
+              <a:t>Historique</a:t>
+            </a:r>
+            <a:endParaRPr lang="en-US" dirty="0"/>
+          </a:p>
+        </p:txBody>
+      </p:sp>
+      <p:sp>
+        <p:nvSpPr>
+          <p:cNvPr id="5" name="Content Placeholder 4"/>
+          <p:cNvSpPr>
+            <a:spLocks noGrp="1"/>
+          </p:cNvSpPr>
+          <p:nvPr>
+            <p:ph idx="1"/>
+          </p:nvPr>
+        </p:nvSpPr>
+        <p:spPr/>
+        <p:txBody>
+          <a:bodyPr>
+            <a:normAutofit/>
+          </a:bodyPr>
+          <a:lstStyle/>
+          <a:p>
+            <a:r>
+              <a:rPr lang="fr-BE" dirty="0" smtClean="0"/>
+              <a:t>1996 Lancement du projet par Intel, Sun, </a:t>
+            </a:r>
+            <a:r>
+              <a:rPr lang="fr-BE" dirty="0" err="1" smtClean="0"/>
+              <a:t>Silicon</a:t>
+            </a:r>
+            <a:r>
+              <a:rPr lang="fr-BE" dirty="0" smtClean="0"/>
+              <a:t> </a:t>
+            </a:r>
+            <a:r>
+              <a:rPr lang="fr-BE" dirty="0" err="1" smtClean="0"/>
+              <a:t>Graphics</a:t>
+            </a:r>
+            <a:r>
+              <a:rPr lang="fr-BE" dirty="0" smtClean="0"/>
+              <a:t> et Apple.</a:t>
+            </a:r>
+          </a:p>
+          <a:p>
+            <a:r>
+              <a:rPr lang="fr-BE" dirty="0" smtClean="0"/>
+              <a:t> 1998 :  première version.</a:t>
+            </a:r>
+            <a:endParaRPr lang="fr-BE" dirty="0"/>
+          </a:p>
+          <a:p>
+            <a:r>
+              <a:rPr lang="en-US" dirty="0" smtClean="0"/>
+              <a:t>2003-2004 : </a:t>
+            </a:r>
+            <a:r>
+              <a:rPr lang="en-US" dirty="0" err="1" smtClean="0"/>
+              <a:t>Arret</a:t>
+            </a:r>
+            <a:r>
+              <a:rPr lang="en-US" dirty="0" smtClean="0"/>
+              <a:t> du </a:t>
+            </a:r>
+            <a:r>
+              <a:rPr lang="en-US" dirty="0" err="1" smtClean="0"/>
+              <a:t>projet</a:t>
+            </a:r>
+            <a:r>
+              <a:rPr lang="en-US" dirty="0" smtClean="0"/>
+              <a:t>.</a:t>
+            </a:r>
+          </a:p>
+          <a:p>
+            <a:r>
+              <a:rPr lang="en-US" dirty="0" smtClean="0"/>
+              <a:t>2004  : le </a:t>
+            </a:r>
+            <a:r>
+              <a:rPr lang="en-US" dirty="0" err="1"/>
+              <a:t>projet</a:t>
+            </a:r>
+            <a:r>
+              <a:rPr lang="en-US" dirty="0"/>
+              <a:t> </a:t>
+            </a:r>
+            <a:r>
+              <a:rPr lang="en-US" dirty="0" err="1"/>
+              <a:t>est</a:t>
+            </a:r>
+            <a:r>
+              <a:rPr lang="en-US" dirty="0"/>
+              <a:t> </a:t>
+            </a:r>
+            <a:r>
+              <a:rPr lang="en-US" dirty="0" err="1"/>
+              <a:t>devenu</a:t>
+            </a:r>
+            <a:r>
+              <a:rPr lang="en-US" dirty="0"/>
+              <a:t> Open Source. </a:t>
+            </a:r>
+            <a:endParaRPr lang="fr-BE" dirty="0"/>
+          </a:p>
+          <a:p>
+            <a:r>
+              <a:rPr lang="en-US" dirty="0"/>
+              <a:t>Current version 1.5.2 </a:t>
+            </a:r>
+            <a:r>
+              <a:rPr lang="en-US" dirty="0" smtClean="0"/>
+              <a:t>3.</a:t>
+            </a:r>
+            <a:endParaRPr lang="fr-BE" dirty="0"/>
+          </a:p>
+        </p:txBody>
+      </p:sp>
+      <p:pic>
+        <p:nvPicPr>
+          <p:cNvPr id="6" name="Picture 2" descr="E:\cloud\drive\websites\ppttemplate\ppt\logo-ppttemplate.png">
+            <a:hlinkClick r:id="rId2"/>
+          </p:cNvPr>
+          <p:cNvPicPr>
+            <a:picLocks noChangeAspect="1" noChangeArrowheads="1"/>
+          </p:cNvPicPr>
+          <p:nvPr/>
+        </p:nvPicPr>
+        <p:blipFill>
+          <a:blip r:embed="rId3" cstate="print">
+            <a:extLst>
+              <a:ext uri="{28A0092B-C50C-407E-A947-70E740481C1C}">
+                <a14:useLocalDpi xmlns:a14="http://schemas.microsoft.com/office/drawing/2010/main" val="0"/>
+              </a:ext>
+            </a:extLst>
+          </a:blip>
+          <a:srcRect/>
+          <a:stretch>
+            <a:fillRect/>
+          </a:stretch>
+        </p:blipFill>
+        <p:spPr bwMode="auto">
+          <a:xfrm>
+            <a:off x="7878674" y="6531587"/>
+            <a:ext cx="1161288" cy="250278"/>
+          </a:xfrm>
+          <a:prstGeom prst="rect">
+            <a:avLst/>
+          </a:prstGeom>
+          <a:noFill/>
+          <a:extLst>
+            <a:ext uri="{909E8E84-426E-40DD-AFC4-6F175D3DCCD1}">
+              <a14:hiddenFill xmlns:a14="http://schemas.microsoft.com/office/drawing/2010/main">
+                <a:solidFill>
+                  <a:srgbClr val="FFFFFF"/>
+                </a:solidFill>
+              </a14:hiddenFill>
+            </a:ext>
+          </a:extLst>
+        </p:spPr>
+      </p:pic>
+    </p:spTree>
+    <p:extLst>
+      <p:ext uri="{BB962C8B-B14F-4D97-AF65-F5344CB8AC3E}">
+        <p14:creationId xmlns:p14="http://schemas.microsoft.com/office/powerpoint/2010/main" val="114916891"/>
+      </p:ext>
+    </p:extLst>
+  </p:cSld>
+  <p:clrMapOvr>
+    <a:masterClrMapping/>
+  </p:clrMapOvr>
+  <p:timing>
+    <p:tnLst>
+      <p:par>
+        <p:cTn id="1" dur="indefinite" restart="never" nodeType="tmRoot"/>
+      </p:par>
+    </p:tnLst>
+  </p:timing>
+</p:sld>
+</file>
+
+<file path=ppt/slides/slide5.xml><?xml version="1.0" encoding="utf-8"?>
+<p:sld xmlns:a="http://schemas.openxmlformats.org/drawingml/2006/main" xmlns:r="http://schemas.openxmlformats.org/officeDocument/2006/relationships" xmlns:p="http://schemas.openxmlformats.org/presentationml/2006/main">
+  <p:cSld>
+    <p:spTree>
+      <p:nvGrpSpPr>
+        <p:cNvPr id="1" name=""/>
+        <p:cNvGrpSpPr/>
+        <p:nvPr/>
+      </p:nvGrpSpPr>
+      <p:grpSpPr>
+        <a:xfrm>
+          <a:off x="0" y="0"/>
+          <a:ext cx="0" cy="0"/>
+          <a:chOff x="0" y="0"/>
+          <a:chExt cx="0" cy="0"/>
+        </a:xfrm>
+      </p:grpSpPr>
+      <p:sp>
+        <p:nvSpPr>
+          <p:cNvPr id="4" name="Title 3"/>
+          <p:cNvSpPr>
+            <a:spLocks noGrp="1"/>
+          </p:cNvSpPr>
+          <p:nvPr>
+            <p:ph type="title"/>
+          </p:nvPr>
+        </p:nvSpPr>
+        <p:spPr>
+          <a:xfrm>
+            <a:off x="448965" y="527605"/>
+            <a:ext cx="8229600" cy="763525"/>
+          </a:xfrm>
+        </p:spPr>
+        <p:txBody>
+          <a:bodyPr>
+            <a:normAutofit/>
+          </a:bodyPr>
+          <a:lstStyle/>
+          <a:p>
+            <a:r>
+              <a:rPr lang="en-US" dirty="0" smtClean="0"/>
+              <a:t>Installation</a:t>
+            </a:r>
+            <a:endParaRPr lang="en-US" dirty="0"/>
+          </a:p>
+        </p:txBody>
+      </p:sp>
+      <p:sp>
+        <p:nvSpPr>
+          <p:cNvPr id="6" name="Content Placeholder 5"/>
+          <p:cNvSpPr>
+            <a:spLocks noGrp="1"/>
+          </p:cNvSpPr>
+          <p:nvPr>
+            <p:ph sz="half" idx="2"/>
+          </p:nvPr>
+        </p:nvSpPr>
+        <p:spPr>
+          <a:xfrm>
+            <a:off x="448965" y="2054655"/>
+            <a:ext cx="8398775" cy="3035058"/>
+          </a:xfrm>
+        </p:spPr>
+        <p:txBody>
+          <a:bodyPr/>
+          <a:lstStyle/>
+          <a:p>
+            <a:r>
+              <a:rPr lang="fr-BE" dirty="0"/>
+              <a:t>J2SE SDK (Java 2 Standard Edition Software </a:t>
+            </a:r>
+            <a:r>
+              <a:rPr lang="fr-BE" dirty="0" err="1"/>
+              <a:t>Development</a:t>
+            </a:r>
+            <a:r>
+              <a:rPr lang="fr-BE" dirty="0"/>
+              <a:t> Kit) : JRE + le JDK + Virtual Machine</a:t>
+            </a:r>
+          </a:p>
+          <a:p>
+            <a:r>
+              <a:rPr lang="fr-BE" dirty="0"/>
+              <a:t>Java 3D </a:t>
+            </a:r>
+            <a:r>
+              <a:rPr lang="fr-BE" dirty="0" err="1"/>
+              <a:t>devlopment</a:t>
+            </a:r>
+            <a:r>
+              <a:rPr lang="fr-BE" dirty="0"/>
+              <a:t> kit : http://www.oracle.com/technetwork/articles/javase/index-jsp-138252.html</a:t>
+            </a:r>
+          </a:p>
+          <a:p>
+            <a:endParaRPr lang="en-US" dirty="0" smtClean="0"/>
+          </a:p>
+          <a:p>
+            <a:endParaRPr lang="en-US" dirty="0"/>
+          </a:p>
+        </p:txBody>
+      </p:sp>
+      <p:pic>
+        <p:nvPicPr>
+          <p:cNvPr id="9" name="Picture 2" descr="E:\cloud\drive\websites\ppttemplate\ppt\logo-ppttemplate.png">
+            <a:hlinkClick r:id="rId2"/>
+          </p:cNvPr>
+          <p:cNvPicPr>
+            <a:picLocks noChangeAspect="1" noChangeArrowheads="1"/>
+          </p:cNvPicPr>
+          <p:nvPr/>
+        </p:nvPicPr>
+        <p:blipFill>
+          <a:blip r:embed="rId3" cstate="print">
+            <a:extLst>
+              <a:ext uri="{28A0092B-C50C-407E-A947-70E740481C1C}">
+                <a14:useLocalDpi xmlns:a14="http://schemas.microsoft.com/office/drawing/2010/main" val="0"/>
+              </a:ext>
+            </a:extLst>
+          </a:blip>
+          <a:srcRect/>
+          <a:stretch>
+            <a:fillRect/>
+          </a:stretch>
+        </p:blipFill>
+        <p:spPr bwMode="auto">
+          <a:xfrm>
+            <a:off x="7878674" y="6531587"/>
+            <a:ext cx="1161288" cy="250278"/>
+          </a:xfrm>
+          <a:prstGeom prst="rect">
+            <a:avLst/>
+          </a:prstGeom>
+          <a:noFill/>
+          <a:extLst>
+            <a:ext uri="{909E8E84-426E-40DD-AFC4-6F175D3DCCD1}">
+              <a14:hiddenFill xmlns:a14="http://schemas.microsoft.com/office/drawing/2010/main">
+                <a:solidFill>
+                  <a:srgbClr val="FFFFFF"/>
+                </a:solidFill>
+              </a14:hiddenFill>
+            </a:ext>
+          </a:extLst>
+        </p:spPr>
+      </p:pic>
+    </p:spTree>
+    <p:extLst>
+      <p:ext uri="{BB962C8B-B14F-4D97-AF65-F5344CB8AC3E}">
+        <p14:creationId xmlns:p14="http://schemas.microsoft.com/office/powerpoint/2010/main" val="4170783713"/>
+      </p:ext>
+    </p:extLst>
+  </p:cSld>
+  <p:clrMapOvr>
+    <a:masterClrMapping/>
+  </p:clrMapOvr>
+  <p:timing>
+    <p:tnLst>
+      <p:par>
+        <p:cTn id="1" dur="indefinite" restart="never" nodeType="tmRoot"/>
+      </p:par>
+    </p:tnLst>
+  </p:timing>
+</p:sld>
+</file>
+
+<file path=ppt/slides/slide6.xml><?xml version="1.0" encoding="utf-8"?>
+<p:sld xmlns:a="http://schemas.openxmlformats.org/drawingml/2006/main" xmlns:r="http://schemas.openxmlformats.org/officeDocument/2006/relationships" xmlns:p="http://schemas.openxmlformats.org/presentationml/2006/main">
+  <p:cSld>
+    <p:spTree>
+      <p:nvGrpSpPr>
+        <p:cNvPr id="1" name=""/>
+        <p:cNvGrpSpPr/>
+        <p:nvPr/>
+      </p:nvGrpSpPr>
+      <p:grpSpPr>
+        <a:xfrm>
+          <a:off x="0" y="0"/>
+          <a:ext cx="0" cy="0"/>
+          <a:chOff x="0" y="0"/>
+          <a:chExt cx="0" cy="0"/>
+        </a:xfrm>
+      </p:grpSpPr>
+      <p:sp>
+        <p:nvSpPr>
+          <p:cNvPr id="4" name="Title 3"/>
+          <p:cNvSpPr>
+            <a:spLocks noGrp="1"/>
+          </p:cNvSpPr>
+          <p:nvPr>
+            <p:ph type="title"/>
+          </p:nvPr>
+        </p:nvSpPr>
+        <p:spPr/>
+        <p:txBody>
+          <a:bodyPr/>
+          <a:lstStyle/>
+          <a:p>
+            <a:r>
+              <a:rPr lang="en-US" dirty="0" err="1" smtClean="0"/>
+              <a:t>Principales</a:t>
+            </a:r>
+            <a:r>
+              <a:rPr lang="en-US" dirty="0" smtClean="0"/>
+              <a:t> </a:t>
+            </a:r>
+            <a:r>
+              <a:rPr lang="en-US" dirty="0" err="1" smtClean="0"/>
+              <a:t>fonctionalités</a:t>
+            </a:r>
+            <a:endParaRPr lang="en-US" dirty="0"/>
+          </a:p>
+        </p:txBody>
+      </p:sp>
+      <p:sp>
+        <p:nvSpPr>
+          <p:cNvPr id="5" name="Content Placeholder 4"/>
+          <p:cNvSpPr>
+            <a:spLocks noGrp="1"/>
+          </p:cNvSpPr>
+          <p:nvPr>
+            <p:ph idx="1"/>
+          </p:nvPr>
+        </p:nvSpPr>
+        <p:spPr/>
+        <p:txBody>
+          <a:bodyPr>
+            <a:normAutofit fontScale="62500" lnSpcReduction="20000"/>
+          </a:bodyPr>
+          <a:lstStyle/>
+          <a:p>
+            <a:r>
+              <a:rPr lang="fr-BE" dirty="0"/>
+              <a:t>Modélisation et affichage 3D de scènes </a:t>
+            </a:r>
+            <a:endParaRPr lang="fr-BE" dirty="0" smtClean="0"/>
+          </a:p>
+          <a:p>
+            <a:pPr lvl="1"/>
+            <a:r>
+              <a:rPr lang="fr-BE" dirty="0" smtClean="0">
+                <a:solidFill>
+                  <a:schemeClr val="tx1"/>
+                </a:solidFill>
+              </a:rPr>
+              <a:t>moteur </a:t>
+            </a:r>
+            <a:r>
+              <a:rPr lang="fr-BE" dirty="0">
+                <a:solidFill>
+                  <a:schemeClr val="tx1"/>
+                </a:solidFill>
+              </a:rPr>
+              <a:t>de rendu: Z-Buffer  </a:t>
+            </a:r>
+            <a:r>
+              <a:rPr lang="fr-BE" dirty="0" smtClean="0">
+                <a:solidFill>
+                  <a:schemeClr val="tx1"/>
+                </a:solidFill>
+              </a:rPr>
+              <a:t>et ombrage </a:t>
+            </a:r>
+            <a:r>
+              <a:rPr lang="fr-BE" dirty="0">
+                <a:solidFill>
+                  <a:schemeClr val="tx1"/>
+                </a:solidFill>
+              </a:rPr>
+              <a:t>de Gouraud </a:t>
+            </a:r>
+            <a:r>
+              <a:rPr lang="fr-BE" dirty="0" smtClean="0">
+                <a:solidFill>
+                  <a:schemeClr val="tx1"/>
+                </a:solidFill>
+              </a:rPr>
+              <a:t>étendu.</a:t>
+            </a:r>
+            <a:endParaRPr lang="fr-BE" dirty="0">
+              <a:solidFill>
+                <a:schemeClr val="tx1"/>
+              </a:solidFill>
+            </a:endParaRPr>
+          </a:p>
+          <a:p>
+            <a:r>
+              <a:rPr lang="fr-BE" dirty="0" smtClean="0"/>
+              <a:t>Notion </a:t>
+            </a:r>
+            <a:r>
+              <a:rPr lang="fr-BE" dirty="0"/>
+              <a:t>de "</a:t>
+            </a:r>
+            <a:r>
+              <a:rPr lang="fr-BE" dirty="0" err="1"/>
+              <a:t>Behaviors</a:t>
+            </a:r>
+            <a:r>
+              <a:rPr lang="fr-BE" dirty="0"/>
+              <a:t>": </a:t>
+            </a:r>
+          </a:p>
+          <a:p>
+            <a:pPr lvl="1"/>
+            <a:r>
+              <a:rPr lang="fr-BE" dirty="0" smtClean="0">
+                <a:solidFill>
+                  <a:schemeClr val="tx1"/>
+                </a:solidFill>
+              </a:rPr>
+              <a:t>Possibilité </a:t>
+            </a:r>
+            <a:r>
+              <a:rPr lang="fr-BE" dirty="0">
+                <a:solidFill>
+                  <a:schemeClr val="tx1"/>
+                </a:solidFill>
+              </a:rPr>
+              <a:t>d'implanter des comportements spécifiques programmés.</a:t>
+            </a:r>
+          </a:p>
+          <a:p>
+            <a:r>
+              <a:rPr lang="fr-BE" dirty="0"/>
+              <a:t>Notion d'"</a:t>
+            </a:r>
+            <a:r>
+              <a:rPr lang="fr-BE" dirty="0" err="1"/>
+              <a:t>Interpolator</a:t>
+            </a:r>
+            <a:r>
+              <a:rPr lang="fr-BE" dirty="0" smtClean="0"/>
+              <a:t>":</a:t>
+            </a:r>
+          </a:p>
+          <a:p>
+            <a:pPr lvl="1"/>
+            <a:r>
+              <a:rPr lang="fr-BE" dirty="0" smtClean="0">
+                <a:solidFill>
+                  <a:schemeClr val="tx1"/>
+                </a:solidFill>
+              </a:rPr>
+              <a:t> </a:t>
+            </a:r>
+            <a:r>
+              <a:rPr lang="fr-BE" dirty="0">
+                <a:solidFill>
+                  <a:schemeClr val="tx1"/>
+                </a:solidFill>
+              </a:rPr>
+              <a:t>Possibilité de "brancher" l'heure du système sur les variables définissant une scène -&gt; animations.</a:t>
+            </a:r>
+          </a:p>
+          <a:p>
+            <a:r>
+              <a:rPr lang="fr-BE" dirty="0"/>
+              <a:t>Détection des collisions entre objets.</a:t>
+            </a:r>
+          </a:p>
+          <a:p>
+            <a:r>
+              <a:rPr lang="fr-BE" dirty="0" smtClean="0"/>
+              <a:t>Fonctionnalités </a:t>
+            </a:r>
+            <a:r>
+              <a:rPr lang="fr-BE" dirty="0"/>
+              <a:t>de l'informatique graphique classique:</a:t>
+            </a:r>
+          </a:p>
+          <a:p>
+            <a:pPr lvl="1"/>
+            <a:r>
+              <a:rPr lang="fr-BE" dirty="0">
+                <a:solidFill>
+                  <a:schemeClr val="tx1"/>
+                </a:solidFill>
+              </a:rPr>
+              <a:t>brouillard</a:t>
+            </a:r>
+          </a:p>
+          <a:p>
+            <a:pPr lvl="1"/>
+            <a:r>
+              <a:rPr lang="fr-BE" dirty="0" err="1">
+                <a:solidFill>
+                  <a:schemeClr val="tx1"/>
+                </a:solidFill>
+              </a:rPr>
+              <a:t>antialiasing</a:t>
+            </a:r>
+            <a:endParaRPr lang="fr-BE" dirty="0">
+              <a:solidFill>
+                <a:schemeClr val="tx1"/>
+              </a:solidFill>
+            </a:endParaRPr>
+          </a:p>
+          <a:p>
+            <a:pPr lvl="1"/>
+            <a:r>
+              <a:rPr lang="fr-BE" dirty="0">
+                <a:solidFill>
+                  <a:schemeClr val="tx1"/>
+                </a:solidFill>
+              </a:rPr>
+              <a:t>...</a:t>
+            </a:r>
+          </a:p>
+          <a:p>
+            <a:r>
+              <a:rPr lang="fr-BE" dirty="0"/>
+              <a:t>Gestion des sons dans un environnement 3D.</a:t>
+            </a:r>
+          </a:p>
+          <a:p>
+            <a:endParaRPr lang="fr-BE" dirty="0"/>
+          </a:p>
+        </p:txBody>
+      </p:sp>
+      <p:pic>
+        <p:nvPicPr>
+          <p:cNvPr id="6" name="Picture 2" descr="E:\cloud\drive\websites\ppttemplate\ppt\logo-ppttemplate.png">
+            <a:hlinkClick r:id="rId2"/>
+          </p:cNvPr>
+          <p:cNvPicPr>
+            <a:picLocks noChangeAspect="1" noChangeArrowheads="1"/>
+          </p:cNvPicPr>
+          <p:nvPr/>
+        </p:nvPicPr>
+        <p:blipFill>
+          <a:blip r:embed="rId3" cstate="print">
+            <a:extLst>
+              <a:ext uri="{28A0092B-C50C-407E-A947-70E740481C1C}">
+                <a14:useLocalDpi xmlns:a14="http://schemas.microsoft.com/office/drawing/2010/main" val="0"/>
+              </a:ext>
+            </a:extLst>
+          </a:blip>
+          <a:srcRect/>
+          <a:stretch>
+            <a:fillRect/>
+          </a:stretch>
+        </p:blipFill>
+        <p:spPr bwMode="auto">
+          <a:xfrm>
+            <a:off x="7878674" y="6531587"/>
+            <a:ext cx="1161288" cy="250278"/>
+          </a:xfrm>
+          <a:prstGeom prst="rect">
+            <a:avLst/>
+          </a:prstGeom>
+          <a:noFill/>
+          <a:extLst>
+            <a:ext uri="{909E8E84-426E-40DD-AFC4-6F175D3DCCD1}">
+              <a14:hiddenFill xmlns:a14="http://schemas.microsoft.com/office/drawing/2010/main">
+                <a:solidFill>
+                  <a:srgbClr val="FFFFFF"/>
+                </a:solidFill>
+              </a14:hiddenFill>
+            </a:ext>
+          </a:extLst>
+        </p:spPr>
+      </p:pic>
+    </p:spTree>
+    <p:extLst>
+      <p:ext uri="{BB962C8B-B14F-4D97-AF65-F5344CB8AC3E}">
+        <p14:creationId xmlns:p14="http://schemas.microsoft.com/office/powerpoint/2010/main" val="100852833"/>
+      </p:ext>
+    </p:extLst>
+  </p:cSld>
+  <p:clrMapOvr>
+    <a:masterClrMapping/>
+  </p:clrMapOvr>
+  <p:timing>
+    <p:tnLst>
+      <p:par>
+        <p:cTn id="1" dur="indefinite" restart="never" nodeType="tmRoot"/>
+      </p:par>
+    </p:tnLst>
+  </p:timing>
+</p:sld>
+</file>
+
+<file path=ppt/slides/slide7.xml><?xml version="1.0" encoding="utf-8"?>
+<p:sld xmlns:a="http://schemas.openxmlformats.org/drawingml/2006/main" xmlns:r="http://schemas.openxmlformats.org/officeDocument/2006/relationships" xmlns:p="http://schemas.openxmlformats.org/presentationml/2006/main">
+  <p:cSld>
+    <p:spTree>
+      <p:nvGrpSpPr>
+        <p:cNvPr id="1" name=""/>
+        <p:cNvGrpSpPr/>
+        <p:nvPr/>
+      </p:nvGrpSpPr>
+      <p:grpSpPr>
+        <a:xfrm>
+          <a:off x="0" y="0"/>
+          <a:ext cx="0" cy="0"/>
+          <a:chOff x="0" y="0"/>
+          <a:chExt cx="0" cy="0"/>
+        </a:xfrm>
+      </p:grpSpPr>
+      <p:sp>
+        <p:nvSpPr>
+          <p:cNvPr id="2" name="Titre 1"/>
+          <p:cNvSpPr>
+            <a:spLocks noGrp="1"/>
+          </p:cNvSpPr>
+          <p:nvPr>
+            <p:ph type="title"/>
+          </p:nvPr>
+        </p:nvSpPr>
+        <p:spPr/>
+        <p:txBody>
+          <a:bodyPr/>
+          <a:lstStyle/>
+          <a:p>
+            <a:r>
+              <a:rPr lang="fr-BE" dirty="0"/>
+              <a:t>Graphe de scène</a:t>
+            </a:r>
+          </a:p>
+        </p:txBody>
+      </p:sp>
+      <p:sp>
+        <p:nvSpPr>
+          <p:cNvPr id="3" name="Espace réservé du contenu 2"/>
+          <p:cNvSpPr>
+            <a:spLocks noGrp="1"/>
+          </p:cNvSpPr>
+          <p:nvPr>
+            <p:ph idx="1"/>
+          </p:nvPr>
+        </p:nvSpPr>
+        <p:spPr>
+          <a:xfrm>
+            <a:off x="1823309" y="1451855"/>
+            <a:ext cx="7177135" cy="4573129"/>
+          </a:xfrm>
+        </p:spPr>
+        <p:txBody>
+          <a:bodyPr>
+            <a:normAutofit/>
+          </a:bodyPr>
+          <a:lstStyle/>
+          <a:p>
+            <a:r>
+              <a:rPr lang="fr-BE" dirty="0"/>
+              <a:t>Une application Java3D doit construire un graphe de </a:t>
+            </a:r>
+            <a:r>
+              <a:rPr lang="fr-BE" dirty="0" smtClean="0"/>
+              <a:t>scène acyclique dont la racine est un univers</a:t>
+            </a:r>
+          </a:p>
+          <a:p>
+            <a:r>
+              <a:rPr lang="fr-BE" dirty="0" smtClean="0"/>
+              <a:t>2 Types de nœuds : </a:t>
+            </a:r>
+          </a:p>
+          <a:p>
+            <a:pPr lvl="1"/>
+            <a:r>
+              <a:rPr lang="fr-BE" dirty="0" smtClean="0"/>
+              <a:t> les groupes 1 parent x enfants</a:t>
+            </a:r>
+          </a:p>
+          <a:p>
+            <a:pPr marL="914400" lvl="2" indent="0">
+              <a:buNone/>
+            </a:pPr>
+            <a:r>
+              <a:rPr lang="fr-BE" sz="2000" dirty="0" smtClean="0">
+                <a:solidFill>
+                  <a:schemeClr val="bg2">
+                    <a:lumMod val="10000"/>
+                  </a:schemeClr>
+                </a:solidFill>
+              </a:rPr>
+              <a:t>Group-&gt;[ BranchGroup  - </a:t>
+            </a:r>
+            <a:r>
+              <a:rPr lang="fr-BE" sz="2000" dirty="0" err="1" smtClean="0">
+                <a:solidFill>
+                  <a:schemeClr val="bg2">
+                    <a:lumMod val="10000"/>
+                  </a:schemeClr>
+                </a:solidFill>
+              </a:rPr>
+              <a:t>TransformGroup</a:t>
+            </a:r>
+            <a:r>
+              <a:rPr lang="fr-BE" sz="2000" dirty="0" smtClean="0">
+                <a:solidFill>
+                  <a:schemeClr val="bg2">
+                    <a:lumMod val="10000"/>
+                  </a:schemeClr>
+                </a:solidFill>
+              </a:rPr>
+              <a:t>  –  </a:t>
+            </a:r>
+            <a:r>
+              <a:rPr lang="fr-BE" sz="2000" dirty="0" err="1" smtClean="0">
+                <a:solidFill>
+                  <a:schemeClr val="bg2">
+                    <a:lumMod val="10000"/>
+                  </a:schemeClr>
+                </a:solidFill>
+              </a:rPr>
+              <a:t>Primitves</a:t>
+            </a:r>
+            <a:r>
+              <a:rPr lang="fr-BE" sz="2000" dirty="0" smtClean="0">
+                <a:solidFill>
+                  <a:schemeClr val="bg2">
+                    <a:lumMod val="10000"/>
+                  </a:schemeClr>
+                </a:solidFill>
+              </a:rPr>
+              <a:t> ]</a:t>
+            </a:r>
+          </a:p>
+          <a:p>
+            <a:pPr lvl="1"/>
+            <a:r>
+              <a:rPr lang="fr-BE" dirty="0" smtClean="0"/>
+              <a:t> les </a:t>
+            </a:r>
+            <a:r>
+              <a:rPr lang="fr-BE" dirty="0"/>
+              <a:t>feuilles </a:t>
+            </a:r>
+            <a:r>
+              <a:rPr lang="fr-BE" dirty="0" smtClean="0"/>
+              <a:t>1 parent 0 enfants</a:t>
+            </a:r>
+          </a:p>
+          <a:p>
+            <a:pPr marL="914400" lvl="2" indent="0">
+              <a:buNone/>
+            </a:pPr>
+            <a:r>
+              <a:rPr lang="fr-BE" sz="2000" dirty="0" err="1" smtClean="0">
+                <a:solidFill>
+                  <a:schemeClr val="bg2">
+                    <a:lumMod val="10000"/>
+                  </a:schemeClr>
+                </a:solidFill>
+              </a:rPr>
+              <a:t>Leaf</a:t>
+            </a:r>
+            <a:r>
+              <a:rPr lang="fr-BE" sz="2000" dirty="0" smtClean="0">
+                <a:solidFill>
+                  <a:schemeClr val="bg2">
+                    <a:lumMod val="10000"/>
+                  </a:schemeClr>
+                </a:solidFill>
+              </a:rPr>
+              <a:t>-&gt; [</a:t>
+            </a:r>
+            <a:r>
+              <a:rPr lang="fr-BE" sz="2000" dirty="0" err="1" smtClean="0">
+                <a:solidFill>
+                  <a:schemeClr val="bg2">
+                    <a:lumMod val="10000"/>
+                  </a:schemeClr>
+                </a:solidFill>
+              </a:rPr>
+              <a:t>BackGround</a:t>
+            </a:r>
+            <a:r>
+              <a:rPr lang="fr-BE" sz="2000" dirty="0" smtClean="0">
+                <a:solidFill>
+                  <a:schemeClr val="bg2">
+                    <a:lumMod val="10000"/>
+                  </a:schemeClr>
+                </a:solidFill>
+              </a:rPr>
+              <a:t> -</a:t>
+            </a:r>
+            <a:r>
+              <a:rPr lang="fr-BE" sz="2000" dirty="0">
+                <a:solidFill>
+                  <a:schemeClr val="bg2">
+                    <a:lumMod val="10000"/>
+                  </a:schemeClr>
+                </a:solidFill>
+              </a:rPr>
+              <a:t> </a:t>
+            </a:r>
+            <a:r>
+              <a:rPr lang="fr-BE" sz="2000" dirty="0" err="1" smtClean="0">
+                <a:solidFill>
+                  <a:schemeClr val="bg2">
+                    <a:lumMod val="10000"/>
+                  </a:schemeClr>
+                </a:solidFill>
+              </a:rPr>
+              <a:t>Behavior</a:t>
+            </a:r>
+            <a:r>
+              <a:rPr lang="fr-BE" sz="2000" dirty="0">
+                <a:solidFill>
+                  <a:schemeClr val="bg2">
+                    <a:lumMod val="10000"/>
+                  </a:schemeClr>
+                </a:solidFill>
+              </a:rPr>
+              <a:t> </a:t>
+            </a:r>
+            <a:r>
+              <a:rPr lang="fr-BE" sz="2000" dirty="0" smtClean="0">
+                <a:solidFill>
+                  <a:schemeClr val="bg2">
+                    <a:lumMod val="10000"/>
+                  </a:schemeClr>
+                </a:solidFill>
+              </a:rPr>
+              <a:t>-</a:t>
+            </a:r>
+            <a:r>
+              <a:rPr lang="fr-BE" sz="2000" dirty="0">
+                <a:solidFill>
+                  <a:schemeClr val="bg2">
+                    <a:lumMod val="10000"/>
+                  </a:schemeClr>
+                </a:solidFill>
+              </a:rPr>
+              <a:t> </a:t>
+            </a:r>
+            <a:r>
+              <a:rPr lang="fr-BE" sz="2000" dirty="0" smtClean="0">
+                <a:solidFill>
+                  <a:schemeClr val="bg2">
+                    <a:lumMod val="10000"/>
+                  </a:schemeClr>
+                </a:solidFill>
+              </a:rPr>
+              <a:t>Light -</a:t>
+            </a:r>
+            <a:r>
+              <a:rPr lang="fr-BE" sz="2000" dirty="0">
+                <a:solidFill>
+                  <a:schemeClr val="bg2">
+                    <a:lumMod val="10000"/>
+                  </a:schemeClr>
+                </a:solidFill>
+              </a:rPr>
+              <a:t> Shape3D</a:t>
+            </a:r>
+            <a:r>
+              <a:rPr lang="fr-BE" sz="2000" dirty="0" smtClean="0">
+                <a:solidFill>
+                  <a:schemeClr val="bg2">
+                    <a:lumMod val="10000"/>
+                  </a:schemeClr>
+                </a:solidFill>
+              </a:rPr>
+              <a:t>.]</a:t>
+            </a:r>
+          </a:p>
+          <a:p>
+            <a:pPr marL="914400" lvl="2" indent="0">
+              <a:buNone/>
+            </a:pPr>
+            <a:r>
+              <a:rPr lang="fr-BE" sz="2000" dirty="0" smtClean="0">
+                <a:solidFill>
+                  <a:schemeClr val="bg2">
+                    <a:lumMod val="10000"/>
+                  </a:schemeClr>
+                </a:solidFill>
+              </a:rPr>
+              <a:t>On ajoute une feuille a un group avec la fonction </a:t>
+            </a:r>
+          </a:p>
+          <a:p>
+            <a:pPr marL="914400" lvl="2" indent="0">
+              <a:buNone/>
+            </a:pPr>
+            <a:r>
+              <a:rPr lang="fr-BE" sz="2000" dirty="0">
+                <a:solidFill>
+                  <a:schemeClr val="bg2">
+                    <a:lumMod val="10000"/>
+                  </a:schemeClr>
+                </a:solidFill>
+              </a:rPr>
+              <a:t>	</a:t>
+            </a:r>
+            <a:r>
+              <a:rPr lang="fr-BE" sz="2000" dirty="0" err="1" smtClean="0">
+                <a:solidFill>
+                  <a:schemeClr val="bg2">
+                    <a:lumMod val="10000"/>
+                  </a:schemeClr>
+                </a:solidFill>
+              </a:rPr>
+              <a:t>addChildNode</a:t>
+            </a:r>
+            <a:r>
+              <a:rPr lang="fr-BE" sz="2000" dirty="0" smtClean="0">
+                <a:solidFill>
+                  <a:schemeClr val="bg2">
+                    <a:lumMod val="10000"/>
+                  </a:schemeClr>
+                </a:solidFill>
+              </a:rPr>
+              <a:t>(</a:t>
+            </a:r>
+            <a:r>
+              <a:rPr lang="fr-BE" sz="2000" dirty="0" err="1" smtClean="0">
+                <a:solidFill>
+                  <a:schemeClr val="bg2">
+                    <a:lumMod val="10000"/>
+                  </a:schemeClr>
+                </a:solidFill>
+              </a:rPr>
+              <a:t>Node</a:t>
+            </a:r>
+            <a:r>
+              <a:rPr lang="fr-BE" sz="2000" dirty="0" smtClean="0">
+                <a:solidFill>
+                  <a:schemeClr val="bg2">
+                    <a:lumMod val="10000"/>
+                  </a:schemeClr>
+                </a:solidFill>
+              </a:rPr>
+              <a:t> nœud)</a:t>
+            </a:r>
+            <a:endParaRPr lang="fr-BE" sz="2000" dirty="0">
+              <a:solidFill>
+                <a:schemeClr val="bg2">
+                  <a:lumMod val="10000"/>
+                </a:schemeClr>
+              </a:solidFill>
+            </a:endParaRPr>
+          </a:p>
+          <a:p>
+            <a:endParaRPr lang="fr-BE" dirty="0"/>
+          </a:p>
+          <a:p>
+            <a:endParaRPr lang="fr-BE" dirty="0"/>
+          </a:p>
+        </p:txBody>
+      </p:sp>
+    </p:spTree>
+    <p:extLst>
+      <p:ext uri="{BB962C8B-B14F-4D97-AF65-F5344CB8AC3E}">
+        <p14:creationId xmlns:p14="http://schemas.microsoft.com/office/powerpoint/2010/main" val="835587572"/>
+      </p:ext>
+    </p:extLst>
+  </p:cSld>
+  <p:clrMapOvr>
+    <a:masterClrMapping/>
+  </p:clrMapOvr>
+  <p:timing>
+    <p:tnLst>
+      <p:par>
+        <p:cTn id="1" dur="indefinite" restart="never" nodeType="tmRoot"/>
+      </p:par>
+    </p:tnLst>
+  </p:timing>
+</p:sld>
+</file>
+
+<file path=ppt/slides/slide8.xml><?xml version="1.0" encoding="utf-8"?>
+<p:sld xmlns:a="http://schemas.openxmlformats.org/drawingml/2006/main" xmlns:r="http://schemas.openxmlformats.org/officeDocument/2006/relationships" xmlns:p="http://schemas.openxmlformats.org/presentationml/2006/main">
+  <p:cSld>
+    <p:spTree>
+      <p:nvGrpSpPr>
+        <p:cNvPr id="1" name=""/>
+        <p:cNvGrpSpPr/>
+        <p:nvPr/>
+      </p:nvGrpSpPr>
+      <p:grpSpPr>
+        <a:xfrm>
+          <a:off x="0" y="0"/>
+          <a:ext cx="0" cy="0"/>
+          <a:chOff x="0" y="0"/>
+          <a:chExt cx="0" cy="0"/>
+        </a:xfrm>
+      </p:grpSpPr>
+      <p:sp>
+        <p:nvSpPr>
+          <p:cNvPr id="2" name="Titre 1"/>
+          <p:cNvSpPr>
+            <a:spLocks noGrp="1"/>
+          </p:cNvSpPr>
+          <p:nvPr>
+            <p:ph type="title"/>
+          </p:nvPr>
+        </p:nvSpPr>
+        <p:spPr>
+          <a:xfrm>
+            <a:off x="618140" y="764525"/>
+            <a:ext cx="8229600" cy="763525"/>
+          </a:xfrm>
+        </p:spPr>
+        <p:txBody>
+          <a:bodyPr/>
+          <a:lstStyle/>
+          <a:p>
+            <a:r>
+              <a:rPr lang="fr-BE" dirty="0" smtClean="0"/>
+              <a:t>Graphe de scène</a:t>
+            </a:r>
+            <a:endParaRPr lang="fr-BE" dirty="0"/>
+          </a:p>
+        </p:txBody>
+      </p:sp>
+      <p:sp>
+        <p:nvSpPr>
+          <p:cNvPr id="3" name="Espace réservé du texte 2"/>
+          <p:cNvSpPr>
+            <a:spLocks noGrp="1"/>
+          </p:cNvSpPr>
+          <p:nvPr>
+            <p:ph type="body" idx="1"/>
+          </p:nvPr>
+        </p:nvSpPr>
+        <p:spPr>
+          <a:xfrm>
+            <a:off x="143555" y="1532961"/>
+            <a:ext cx="8398774" cy="571628"/>
+          </a:xfrm>
+        </p:spPr>
+        <p:txBody>
+          <a:bodyPr>
+            <a:normAutofit/>
+          </a:bodyPr>
+          <a:lstStyle/>
+          <a:p>
+            <a:r>
+              <a:rPr lang="fr-BE" dirty="0" smtClean="0"/>
+              <a:t>Ex :</a:t>
+            </a:r>
+            <a:endParaRPr lang="fr-BE" dirty="0"/>
+          </a:p>
+        </p:txBody>
+      </p:sp>
+      <p:pic>
+        <p:nvPicPr>
+          <p:cNvPr id="9" name="Espace réservé du contenu 8"/>
+          <p:cNvPicPr>
+            <a:picLocks noGrp="1" noChangeAspect="1"/>
+          </p:cNvPicPr>
+          <p:nvPr>
+            <p:ph sz="half" idx="2"/>
+          </p:nvPr>
+        </p:nvPicPr>
+        <p:blipFill>
+          <a:blip r:embed="rId3">
+            <a:extLst>
+              <a:ext uri="{28A0092B-C50C-407E-A947-70E740481C1C}">
+                <a14:useLocalDpi xmlns:a14="http://schemas.microsoft.com/office/drawing/2010/main" val="0"/>
+              </a:ext>
+            </a:extLst>
+          </a:blip>
+          <a:stretch>
+            <a:fillRect/>
+          </a:stretch>
+        </p:blipFill>
+        <p:spPr>
+          <a:xfrm>
+            <a:off x="1059785" y="1818775"/>
+            <a:ext cx="7177135" cy="4428445"/>
+          </a:xfrm>
+        </p:spPr>
+      </p:pic>
+    </p:spTree>
+    <p:extLst>
+      <p:ext uri="{BB962C8B-B14F-4D97-AF65-F5344CB8AC3E}">
+        <p14:creationId xmlns:p14="http://schemas.microsoft.com/office/powerpoint/2010/main" val="19975480"/>
+      </p:ext>
+    </p:extLst>
+  </p:cSld>
+  <p:clrMapOvr>
+    <a:masterClrMapping/>
+  </p:clrMapOvr>
+  <p:timing>
+    <p:tnLst>
+      <p:par>
+        <p:cTn id="1" dur="indefinite" restart="never" nodeType="tmRoot"/>
+      </p:par>
+    </p:tnLst>
+  </p:timing>
+</p:sld>
+</file>
+
+<file path=ppt/slides/slide9.xml><?xml version="1.0" encoding="utf-8"?>
+<p:sld xmlns:a="http://schemas.openxmlformats.org/drawingml/2006/main" xmlns:r="http://schemas.openxmlformats.org/officeDocument/2006/relationships" xmlns:p="http://schemas.openxmlformats.org/presentationml/2006/main">
+  <p:cSld>
+    <p:spTree>
+      <p:nvGrpSpPr>
+        <p:cNvPr id="1" name=""/>
+        <p:cNvGrpSpPr/>
+        <p:nvPr/>
+      </p:nvGrpSpPr>
+      <p:grpSpPr>
+        <a:xfrm>
+          <a:off x="0" y="0"/>
+          <a:ext cx="0" cy="0"/>
+          <a:chOff x="0" y="0"/>
+          <a:chExt cx="0" cy="0"/>
+        </a:xfrm>
+      </p:grpSpPr>
+      <p:sp>
+        <p:nvSpPr>
+          <p:cNvPr id="2" name="Titre 1"/>
+          <p:cNvSpPr>
+            <a:spLocks noGrp="1"/>
+          </p:cNvSpPr>
+          <p:nvPr>
+            <p:ph type="title"/>
+          </p:nvPr>
+        </p:nvSpPr>
+        <p:spPr/>
+        <p:txBody>
+          <a:bodyPr/>
+          <a:lstStyle/>
+          <a:p>
+            <a:r>
+              <a:rPr lang="fr-BE" dirty="0" smtClean="0"/>
+              <a:t>Graphe de </a:t>
+            </a:r>
+            <a:r>
+              <a:rPr lang="fr-BE" dirty="0" smtClean="0"/>
+              <a:t>scène </a:t>
+            </a:r>
+            <a:endParaRPr lang="fr-BE" dirty="0"/>
+          </a:p>
+        </p:txBody>
+      </p:sp>
+      <p:sp>
+        <p:nvSpPr>
+          <p:cNvPr id="3" name="Espace réservé du texte 2"/>
+          <p:cNvSpPr>
+            <a:spLocks noGrp="1"/>
+          </p:cNvSpPr>
+          <p:nvPr>
+            <p:ph type="body" idx="1"/>
+          </p:nvPr>
+        </p:nvSpPr>
+        <p:spPr>
+          <a:xfrm>
+            <a:off x="448966" y="1901950"/>
+            <a:ext cx="3970329" cy="458116"/>
+          </a:xfrm>
+        </p:spPr>
+        <p:txBody>
+          <a:bodyPr/>
+          <a:lstStyle/>
+          <a:p>
+            <a:r>
+              <a:rPr lang="fr-BE" dirty="0" smtClean="0"/>
+              <a:t>Exemple 1 </a:t>
+            </a:r>
+            <a:endParaRPr lang="fr-BE" dirty="0"/>
+          </a:p>
+        </p:txBody>
+      </p:sp>
+      <p:sp>
+        <p:nvSpPr>
+          <p:cNvPr id="4" name="Espace réservé du contenu 3"/>
+          <p:cNvSpPr>
+            <a:spLocks noGrp="1"/>
+          </p:cNvSpPr>
+          <p:nvPr>
+            <p:ph sz="half" idx="2"/>
+          </p:nvPr>
+        </p:nvSpPr>
+        <p:spPr>
+          <a:xfrm>
+            <a:off x="460783" y="2499126"/>
+            <a:ext cx="3206805" cy="1260832"/>
+          </a:xfrm>
+        </p:spPr>
+        <p:txBody>
+          <a:bodyPr>
+            <a:normAutofit fontScale="92500" lnSpcReduction="20000"/>
+          </a:bodyPr>
+          <a:lstStyle/>
+          <a:p>
+            <a:r>
+              <a:rPr lang="fr-BE" dirty="0" smtClean="0"/>
+              <a:t>l'arborescence </a:t>
+            </a:r>
+            <a:r>
+              <a:rPr lang="fr-BE" dirty="0"/>
+              <a:t>correspondant à </a:t>
+            </a:r>
+            <a:r>
+              <a:rPr lang="fr-BE" dirty="0" smtClean="0"/>
+              <a:t>programme </a:t>
+            </a:r>
+            <a:r>
+              <a:rPr lang="fr-BE" dirty="0"/>
+              <a:t>3D traçant un cube multicolore </a:t>
+            </a:r>
+            <a:endParaRPr lang="fr-BE" dirty="0"/>
+          </a:p>
+        </p:txBody>
+      </p:sp>
+      <p:pic>
+        <p:nvPicPr>
+          <p:cNvPr id="8" name="Espace réservé du contenu 7"/>
+          <p:cNvPicPr>
+            <a:picLocks noGrp="1" noChangeAspect="1"/>
+          </p:cNvPicPr>
+          <p:nvPr>
+            <p:ph sz="quarter" idx="4"/>
+          </p:nvPr>
+        </p:nvPicPr>
+        <p:blipFill>
+          <a:blip r:embed="rId3">
+            <a:extLst>
+              <a:ext uri="{28A0092B-C50C-407E-A947-70E740481C1C}">
+                <a14:useLocalDpi xmlns:a14="http://schemas.microsoft.com/office/drawing/2010/main" val="0"/>
+              </a:ext>
+            </a:extLst>
+          </a:blip>
+          <a:stretch>
+            <a:fillRect/>
+          </a:stretch>
+        </p:blipFill>
+        <p:spPr>
+          <a:xfrm>
+            <a:off x="6298606" y="1676239"/>
+            <a:ext cx="1830592" cy="1778782"/>
+          </a:xfrm>
+        </p:spPr>
+      </p:pic>
+      <p:sp>
+        <p:nvSpPr>
+          <p:cNvPr id="9" name="Espace réservé du texte 2"/>
+          <p:cNvSpPr>
+            <a:spLocks noGrp="1"/>
+          </p:cNvSpPr>
+          <p:nvPr>
+            <p:ph type="body" idx="1"/>
+          </p:nvPr>
+        </p:nvSpPr>
+        <p:spPr>
+          <a:xfrm>
+            <a:off x="460783" y="4205298"/>
+            <a:ext cx="3970329" cy="458116"/>
+          </a:xfrm>
+        </p:spPr>
+        <p:txBody>
+          <a:bodyPr/>
+          <a:lstStyle/>
+          <a:p>
+            <a:r>
+              <a:rPr lang="fr-BE" dirty="0" smtClean="0"/>
+              <a:t>Exemple 2 </a:t>
+            </a:r>
+            <a:endParaRPr lang="fr-BE" dirty="0"/>
+          </a:p>
+        </p:txBody>
+      </p:sp>
+      <p:sp>
+        <p:nvSpPr>
+          <p:cNvPr id="10" name="Espace réservé du contenu 3"/>
+          <p:cNvSpPr txBox="1">
+            <a:spLocks/>
+          </p:cNvSpPr>
+          <p:nvPr/>
+        </p:nvSpPr>
+        <p:spPr>
+          <a:xfrm>
+            <a:off x="519452" y="4803345"/>
+            <a:ext cx="3594433" cy="1566242"/>
+          </a:xfrm>
+          <a:prstGeom prst="rect">
+            <a:avLst/>
+          </a:prstGeom>
+        </p:spPr>
+        <p:txBody>
+          <a:bodyPr vert="horz" lIns="91440" tIns="45720" rIns="91440" bIns="45720" rtlCol="0">
+            <a:normAutofit/>
+          </a:bodyPr>
+          <a:lstStyle>
+            <a:lvl1pPr marL="342900" indent="-342900" algn="l" defTabSz="914400" rtl="0" eaLnBrk="1" latinLnBrk="0" hangingPunct="1">
+              <a:spcBef>
+                <a:spcPct val="20000"/>
+              </a:spcBef>
+              <a:buFont typeface="Arial" pitchFamily="34" charset="0"/>
+              <a:buChar char="•"/>
+              <a:defRPr sz="2400" kern="1200">
+                <a:solidFill>
+                  <a:schemeClr val="bg1"/>
+                </a:solidFill>
+                <a:latin typeface="+mn-lt"/>
+                <a:ea typeface="+mn-ea"/>
+                <a:cs typeface="+mn-cs"/>
+              </a:defRPr>
+            </a:lvl1pPr>
+            <a:lvl2pPr marL="742950" indent="-285750" algn="l" defTabSz="914400" rtl="0" eaLnBrk="1" latinLnBrk="0" hangingPunct="1">
+              <a:spcBef>
+                <a:spcPct val="20000"/>
+              </a:spcBef>
+              <a:buFont typeface="Arial" pitchFamily="34" charset="0"/>
+              <a:buChar char="–"/>
+              <a:defRPr sz="2000" kern="1200">
+                <a:solidFill>
+                  <a:schemeClr val="bg1"/>
+                </a:solidFill>
+                <a:latin typeface="+mn-lt"/>
+                <a:ea typeface="+mn-ea"/>
+                <a:cs typeface="+mn-cs"/>
+              </a:defRPr>
+            </a:lvl2pPr>
+            <a:lvl3pPr marL="1143000" indent="-228600" algn="l" defTabSz="914400" rtl="0" eaLnBrk="1" latinLnBrk="0" hangingPunct="1">
+              <a:spcBef>
+                <a:spcPct val="20000"/>
+              </a:spcBef>
+              <a:buFont typeface="Arial" pitchFamily="34" charset="0"/>
+              <a:buChar char="•"/>
+              <a:defRPr sz="1800" kern="1200">
+                <a:solidFill>
+                  <a:schemeClr val="bg1"/>
+                </a:solidFill>
+                <a:latin typeface="+mn-lt"/>
+                <a:ea typeface="+mn-ea"/>
+                <a:cs typeface="+mn-cs"/>
+              </a:defRPr>
+            </a:lvl3pPr>
+            <a:lvl4pPr marL="1600200" indent="-228600" algn="l" defTabSz="914400" rtl="0" eaLnBrk="1" latinLnBrk="0" hangingPunct="1">
+              <a:spcBef>
+                <a:spcPct val="20000"/>
+              </a:spcBef>
+              <a:buFont typeface="Arial" pitchFamily="34" charset="0"/>
+              <a:buChar char="–"/>
+              <a:defRPr sz="1600" kern="1200">
+                <a:solidFill>
+                  <a:schemeClr val="bg1"/>
+                </a:solidFill>
+                <a:latin typeface="+mn-lt"/>
+                <a:ea typeface="+mn-ea"/>
+                <a:cs typeface="+mn-cs"/>
+              </a:defRPr>
+            </a:lvl4pPr>
+            <a:lvl5pPr marL="2057400" indent="-228600" algn="l" defTabSz="914400" rtl="0" eaLnBrk="1" latinLnBrk="0" hangingPunct="1">
+              <a:spcBef>
+                <a:spcPct val="20000"/>
+              </a:spcBef>
+              <a:buFont typeface="Arial" pitchFamily="34" charset="0"/>
+              <a:buChar char="»"/>
+              <a:defRPr sz="1600" kern="1200">
+                <a:solidFill>
+                  <a:schemeClr val="bg1"/>
+                </a:solidFill>
+                <a:latin typeface="+mn-lt"/>
+                <a:ea typeface="+mn-ea"/>
+                <a:cs typeface="+mn-cs"/>
+              </a:defRPr>
+            </a:lvl5pPr>
+            <a:lvl6pPr marL="2514600" indent="-228600" algn="l" defTabSz="914400" rtl="0" eaLnBrk="1" latinLnBrk="0" hangingPunct="1">
+              <a:spcBef>
+                <a:spcPct val="20000"/>
+              </a:spcBef>
+              <a:buFont typeface="Arial" pitchFamily="34" charset="0"/>
+              <a:buChar char="•"/>
+              <a:defRPr sz="1600" kern="1200">
+                <a:solidFill>
+                  <a:schemeClr val="tx1"/>
+                </a:solidFill>
+                <a:latin typeface="+mn-lt"/>
+                <a:ea typeface="+mn-ea"/>
+                <a:cs typeface="+mn-cs"/>
+              </a:defRPr>
+            </a:lvl6pPr>
+            <a:lvl7pPr marL="2971800" indent="-228600" algn="l" defTabSz="914400" rtl="0" eaLnBrk="1" latinLnBrk="0" hangingPunct="1">
+              <a:spcBef>
+                <a:spcPct val="20000"/>
+              </a:spcBef>
+              <a:buFont typeface="Arial" pitchFamily="34" charset="0"/>
+              <a:buChar char="•"/>
+              <a:defRPr sz="1600" kern="1200">
+                <a:solidFill>
+                  <a:schemeClr val="tx1"/>
+                </a:solidFill>
+                <a:latin typeface="+mn-lt"/>
+                <a:ea typeface="+mn-ea"/>
+                <a:cs typeface="+mn-cs"/>
+              </a:defRPr>
+            </a:lvl7pPr>
+            <a:lvl8pPr marL="3429000" indent="-228600" algn="l" defTabSz="914400" rtl="0" eaLnBrk="1" latinLnBrk="0" hangingPunct="1">
+              <a:spcBef>
+                <a:spcPct val="20000"/>
+              </a:spcBef>
+              <a:buFont typeface="Arial" pitchFamily="34" charset="0"/>
+              <a:buChar char="•"/>
+              <a:defRPr sz="1600" kern="1200">
+                <a:solidFill>
+                  <a:schemeClr val="tx1"/>
+                </a:solidFill>
+                <a:latin typeface="+mn-lt"/>
+                <a:ea typeface="+mn-ea"/>
+                <a:cs typeface="+mn-cs"/>
+              </a:defRPr>
+            </a:lvl8pPr>
+            <a:lvl9pPr marL="3886200" indent="-228600" algn="l" defTabSz="914400" rtl="0" eaLnBrk="1" latinLnBrk="0" hangingPunct="1">
+              <a:spcBef>
+                <a:spcPct val="20000"/>
+              </a:spcBef>
+              <a:buFont typeface="Arial" pitchFamily="34" charset="0"/>
+              <a:buChar char="•"/>
+              <a:defRPr sz="1600" kern="1200">
+                <a:solidFill>
+                  <a:schemeClr val="tx1"/>
+                </a:solidFill>
+                <a:latin typeface="+mn-lt"/>
+                <a:ea typeface="+mn-ea"/>
+                <a:cs typeface="+mn-cs"/>
+              </a:defRPr>
+            </a:lvl9pPr>
+          </a:lstStyle>
+          <a:p>
+            <a:r>
+              <a:rPr lang="fr-BE" dirty="0" smtClean="0"/>
+              <a:t>Rotation appliqué a notre cube multicolore suivie d’une translation </a:t>
+            </a:r>
+          </a:p>
+        </p:txBody>
+      </p:sp>
+      <p:pic>
+        <p:nvPicPr>
+          <p:cNvPr id="12" name="Image 11"/>
+          <p:cNvPicPr>
+            <a:picLocks noChangeAspect="1"/>
+          </p:cNvPicPr>
+          <p:nvPr/>
+        </p:nvPicPr>
+        <p:blipFill>
+          <a:blip r:embed="rId4">
+            <a:extLst>
+              <a:ext uri="{28A0092B-C50C-407E-A947-70E740481C1C}">
+                <a14:useLocalDpi xmlns:a14="http://schemas.microsoft.com/office/drawing/2010/main" val="0"/>
+              </a:ext>
+            </a:extLst>
+          </a:blip>
+          <a:stretch>
+            <a:fillRect/>
+          </a:stretch>
+        </p:blipFill>
+        <p:spPr>
+          <a:xfrm>
+            <a:off x="6227359" y="3534721"/>
+            <a:ext cx="1973085" cy="3249381"/>
+          </a:xfrm>
+          <a:prstGeom prst="rect">
+            <a:avLst/>
+          </a:prstGeom>
+        </p:spPr>
+      </p:pic>
+    </p:spTree>
+    <p:extLst>
+      <p:ext uri="{BB962C8B-B14F-4D97-AF65-F5344CB8AC3E}">
+        <p14:creationId xmlns:p14="http://schemas.microsoft.com/office/powerpoint/2010/main" val="352149393"/>
       </p:ext>
     </p:extLst>
   </p:cSld>

--- a/powerpoint/Présentation1.pptx
+++ b/powerpoint/Présentation1.pptx
@@ -5,7 +5,7 @@
     <p:sldMasterId id="2147483648" r:id="rId1"/>
   </p:sldMasterIdLst>
   <p:notesMasterIdLst>
-    <p:notesMasterId r:id="rId20"/>
+    <p:notesMasterId r:id="rId21"/>
   </p:notesMasterIdLst>
   <p:sldIdLst>
     <p:sldId id="256" r:id="rId2"/>
@@ -21,11 +21,12 @@
     <p:sldId id="266" r:id="rId12"/>
     <p:sldId id="272" r:id="rId13"/>
     <p:sldId id="273" r:id="rId14"/>
-    <p:sldId id="270" r:id="rId15"/>
-    <p:sldId id="260" r:id="rId16"/>
-    <p:sldId id="264" r:id="rId17"/>
-    <p:sldId id="265" r:id="rId18"/>
-    <p:sldId id="261" r:id="rId19"/>
+    <p:sldId id="274" r:id="rId15"/>
+    <p:sldId id="270" r:id="rId16"/>
+    <p:sldId id="260" r:id="rId17"/>
+    <p:sldId id="264" r:id="rId18"/>
+    <p:sldId id="265" r:id="rId19"/>
+    <p:sldId id="261" r:id="rId20"/>
   </p:sldIdLst>
   <p:sldSz cx="9144000" cy="6858000" type="screen4x3"/>
   <p:notesSz cx="6858000" cy="9144000"/>
@@ -225,7 +226,7 @@
           <a:p>
             <a:fld id="{8AA807B4-561F-4196-A2BD-89B27DE483A7}" type="datetimeFigureOut">
               <a:rPr lang="en-US" smtClean="0"/>
-              <a:t>5/18/2016</a:t>
+              <a:t>5/19/2016</a:t>
             </a:fld>
             <a:endParaRPr lang="en-US"/>
           </a:p>
@@ -384,7 +385,7 @@
           <a:p>
             <a:fld id="{F9B9F26C-5E20-463A-A30E-4B3CD8C634F9}" type="slidenum">
               <a:rPr lang="en-US" smtClean="0"/>
-              <a:t>‹N°›</a:t>
+              <a:t>‹#›</a:t>
             </a:fld>
             <a:endParaRPr lang="en-US"/>
           </a:p>
@@ -1594,6 +1595,187 @@
           <a:bodyPr/>
           <a:lstStyle/>
           <a:p>
+            <a:r>
+              <a:rPr lang="fr-BE" dirty="0" smtClean="0"/>
+              <a:t>Primitive -&gt;</a:t>
+            </a:r>
+            <a:r>
+              <a:rPr lang="fr-BE" baseline="0" dirty="0" smtClean="0"/>
+              <a:t> formes basiques</a:t>
+            </a:r>
+          </a:p>
+          <a:p>
+            <a:r>
+              <a:rPr lang="fr-BE" baseline="0" dirty="0" smtClean="0"/>
+              <a:t>Shape3D -&gt; formes plus complexes</a:t>
+            </a:r>
+          </a:p>
+        </p:txBody>
+      </p:sp>
+      <p:sp>
+        <p:nvSpPr>
+          <p:cNvPr id="4" name="Slide Number Placeholder 3"/>
+          <p:cNvSpPr>
+            <a:spLocks noGrp="1"/>
+          </p:cNvSpPr>
+          <p:nvPr>
+            <p:ph type="sldNum" sz="quarter" idx="10"/>
+          </p:nvPr>
+        </p:nvSpPr>
+        <p:spPr/>
+        <p:txBody>
+          <a:bodyPr/>
+          <a:lstStyle/>
+          <a:p>
+            <a:fld id="{F9B9F26C-5E20-463A-A30E-4B3CD8C634F9}" type="slidenum">
+              <a:rPr lang="en-US" smtClean="0"/>
+              <a:t>13</a:t>
+            </a:fld>
+            <a:endParaRPr lang="en-US"/>
+          </a:p>
+        </p:txBody>
+      </p:sp>
+    </p:spTree>
+    <p:extLst>
+      <p:ext uri="{BB962C8B-B14F-4D97-AF65-F5344CB8AC3E}">
+        <p14:creationId xmlns:p14="http://schemas.microsoft.com/office/powerpoint/2010/main" val="1289593922"/>
+      </p:ext>
+    </p:extLst>
+  </p:cSld>
+  <p:clrMapOvr>
+    <a:masterClrMapping/>
+  </p:clrMapOvr>
+</p:notes>
+</file>
+
+<file path=ppt/notesSlides/notesSlide7.xml><?xml version="1.0" encoding="utf-8"?>
+<p:notes xmlns:a="http://schemas.openxmlformats.org/drawingml/2006/main" xmlns:r="http://schemas.openxmlformats.org/officeDocument/2006/relationships" xmlns:p="http://schemas.openxmlformats.org/presentationml/2006/main">
+  <p:cSld>
+    <p:spTree>
+      <p:nvGrpSpPr>
+        <p:cNvPr id="1" name=""/>
+        <p:cNvGrpSpPr/>
+        <p:nvPr/>
+      </p:nvGrpSpPr>
+      <p:grpSpPr>
+        <a:xfrm>
+          <a:off x="0" y="0"/>
+          <a:ext cx="0" cy="0"/>
+          <a:chOff x="0" y="0"/>
+          <a:chExt cx="0" cy="0"/>
+        </a:xfrm>
+      </p:grpSpPr>
+      <p:sp>
+        <p:nvSpPr>
+          <p:cNvPr id="2" name="Slide Image Placeholder 1"/>
+          <p:cNvSpPr>
+            <a:spLocks noGrp="1" noRot="1" noChangeAspect="1"/>
+          </p:cNvSpPr>
+          <p:nvPr>
+            <p:ph type="sldImg"/>
+          </p:nvPr>
+        </p:nvSpPr>
+        <p:spPr/>
+      </p:sp>
+      <p:sp>
+        <p:nvSpPr>
+          <p:cNvPr id="3" name="Notes Placeholder 2"/>
+          <p:cNvSpPr>
+            <a:spLocks noGrp="1"/>
+          </p:cNvSpPr>
+          <p:nvPr>
+            <p:ph type="body" idx="1"/>
+          </p:nvPr>
+        </p:nvSpPr>
+        <p:spPr/>
+        <p:txBody>
+          <a:bodyPr/>
+          <a:lstStyle/>
+          <a:p>
+            <a:endParaRPr lang="fr-BE" baseline="0" dirty="0" smtClean="0"/>
+          </a:p>
+        </p:txBody>
+      </p:sp>
+      <p:sp>
+        <p:nvSpPr>
+          <p:cNvPr id="4" name="Slide Number Placeholder 3"/>
+          <p:cNvSpPr>
+            <a:spLocks noGrp="1"/>
+          </p:cNvSpPr>
+          <p:nvPr>
+            <p:ph type="sldNum" sz="quarter" idx="10"/>
+          </p:nvPr>
+        </p:nvSpPr>
+        <p:spPr/>
+        <p:txBody>
+          <a:bodyPr/>
+          <a:lstStyle/>
+          <a:p>
+            <a:fld id="{F9B9F26C-5E20-463A-A30E-4B3CD8C634F9}" type="slidenum">
+              <a:rPr lang="en-US" smtClean="0"/>
+              <a:t>14</a:t>
+            </a:fld>
+            <a:endParaRPr lang="en-US"/>
+          </a:p>
+        </p:txBody>
+      </p:sp>
+    </p:spTree>
+    <p:extLst>
+      <p:ext uri="{BB962C8B-B14F-4D97-AF65-F5344CB8AC3E}">
+        <p14:creationId xmlns:p14="http://schemas.microsoft.com/office/powerpoint/2010/main" val="399359772"/>
+      </p:ext>
+    </p:extLst>
+  </p:cSld>
+  <p:clrMapOvr>
+    <a:masterClrMapping/>
+  </p:clrMapOvr>
+</p:notes>
+</file>
+
+<file path=ppt/notesSlides/notesSlide8.xml><?xml version="1.0" encoding="utf-8"?>
+<p:notes xmlns:a="http://schemas.openxmlformats.org/drawingml/2006/main" xmlns:r="http://schemas.openxmlformats.org/officeDocument/2006/relationships" xmlns:p="http://schemas.openxmlformats.org/presentationml/2006/main">
+  <p:cSld>
+    <p:spTree>
+      <p:nvGrpSpPr>
+        <p:cNvPr id="1" name=""/>
+        <p:cNvGrpSpPr/>
+        <p:nvPr/>
+      </p:nvGrpSpPr>
+      <p:grpSpPr>
+        <a:xfrm>
+          <a:off x="0" y="0"/>
+          <a:ext cx="0" cy="0"/>
+          <a:chOff x="0" y="0"/>
+          <a:chExt cx="0" cy="0"/>
+        </a:xfrm>
+      </p:grpSpPr>
+      <p:sp>
+        <p:nvSpPr>
+          <p:cNvPr id="2" name="Slide Image Placeholder 1"/>
+          <p:cNvSpPr>
+            <a:spLocks noGrp="1" noRot="1" noChangeAspect="1"/>
+          </p:cNvSpPr>
+          <p:nvPr>
+            <p:ph type="sldImg"/>
+          </p:nvPr>
+        </p:nvSpPr>
+        <p:spPr/>
+      </p:sp>
+      <p:sp>
+        <p:nvSpPr>
+          <p:cNvPr id="3" name="Notes Placeholder 2"/>
+          <p:cNvSpPr>
+            <a:spLocks noGrp="1"/>
+          </p:cNvSpPr>
+          <p:nvPr>
+            <p:ph type="body" idx="1"/>
+          </p:nvPr>
+        </p:nvSpPr>
+        <p:spPr/>
+        <p:txBody>
+          <a:bodyPr/>
+          <a:lstStyle/>
+          <a:p>
             <a:endParaRPr lang="en-US" dirty="0"/>
           </a:p>
         </p:txBody>
@@ -1620,7 +1802,7 @@
                 </a:solidFill>
               </a:rPr>
               <a:pPr/>
-              <a:t>18</a:t>
+              <a:t>19</a:t>
             </a:fld>
             <a:endParaRPr lang="en-US">
               <a:solidFill>
@@ -1864,7 +2046,7 @@
             <a:fld id="{53074F12-AA26-4AC8-9962-C36BB8F32554}" type="datetimeFigureOut">
               <a:rPr lang="en-US" smtClean="0"/>
               <a:pPr/>
-              <a:t>5/18/2016</a:t>
+              <a:t>5/19/2016</a:t>
             </a:fld>
             <a:endParaRPr lang="en-US"/>
           </a:p>
@@ -1907,7 +2089,7 @@
             <a:fld id="{B82CCC60-E8CD-4174-8B1A-7DF615B22EEF}" type="slidenum">
               <a:rPr lang="en-US" smtClean="0"/>
               <a:pPr/>
-              <a:t>‹N°›</a:t>
+              <a:t>‹#›</a:t>
             </a:fld>
             <a:endParaRPr lang="en-US" dirty="0"/>
           </a:p>
@@ -2119,7 +2301,7 @@
             <a:fld id="{53074F12-AA26-4AC8-9962-C36BB8F32554}" type="datetimeFigureOut">
               <a:rPr lang="en-US" smtClean="0"/>
               <a:pPr/>
-              <a:t>5/18/2016</a:t>
+              <a:t>5/19/2016</a:t>
             </a:fld>
             <a:endParaRPr lang="en-US"/>
           </a:p>
@@ -2162,7 +2344,7 @@
             <a:fld id="{B82CCC60-E8CD-4174-8B1A-7DF615B22EEF}" type="slidenum">
               <a:rPr lang="en-US" smtClean="0"/>
               <a:pPr/>
-              <a:t>‹N°›</a:t>
+              <a:t>‹#›</a:t>
             </a:fld>
             <a:endParaRPr lang="en-US"/>
           </a:p>
@@ -2291,7 +2473,7 @@
             <a:fld id="{53074F12-AA26-4AC8-9962-C36BB8F32554}" type="datetimeFigureOut">
               <a:rPr lang="en-US" smtClean="0"/>
               <a:pPr/>
-              <a:t>5/18/2016</a:t>
+              <a:t>5/19/2016</a:t>
             </a:fld>
             <a:endParaRPr lang="en-US"/>
           </a:p>
@@ -2334,7 +2516,7 @@
             <a:fld id="{B82CCC60-E8CD-4174-8B1A-7DF615B22EEF}" type="slidenum">
               <a:rPr lang="en-US" smtClean="0"/>
               <a:pPr/>
-              <a:t>‹N°›</a:t>
+              <a:t>‹#›</a:t>
             </a:fld>
             <a:endParaRPr lang="en-US"/>
           </a:p>
@@ -2473,7 +2655,7 @@
             <a:fld id="{53074F12-AA26-4AC8-9962-C36BB8F32554}" type="datetimeFigureOut">
               <a:rPr lang="en-US" smtClean="0"/>
               <a:pPr/>
-              <a:t>5/18/2016</a:t>
+              <a:t>5/19/2016</a:t>
             </a:fld>
             <a:endParaRPr lang="en-US"/>
           </a:p>
@@ -2516,7 +2698,7 @@
             <a:fld id="{B82CCC60-E8CD-4174-8B1A-7DF615B22EEF}" type="slidenum">
               <a:rPr lang="en-US" smtClean="0"/>
               <a:pPr/>
-              <a:t>‹N°›</a:t>
+              <a:t>‹#›</a:t>
             </a:fld>
             <a:endParaRPr lang="en-US"/>
           </a:p>
@@ -2708,7 +2890,7 @@
             <a:fld id="{53074F12-AA26-4AC8-9962-C36BB8F32554}" type="datetimeFigureOut">
               <a:rPr lang="en-US" smtClean="0"/>
               <a:pPr/>
-              <a:t>5/18/2016</a:t>
+              <a:t>5/19/2016</a:t>
             </a:fld>
             <a:endParaRPr lang="en-US"/>
           </a:p>
@@ -2751,7 +2933,7 @@
             <a:fld id="{B82CCC60-E8CD-4174-8B1A-7DF615B22EEF}" type="slidenum">
               <a:rPr lang="en-US" smtClean="0"/>
               <a:pPr/>
-              <a:t>‹N°›</a:t>
+              <a:t>‹#›</a:t>
             </a:fld>
             <a:endParaRPr lang="en-US"/>
           </a:p>
@@ -2957,7 +3139,7 @@
             <a:fld id="{53074F12-AA26-4AC8-9962-C36BB8F32554}" type="datetimeFigureOut">
               <a:rPr lang="en-US" smtClean="0"/>
               <a:pPr/>
-              <a:t>5/18/2016</a:t>
+              <a:t>5/19/2016</a:t>
             </a:fld>
             <a:endParaRPr lang="en-US"/>
           </a:p>
@@ -3000,7 +3182,7 @@
             <a:fld id="{B82CCC60-E8CD-4174-8B1A-7DF615B22EEF}" type="slidenum">
               <a:rPr lang="en-US" smtClean="0"/>
               <a:pPr/>
-              <a:t>‹N°›</a:t>
+              <a:t>‹#›</a:t>
             </a:fld>
             <a:endParaRPr lang="en-US"/>
           </a:p>
@@ -3205,7 +3387,7 @@
             <a:fld id="{53074F12-AA26-4AC8-9962-C36BB8F32554}" type="datetimeFigureOut">
               <a:rPr lang="en-US" smtClean="0"/>
               <a:pPr/>
-              <a:t>5/18/2016</a:t>
+              <a:t>5/19/2016</a:t>
             </a:fld>
             <a:endParaRPr lang="en-US"/>
           </a:p>
@@ -3248,7 +3430,7 @@
             <a:fld id="{B82CCC60-E8CD-4174-8B1A-7DF615B22EEF}" type="slidenum">
               <a:rPr lang="en-US" smtClean="0"/>
               <a:pPr/>
-              <a:t>‹N°›</a:t>
+              <a:t>‹#›</a:t>
             </a:fld>
             <a:endParaRPr lang="en-US"/>
           </a:p>
@@ -3500,7 +3682,7 @@
             <a:fld id="{53074F12-AA26-4AC8-9962-C36BB8F32554}" type="datetimeFigureOut">
               <a:rPr lang="en-US" smtClean="0"/>
               <a:pPr/>
-              <a:t>5/18/2016</a:t>
+              <a:t>5/19/2016</a:t>
             </a:fld>
             <a:endParaRPr lang="en-US"/>
           </a:p>
@@ -3543,7 +3725,7 @@
             <a:fld id="{B82CCC60-E8CD-4174-8B1A-7DF615B22EEF}" type="slidenum">
               <a:rPr lang="en-US" smtClean="0"/>
               <a:pPr/>
-              <a:t>‹N°›</a:t>
+              <a:t>‹#›</a:t>
             </a:fld>
             <a:endParaRPr lang="en-US"/>
           </a:p>
@@ -3990,7 +4172,7 @@
             <a:fld id="{53074F12-AA26-4AC8-9962-C36BB8F32554}" type="datetimeFigureOut">
               <a:rPr lang="en-US" smtClean="0"/>
               <a:pPr/>
-              <a:t>5/18/2016</a:t>
+              <a:t>5/19/2016</a:t>
             </a:fld>
             <a:endParaRPr lang="en-US"/>
           </a:p>
@@ -4033,7 +4215,7 @@
             <a:fld id="{B82CCC60-E8CD-4174-8B1A-7DF615B22EEF}" type="slidenum">
               <a:rPr lang="en-US" smtClean="0"/>
               <a:pPr/>
-              <a:t>‹N°›</a:t>
+              <a:t>‹#›</a:t>
             </a:fld>
             <a:endParaRPr lang="en-US"/>
           </a:p>
@@ -4110,7 +4292,7 @@
             <a:fld id="{53074F12-AA26-4AC8-9962-C36BB8F32554}" type="datetimeFigureOut">
               <a:rPr lang="en-US" smtClean="0"/>
               <a:pPr/>
-              <a:t>5/18/2016</a:t>
+              <a:t>5/19/2016</a:t>
             </a:fld>
             <a:endParaRPr lang="en-US"/>
           </a:p>
@@ -4153,7 +4335,7 @@
             <a:fld id="{B82CCC60-E8CD-4174-8B1A-7DF615B22EEF}" type="slidenum">
               <a:rPr lang="en-US" smtClean="0"/>
               <a:pPr/>
-              <a:t>‹N°›</a:t>
+              <a:t>‹#›</a:t>
             </a:fld>
             <a:endParaRPr lang="en-US"/>
           </a:p>
@@ -4207,7 +4389,7 @@
             <a:fld id="{53074F12-AA26-4AC8-9962-C36BB8F32554}" type="datetimeFigureOut">
               <a:rPr lang="en-US" smtClean="0"/>
               <a:pPr/>
-              <a:t>5/18/2016</a:t>
+              <a:t>5/19/2016</a:t>
             </a:fld>
             <a:endParaRPr lang="en-US"/>
           </a:p>
@@ -4250,7 +4432,7 @@
             <a:fld id="{B82CCC60-E8CD-4174-8B1A-7DF615B22EEF}" type="slidenum">
               <a:rPr lang="en-US" smtClean="0"/>
               <a:pPr/>
-              <a:t>‹N°›</a:t>
+              <a:t>‹#›</a:t>
             </a:fld>
             <a:endParaRPr lang="en-US"/>
           </a:p>
@@ -4486,7 +4668,7 @@
             <a:fld id="{53074F12-AA26-4AC8-9962-C36BB8F32554}" type="datetimeFigureOut">
               <a:rPr lang="en-US" smtClean="0"/>
               <a:pPr/>
-              <a:t>5/18/2016</a:t>
+              <a:t>5/19/2016</a:t>
             </a:fld>
             <a:endParaRPr lang="en-US"/>
           </a:p>
@@ -4529,7 +4711,7 @@
             <a:fld id="{B82CCC60-E8CD-4174-8B1A-7DF615B22EEF}" type="slidenum">
               <a:rPr lang="en-US" smtClean="0"/>
               <a:pPr/>
-              <a:t>‹N°›</a:t>
+              <a:t>‹#›</a:t>
             </a:fld>
             <a:endParaRPr lang="en-US"/>
           </a:p>
@@ -4710,7 +4892,7 @@
             <a:fld id="{53074F12-AA26-4AC8-9962-C36BB8F32554}" type="datetimeFigureOut">
               <a:rPr lang="en-US" smtClean="0"/>
               <a:pPr/>
-              <a:t>5/18/2016</a:t>
+              <a:t>5/19/2016</a:t>
             </a:fld>
             <a:endParaRPr lang="en-US"/>
           </a:p>
@@ -4789,7 +4971,7 @@
             <a:fld id="{B82CCC60-E8CD-4174-8B1A-7DF615B22EEF}" type="slidenum">
               <a:rPr lang="en-US" smtClean="0"/>
               <a:pPr/>
-              <a:t>‹N°›</a:t>
+              <a:t>‹#›</a:t>
             </a:fld>
             <a:endParaRPr lang="en-US"/>
           </a:p>
@@ -5419,7 +5601,7 @@
             <a:pPr lvl="1"/>
             <a:r>
               <a:rPr lang="fr-BE" dirty="0" smtClean="0"/>
-              <a:t>rendu </a:t>
+              <a:t> rendu </a:t>
             </a:r>
             <a:r>
               <a:rPr lang="fr-BE" dirty="0"/>
@@ -5430,7 +5612,7 @@
             <a:pPr lvl="1"/>
             <a:r>
               <a:rPr lang="fr-BE" dirty="0" smtClean="0"/>
-              <a:t>rendu </a:t>
+              <a:t> rendu </a:t>
             </a:r>
             <a:r>
               <a:rPr lang="fr-BE" dirty="0"/>
@@ -5490,7 +5672,6 @@
               <a:rPr lang="fr-BE" dirty="0"/>
               <a:t>de collision)</a:t>
             </a:r>
-            <a:endParaRPr lang="fr-BE" dirty="0"/>
           </a:p>
         </p:txBody>
       </p:sp>
@@ -5623,16 +5804,8 @@
           </a:p>
           <a:p>
             <a:r>
-              <a:rPr lang="fr-BE" dirty="0"/>
-              <a:t> </a:t>
-            </a:r>
-            <a:r>
-              <a:rPr lang="fr-BE" dirty="0" err="1" smtClean="0"/>
-              <a:t>Retained</a:t>
-            </a:r>
-            <a:r>
               <a:rPr lang="fr-BE" dirty="0" smtClean="0"/>
-              <a:t> </a:t>
+              <a:t>Retained </a:t>
             </a:r>
             <a:r>
               <a:rPr lang="fr-BE" dirty="0"/>
@@ -5642,17 +5815,12 @@
           <a:p>
             <a:r>
               <a:rPr lang="fr-BE" dirty="0" smtClean="0"/>
-              <a:t> </a:t>
-            </a:r>
-            <a:r>
-              <a:rPr lang="fr-BE" dirty="0" err="1"/>
-              <a:t>Compiled-Retained</a:t>
+              <a:t>Compiled-Retained </a:t>
             </a:r>
             <a:r>
               <a:rPr lang="fr-BE" dirty="0"/>
-              <a:t> mode</a:t>
-            </a:r>
-            <a:endParaRPr lang="fr-BE" dirty="0"/>
+              <a:t>mode</a:t>
+            </a:r>
           </a:p>
         </p:txBody>
       </p:sp>
@@ -5701,7 +5869,11 @@
           <a:bodyPr/>
           <a:lstStyle/>
           <a:p>
-            <a:endParaRPr lang="fr-BE"/>
+            <a:r>
+              <a:rPr lang="fr-BE" dirty="0" smtClean="0"/>
+              <a:t>Formes de base</a:t>
+            </a:r>
+            <a:endParaRPr lang="fr-BE" dirty="0"/>
           </a:p>
         </p:txBody>
       </p:sp>
@@ -5715,12 +5887,21 @@
             <p:ph type="body" idx="1"/>
           </p:nvPr>
         </p:nvSpPr>
-        <p:spPr/>
+        <p:spPr>
+          <a:xfrm>
+            <a:off x="440731" y="1596539"/>
+            <a:ext cx="4123034" cy="571629"/>
+          </a:xfrm>
+        </p:spPr>
         <p:txBody>
           <a:bodyPr/>
           <a:lstStyle/>
           <a:p>
-            <a:endParaRPr lang="fr-BE"/>
+            <a:r>
+              <a:rPr lang="fr-BE" u="sng" dirty="0" smtClean="0"/>
+              <a:t>Dérivées de « Primitive »</a:t>
+            </a:r>
+            <a:endParaRPr lang="fr-BE" u="sng" dirty="0"/>
           </a:p>
         </p:txBody>
       </p:sp>
@@ -5734,50 +5915,103 @@
             <p:ph sz="half" idx="2"/>
           </p:nvPr>
         </p:nvSpPr>
-        <p:spPr/>
+        <p:spPr>
+          <a:xfrm>
+            <a:off x="448965" y="2323617"/>
+            <a:ext cx="4428445" cy="1686704"/>
+          </a:xfrm>
+        </p:spPr>
+        <p:txBody>
+          <a:bodyPr>
+            <a:normAutofit lnSpcReduction="10000"/>
+          </a:bodyPr>
+          <a:lstStyle/>
+          <a:p>
+            <a:r>
+              <a:rPr lang="fr-BE" dirty="0" smtClean="0"/>
+              <a:t>Parallélipipède (classe « Box »)</a:t>
+            </a:r>
+          </a:p>
+          <a:p>
+            <a:r>
+              <a:rPr lang="fr-BE" dirty="0" smtClean="0"/>
+              <a:t>Sphère (classe « Spere »)</a:t>
+            </a:r>
+          </a:p>
+          <a:p>
+            <a:r>
+              <a:rPr lang="fr-BE" dirty="0" smtClean="0"/>
+              <a:t>Cylindre (classe « Cylinder »)</a:t>
+            </a:r>
+          </a:p>
+          <a:p>
+            <a:r>
+              <a:rPr lang="fr-BE" dirty="0" smtClean="0"/>
+              <a:t>Cône (classe « Cone »)</a:t>
+            </a:r>
+            <a:endParaRPr lang="fr-BE" dirty="0"/>
+          </a:p>
+        </p:txBody>
+      </p:sp>
+      <p:sp>
+        <p:nvSpPr>
+          <p:cNvPr id="7" name="Espace réservé du texte 2"/>
+          <p:cNvSpPr>
+            <a:spLocks noGrp="1"/>
+          </p:cNvSpPr>
+          <p:nvPr>
+            <p:ph type="body" idx="1"/>
+          </p:nvPr>
+        </p:nvSpPr>
+        <p:spPr>
+          <a:xfrm>
+            <a:off x="4113885" y="4212123"/>
+            <a:ext cx="3449377" cy="571629"/>
+          </a:xfrm>
+        </p:spPr>
         <p:txBody>
           <a:bodyPr/>
           <a:lstStyle/>
           <a:p>
-            <a:endParaRPr lang="fr-BE"/>
-          </a:p>
-        </p:txBody>
-      </p:sp>
-      <p:sp>
-        <p:nvSpPr>
-          <p:cNvPr id="5" name="Espace réservé du texte 4"/>
-          <p:cNvSpPr>
-            <a:spLocks noGrp="1"/>
-          </p:cNvSpPr>
-          <p:nvPr>
-            <p:ph type="body" sz="quarter" idx="3"/>
-          </p:nvPr>
-        </p:nvSpPr>
-        <p:spPr/>
+            <a:r>
+              <a:rPr lang="fr-BE" u="sng" dirty="0" smtClean="0"/>
+              <a:t>Dérivées de « Shape3D »</a:t>
+            </a:r>
+            <a:endParaRPr lang="fr-BE" u="sng" dirty="0"/>
+          </a:p>
+        </p:txBody>
+      </p:sp>
+      <p:sp>
+        <p:nvSpPr>
+          <p:cNvPr id="8" name="Espace réservé du contenu 3"/>
+          <p:cNvSpPr>
+            <a:spLocks noGrp="1"/>
+          </p:cNvSpPr>
+          <p:nvPr>
+            <p:ph sz="half" idx="2"/>
+          </p:nvPr>
+        </p:nvSpPr>
+        <p:spPr>
+          <a:xfrm>
+            <a:off x="4113885" y="4937999"/>
+            <a:ext cx="4877410" cy="1068935"/>
+          </a:xfrm>
+        </p:spPr>
         <p:txBody>
           <a:bodyPr/>
           <a:lstStyle/>
           <a:p>
-            <a:endParaRPr lang="fr-BE"/>
-          </a:p>
-        </p:txBody>
-      </p:sp>
-      <p:sp>
-        <p:nvSpPr>
-          <p:cNvPr id="6" name="Espace réservé du contenu 5"/>
-          <p:cNvSpPr>
-            <a:spLocks noGrp="1"/>
-          </p:cNvSpPr>
-          <p:nvPr>
-            <p:ph sz="quarter" idx="4"/>
-          </p:nvPr>
-        </p:nvSpPr>
-        <p:spPr/>
-        <p:txBody>
-          <a:bodyPr/>
-          <a:lstStyle/>
-          <a:p>
-            <a:endParaRPr lang="fr-BE"/>
+            <a:r>
+              <a:rPr lang="fr-BE" dirty="0" smtClean="0"/>
+              <a:t>Cube coloré (classe « ColorCube »)</a:t>
+            </a:r>
+          </a:p>
+          <a:p>
+            <a:r>
+              <a:rPr lang="fr-BE" dirty="0" smtClean="0"/>
+              <a:t>Texte 2D (classe « Text2D »)</a:t>
+            </a:r>
+            <a:endParaRPr lang="fr-BE" dirty="0"/>
           </a:p>
         </p:txBody>
       </p:sp>
@@ -5821,12 +6055,162 @@
             <p:ph type="title"/>
           </p:nvPr>
         </p:nvSpPr>
+        <p:spPr>
+          <a:xfrm>
+            <a:off x="705605" y="1012974"/>
+            <a:ext cx="8229600" cy="763525"/>
+          </a:xfrm>
+        </p:spPr>
+        <p:txBody>
+          <a:bodyPr>
+            <a:normAutofit/>
+          </a:bodyPr>
+          <a:lstStyle/>
+          <a:p>
+            <a:r>
+              <a:rPr lang="fr-BE" dirty="0" smtClean="0"/>
+              <a:t>Création formes complexes</a:t>
+            </a:r>
+            <a:endParaRPr lang="fr-BE" dirty="0"/>
+          </a:p>
+        </p:txBody>
+      </p:sp>
+      <p:sp>
+        <p:nvSpPr>
+          <p:cNvPr id="4" name="Espace réservé du contenu 3"/>
+          <p:cNvSpPr>
+            <a:spLocks noGrp="1"/>
+          </p:cNvSpPr>
+          <p:nvPr>
+            <p:ph sz="half" idx="2"/>
+          </p:nvPr>
+        </p:nvSpPr>
+        <p:spPr>
+          <a:xfrm>
+            <a:off x="448966" y="1776499"/>
+            <a:ext cx="7787954" cy="4859306"/>
+          </a:xfrm>
+        </p:spPr>
+        <p:txBody>
+          <a:bodyPr>
+            <a:normAutofit/>
+          </a:bodyPr>
+          <a:lstStyle/>
+          <a:p>
+            <a:r>
+              <a:rPr lang="fr-BE" dirty="0" smtClean="0"/>
+              <a:t>Créer une Shape3d</a:t>
+            </a:r>
+          </a:p>
+          <a:p>
+            <a:r>
+              <a:rPr lang="fr-BE" dirty="0" smtClean="0"/>
+              <a:t>Créer une Geometry</a:t>
+            </a:r>
+          </a:p>
+          <a:p>
+            <a:pPr lvl="1"/>
+            <a:r>
+              <a:rPr lang="fr-BE" dirty="0" smtClean="0"/>
+              <a:t>PointArray</a:t>
+            </a:r>
+          </a:p>
+          <a:p>
+            <a:pPr lvl="1"/>
+            <a:r>
+              <a:rPr lang="fr-BE" dirty="0" smtClean="0"/>
+              <a:t>LineArray</a:t>
+            </a:r>
+          </a:p>
+          <a:p>
+            <a:pPr lvl="1"/>
+            <a:r>
+              <a:rPr lang="fr-BE" dirty="0" smtClean="0"/>
+              <a:t>TriangleArray</a:t>
+            </a:r>
+          </a:p>
+          <a:p>
+            <a:pPr lvl="1"/>
+            <a:r>
+              <a:rPr lang="fr-BE" dirty="0" smtClean="0"/>
+              <a:t>QuadArray</a:t>
+            </a:r>
+          </a:p>
+          <a:p>
+            <a:pPr lvl="1"/>
+            <a:r>
+              <a:rPr lang="fr-BE" dirty="0" smtClean="0"/>
+              <a:t>LineStripArray</a:t>
+            </a:r>
+          </a:p>
+          <a:p>
+            <a:pPr lvl="1"/>
+            <a:r>
+              <a:rPr lang="fr-BE" dirty="0" smtClean="0"/>
+              <a:t>TriangleStripArray</a:t>
+            </a:r>
+          </a:p>
+          <a:p>
+            <a:pPr lvl="1"/>
+            <a:r>
+              <a:rPr lang="fr-BE" dirty="0" smtClean="0"/>
+              <a:t>TriangleFanArray</a:t>
+            </a:r>
+          </a:p>
+          <a:p>
+            <a:r>
+              <a:rPr lang="fr-BE" dirty="0" smtClean="0"/>
+              <a:t>Possibilité de réutiliser certains points (géométrie indicée) -&gt; optimisation mémoire</a:t>
+            </a:r>
+          </a:p>
+        </p:txBody>
+      </p:sp>
+    </p:spTree>
+    <p:extLst>
+      <p:ext uri="{BB962C8B-B14F-4D97-AF65-F5344CB8AC3E}">
+        <p14:creationId xmlns:p14="http://schemas.microsoft.com/office/powerpoint/2010/main" val="2277811695"/>
+      </p:ext>
+    </p:extLst>
+  </p:cSld>
+  <p:clrMapOvr>
+    <a:masterClrMapping/>
+  </p:clrMapOvr>
+</p:sld>
+</file>
+
+<file path=ppt/slides/slide15.xml><?xml version="1.0" encoding="utf-8"?>
+<p:sld xmlns:a="http://schemas.openxmlformats.org/drawingml/2006/main" xmlns:r="http://schemas.openxmlformats.org/officeDocument/2006/relationships" xmlns:p="http://schemas.openxmlformats.org/presentationml/2006/main">
+  <p:cSld>
+    <p:spTree>
+      <p:nvGrpSpPr>
+        <p:cNvPr id="1" name=""/>
+        <p:cNvGrpSpPr/>
+        <p:nvPr/>
+      </p:nvGrpSpPr>
+      <p:grpSpPr>
+        <a:xfrm>
+          <a:off x="0" y="0"/>
+          <a:ext cx="0" cy="0"/>
+          <a:chOff x="0" y="0"/>
+          <a:chExt cx="0" cy="0"/>
+        </a:xfrm>
+      </p:grpSpPr>
+      <p:sp>
+        <p:nvSpPr>
+          <p:cNvPr id="2" name="Titre 1"/>
+          <p:cNvSpPr>
+            <a:spLocks noGrp="1"/>
+          </p:cNvSpPr>
+          <p:nvPr>
+            <p:ph type="title"/>
+          </p:nvPr>
+        </p:nvSpPr>
         <p:spPr/>
         <p:txBody>
           <a:bodyPr/>
           <a:lstStyle/>
           <a:p>
-            <a:endParaRPr lang="fr-BE"/>
+            <a:endParaRPr lang="fr-BE" dirty="0"/>
           </a:p>
         </p:txBody>
       </p:sp>
@@ -5862,7 +6246,7 @@
 </p:sld>
 </file>
 
-<file path=ppt/slides/slide15.xml><?xml version="1.0" encoding="utf-8"?>
+<file path=ppt/slides/slide16.xml><?xml version="1.0" encoding="utf-8"?>
 <p:sld xmlns:a="http://schemas.openxmlformats.org/drawingml/2006/main" xmlns:r="http://schemas.openxmlformats.org/officeDocument/2006/relationships" xmlns:p="http://schemas.openxmlformats.org/presentationml/2006/main">
   <p:cSld>
     <p:spTree>
@@ -6017,7 +6401,7 @@
 </p:sld>
 </file>
 
-<file path=ppt/slides/slide16.xml><?xml version="1.0" encoding="utf-8"?>
+<file path=ppt/slides/slide17.xml><?xml version="1.0" encoding="utf-8"?>
 <p:sld xmlns:a="http://schemas.openxmlformats.org/drawingml/2006/main" xmlns:r="http://schemas.openxmlformats.org/officeDocument/2006/relationships" xmlns:p="http://schemas.openxmlformats.org/presentationml/2006/main">
   <p:cSld>
     <p:spTree>
@@ -6098,7 +6482,7 @@
 </p:sld>
 </file>
 
-<file path=ppt/slides/slide17.xml><?xml version="1.0" encoding="utf-8"?>
+<file path=ppt/slides/slide18.xml><?xml version="1.0" encoding="utf-8"?>
 <p:sld xmlns:a="http://schemas.openxmlformats.org/drawingml/2006/main" xmlns:r="http://schemas.openxmlformats.org/officeDocument/2006/relationships" xmlns:p="http://schemas.openxmlformats.org/presentationml/2006/main">
   <p:cSld>
     <p:spTree>
@@ -6228,7 +6612,7 @@
 </p:sld>
 </file>
 
-<file path=ppt/slides/slide18.xml><?xml version="1.0" encoding="utf-8"?>
+<file path=ppt/slides/slide19.xml><?xml version="1.0" encoding="utf-8"?>
 <p:sld xmlns:a="http://schemas.openxmlformats.org/drawingml/2006/main" xmlns:r="http://schemas.openxmlformats.org/officeDocument/2006/relationships" xmlns:p="http://schemas.openxmlformats.org/presentationml/2006/main">
   <p:cSld>
     <p:bg>
@@ -7860,7 +8244,7 @@
           <a:lstStyle/>
           <a:p>
             <a:r>
-              <a:rPr lang="en-US" dirty="0" err="1" smtClean="0"/>
+              <a:rPr lang="en-US" dirty="0" smtClean="0"/>
               <a:t>Historique</a:t>
             </a:r>
             <a:endParaRPr lang="en-US" dirty="0"/>
@@ -7908,7 +8292,11 @@
           <a:p>
             <a:r>
               <a:rPr lang="fr-BE" dirty="0" smtClean="0"/>
-              <a:t> 1998 :  première version.</a:t>
+              <a:t>1998 </a:t>
+            </a:r>
+            <a:r>
+              <a:rPr lang="fr-BE" dirty="0" smtClean="0"/>
+              <a:t>:  première version.</a:t>
             </a:r>
             <a:endParaRPr lang="fr-BE" dirty="0"/>
           </a:p>
@@ -7918,20 +8306,12 @@
               <a:t>2003-2004 : </a:t>
             </a:r>
             <a:r>
-              <a:rPr lang="en-US" dirty="0" err="1" smtClean="0"/>
-              <a:t>Arret</a:t>
-            </a:r>
-            <a:r>
               <a:rPr lang="en-US" dirty="0" smtClean="0"/>
-              <a:t> du </a:t>
-            </a:r>
-            <a:r>
-              <a:rPr lang="en-US" dirty="0" err="1" smtClean="0"/>
-              <a:t>projet</a:t>
+              <a:t>Arrêt </a:t>
             </a:r>
             <a:r>
               <a:rPr lang="en-US" dirty="0" smtClean="0"/>
-              <a:t>.</a:t>
+              <a:t>du projet.</a:t>
             </a:r>
           </a:p>
           <a:p>
@@ -7940,28 +8320,12 @@
               <a:t>2004  : le </a:t>
             </a:r>
             <a:r>
-              <a:rPr lang="en-US" dirty="0" err="1"/>
-              <a:t>projet</a:t>
+              <a:rPr lang="en-US" dirty="0" smtClean="0"/>
+              <a:t>projet est </a:t>
             </a:r>
             <a:r>
               <a:rPr lang="en-US" dirty="0"/>
-              <a:t> </a:t>
-            </a:r>
-            <a:r>
-              <a:rPr lang="en-US" dirty="0" err="1"/>
-              <a:t>est</a:t>
-            </a:r>
-            <a:r>
-              <a:rPr lang="en-US" dirty="0"/>
-              <a:t> </a:t>
-            </a:r>
-            <a:r>
-              <a:rPr lang="en-US" dirty="0" err="1"/>
-              <a:t>devenu</a:t>
-            </a:r>
-            <a:r>
-              <a:rPr lang="en-US" dirty="0"/>
-              <a:t> Open Source. </a:t>
+              <a:t>devenu Open Source. </a:t>
             </a:r>
             <a:endParaRPr lang="fr-BE" dirty="0"/>
           </a:p>
@@ -8127,12 +8491,12 @@
               <a:t>Java 3D </a:t>
             </a:r>
             <a:r>
-              <a:rPr lang="fr-BE" dirty="0" err="1"/>
-              <a:t>devlopment</a:t>
+              <a:rPr lang="fr-BE" dirty="0" smtClean="0"/>
+              <a:t>development </a:t>
             </a:r>
             <a:r>
               <a:rPr lang="fr-BE" dirty="0"/>
-              <a:t> kit : http://www.oracle.com/technetwork/articles/javase/index-jsp-138252.html</a:t>
+              <a:t>kit : http://www.oracle.com/technetwork/articles/javase/index-jsp-138252.html</a:t>
             </a:r>
           </a:p>
           <a:p>
@@ -8239,16 +8603,8 @@
           <a:lstStyle/>
           <a:p>
             <a:r>
-              <a:rPr lang="en-US" dirty="0" err="1" smtClean="0"/>
-              <a:t>Principales</a:t>
-            </a:r>
-            <a:r>
               <a:rPr lang="en-US" dirty="0" smtClean="0"/>
-              <a:t> </a:t>
-            </a:r>
-            <a:r>
-              <a:rPr lang="en-US" dirty="0" err="1" smtClean="0"/>
-              <a:t>fonctionalités</a:t>
+              <a:t>Principales fonctionalités</a:t>
             </a:r>
             <a:endParaRPr lang="en-US" dirty="0"/>
           </a:p>
@@ -8264,23 +8620,28 @@
             <p:ph idx="1"/>
           </p:nvPr>
         </p:nvSpPr>
-        <p:spPr/>
+        <p:spPr>
+          <a:xfrm>
+            <a:off x="1976015" y="1443835"/>
+            <a:ext cx="6719020" cy="4886560"/>
+          </a:xfrm>
+        </p:spPr>
         <p:txBody>
           <a:bodyPr>
-            <a:normAutofit fontScale="62500" lnSpcReduction="20000"/>
+            <a:normAutofit fontScale="47500" lnSpcReduction="20000"/>
           </a:bodyPr>
           <a:lstStyle/>
           <a:p>
             <a:r>
-              <a:rPr lang="fr-BE" dirty="0"/>
+              <a:rPr lang="fr-BE" sz="4600" dirty="0"/>
               <a:t>Modélisation et affichage 3D de scènes </a:t>
             </a:r>
-            <a:endParaRPr lang="fr-BE" dirty="0" smtClean="0"/>
+            <a:endParaRPr lang="fr-BE" sz="4600" dirty="0" smtClean="0"/>
           </a:p>
           <a:p>
             <a:pPr lvl="1"/>
             <a:r>
-              <a:rPr lang="fr-BE" dirty="0" smtClean="0">
+              <a:rPr lang="fr-BE" sz="4200" dirty="0" smtClean="0">
                 <a:solidFill>
                   <a:schemeClr val="tx1"/>
                 </a:solidFill>
@@ -8288,7 +8649,7 @@
               <a:t>moteur </a:t>
             </a:r>
             <a:r>
-              <a:rPr lang="fr-BE" dirty="0">
+              <a:rPr lang="fr-BE" sz="4200" dirty="0">
                 <a:solidFill>
                   <a:schemeClr val="tx1"/>
                 </a:solidFill>
@@ -8296,7 +8657,7 @@
               <a:t>de rendu: Z-Buffer  </a:t>
             </a:r>
             <a:r>
-              <a:rPr lang="fr-BE" dirty="0" smtClean="0">
+              <a:rPr lang="fr-BE" sz="4200" dirty="0" smtClean="0">
                 <a:solidFill>
                   <a:schemeClr val="tx1"/>
                 </a:solidFill>
@@ -8304,7 +8665,7 @@
               <a:t>et ombrage </a:t>
             </a:r>
             <a:r>
-              <a:rPr lang="fr-BE" dirty="0">
+              <a:rPr lang="fr-BE" sz="4200" dirty="0">
                 <a:solidFill>
                   <a:schemeClr val="tx1"/>
                 </a:solidFill>
@@ -8312,14 +8673,14 @@
               <a:t>de Gouraud </a:t>
             </a:r>
             <a:r>
-              <a:rPr lang="fr-BE" dirty="0" smtClean="0">
+              <a:rPr lang="fr-BE" sz="4200" dirty="0" smtClean="0">
                 <a:solidFill>
                   <a:schemeClr val="tx1"/>
                 </a:solidFill>
               </a:rPr>
               <a:t>étendu.</a:t>
             </a:r>
-            <a:endParaRPr lang="fr-BE" dirty="0">
+            <a:endParaRPr lang="fr-BE" sz="4200" dirty="0">
               <a:solidFill>
                 <a:schemeClr val="tx1"/>
               </a:solidFill>
@@ -8327,26 +8688,26 @@
           </a:p>
           <a:p>
             <a:r>
-              <a:rPr lang="fr-BE" dirty="0" smtClean="0"/>
+              <a:rPr lang="fr-BE" sz="4600" dirty="0" smtClean="0"/>
               <a:t>Notion </a:t>
             </a:r>
             <a:r>
-              <a:rPr lang="fr-BE" dirty="0"/>
+              <a:rPr lang="fr-BE" sz="4600" dirty="0"/>
               <a:t>de "</a:t>
             </a:r>
             <a:r>
-              <a:rPr lang="fr-BE" dirty="0" err="1"/>
+              <a:rPr lang="fr-BE" sz="4600" dirty="0" err="1"/>
               <a:t>Behaviors</a:t>
             </a:r>
             <a:r>
-              <a:rPr lang="fr-BE" dirty="0"/>
+              <a:rPr lang="fr-BE" sz="4600" dirty="0"/>
               <a:t>": </a:t>
             </a:r>
           </a:p>
           <a:p>
             <a:pPr lvl="1"/>
             <a:r>
-              <a:rPr lang="fr-BE" dirty="0" smtClean="0">
+              <a:rPr lang="fr-BE" sz="4200" dirty="0" smtClean="0">
                 <a:solidFill>
                   <a:schemeClr val="tx1"/>
                 </a:solidFill>
@@ -8354,7 +8715,7 @@
               <a:t>Possibilité </a:t>
             </a:r>
             <a:r>
-              <a:rPr lang="fr-BE" dirty="0">
+              <a:rPr lang="fr-BE" sz="4200" dirty="0">
                 <a:solidFill>
                   <a:schemeClr val="tx1"/>
                 </a:solidFill>
@@ -8364,22 +8725,22 @@
           </a:p>
           <a:p>
             <a:r>
-              <a:rPr lang="fr-BE" dirty="0"/>
+              <a:rPr lang="fr-BE" sz="4600" dirty="0"/>
               <a:t>Notion d'"</a:t>
             </a:r>
             <a:r>
-              <a:rPr lang="fr-BE" dirty="0" err="1"/>
+              <a:rPr lang="fr-BE" sz="4600" dirty="0" err="1"/>
               <a:t>Interpolator</a:t>
             </a:r>
             <a:r>
-              <a:rPr lang="fr-BE" dirty="0" smtClean="0"/>
+              <a:rPr lang="fr-BE" sz="4600" dirty="0" smtClean="0"/>
               <a:t>":</a:t>
             </a:r>
           </a:p>
           <a:p>
             <a:pPr lvl="1"/>
             <a:r>
-              <a:rPr lang="fr-BE" dirty="0" smtClean="0">
+              <a:rPr lang="fr-BE" sz="2900" dirty="0" smtClean="0">
                 <a:solidFill>
                   <a:schemeClr val="tx1"/>
                 </a:solidFill>
@@ -8387,7 +8748,7 @@
               <a:t> </a:t>
             </a:r>
             <a:r>
-              <a:rPr lang="fr-BE" dirty="0">
+              <a:rPr lang="fr-BE" sz="4200" dirty="0">
                 <a:solidFill>
                   <a:schemeClr val="tx1"/>
                 </a:solidFill>
@@ -8397,24 +8758,24 @@
           </a:p>
           <a:p>
             <a:r>
-              <a:rPr lang="fr-BE" dirty="0"/>
+              <a:rPr lang="fr-BE" sz="4600" dirty="0"/>
               <a:t>Détection des collisions entre objets.</a:t>
             </a:r>
           </a:p>
           <a:p>
             <a:r>
-              <a:rPr lang="fr-BE" dirty="0" smtClean="0"/>
+              <a:rPr lang="fr-BE" sz="4600" dirty="0" smtClean="0"/>
               <a:t>Fonctionnalités </a:t>
             </a:r>
             <a:r>
-              <a:rPr lang="fr-BE" dirty="0"/>
+              <a:rPr lang="fr-BE" sz="4600" dirty="0"/>
               <a:t>de l'informatique graphique classique:</a:t>
             </a:r>
           </a:p>
           <a:p>
             <a:pPr lvl="1"/>
             <a:r>
-              <a:rPr lang="fr-BE" dirty="0">
+              <a:rPr lang="fr-BE" sz="4200" dirty="0">
                 <a:solidFill>
                   <a:schemeClr val="tx1"/>
                 </a:solidFill>
@@ -8425,14 +8786,14 @@
           <a:p>
             <a:pPr lvl="1"/>
             <a:r>
-              <a:rPr lang="fr-BE" dirty="0" err="1">
+              <a:rPr lang="fr-BE" sz="4200" dirty="0" err="1">
                 <a:solidFill>
                   <a:schemeClr val="tx1"/>
                 </a:solidFill>
               </a:rPr>
               <a:t>antialiasing</a:t>
             </a:r>
-            <a:endParaRPr lang="fr-BE" dirty="0">
+            <a:endParaRPr lang="fr-BE" sz="4200" dirty="0">
               <a:solidFill>
                 <a:schemeClr val="tx1"/>
               </a:solidFill>
@@ -8441,7 +8802,7 @@
           <a:p>
             <a:pPr lvl="1"/>
             <a:r>
-              <a:rPr lang="fr-BE" dirty="0">
+              <a:rPr lang="fr-BE" sz="4200" dirty="0">
                 <a:solidFill>
                   <a:schemeClr val="tx1"/>
                 </a:solidFill>
@@ -8451,7 +8812,7 @@
           </a:p>
           <a:p>
             <a:r>
-              <a:rPr lang="fr-BE" dirty="0"/>
+              <a:rPr lang="fr-BE" sz="4600" dirty="0"/>
               <a:t>Gestion des sons dans un environnement 3D.</a:t>
             </a:r>
           </a:p>
@@ -8590,13 +8951,21 @@
             </a:r>
             <a:r>
               <a:rPr lang="fr-BE" dirty="0" smtClean="0"/>
-              <a:t>scène acyclique dont la racine est un univers</a:t>
+              <a:t>scène acyclique dont la racine est un univers (structure d’arbre)</a:t>
             </a:r>
           </a:p>
           <a:p>
             <a:r>
               <a:rPr lang="fr-BE" dirty="0" smtClean="0"/>
-              <a:t>2 Types de nœuds : </a:t>
+              <a:t>2 </a:t>
+            </a:r>
+            <a:r>
+              <a:rPr lang="fr-BE" dirty="0" smtClean="0"/>
+              <a:t>types </a:t>
+            </a:r>
+            <a:r>
+              <a:rPr lang="fr-BE" dirty="0" smtClean="0"/>
+              <a:t>de nœuds : </a:t>
             </a:r>
           </a:p>
           <a:p>
@@ -8681,14 +9050,14 @@
               <a:buNone/>
             </a:pPr>
             <a:r>
-              <a:rPr lang="fr-BE" sz="2000" dirty="0" err="1" smtClean="0">
+              <a:rPr lang="fr-BE" sz="2000" dirty="0" smtClean="0">
                 <a:solidFill>
                   <a:schemeClr val="bg2">
                     <a:lumMod val="10000"/>
                   </a:schemeClr>
                 </a:solidFill>
               </a:rPr>
-              <a:t>Leaf</a:t>
+              <a:t>Leaf-&gt; </a:t>
             </a:r>
             <a:r>
               <a:rPr lang="fr-BE" sz="2000" dirty="0" smtClean="0">
@@ -8698,98 +9067,110 @@
                   </a:schemeClr>
                 </a:solidFill>
               </a:rPr>
-              <a:t>-&gt; [</a:t>
-            </a:r>
-            <a:r>
-              <a:rPr lang="fr-BE" sz="2000" dirty="0" err="1" smtClean="0">
+              <a:t>[ BackGround </a:t>
+            </a:r>
+            <a:r>
+              <a:rPr lang="fr-BE" sz="2000" dirty="0" smtClean="0">
                 <a:solidFill>
                   <a:schemeClr val="bg2">
                     <a:lumMod val="10000"/>
                   </a:schemeClr>
                 </a:solidFill>
               </a:rPr>
-              <a:t>BackGround</a:t>
-            </a:r>
-            <a:r>
-              <a:rPr lang="fr-BE" sz="2000" dirty="0" smtClean="0">
+              <a:t>-</a:t>
+            </a:r>
+            <a:r>
+              <a:rPr lang="fr-BE" sz="2000" dirty="0">
                 <a:solidFill>
                   <a:schemeClr val="bg2">
                     <a:lumMod val="10000"/>
                   </a:schemeClr>
                 </a:solidFill>
               </a:rPr>
-              <a:t> -</a:t>
-            </a:r>
-            <a:r>
-              <a:rPr lang="fr-BE" sz="2000" dirty="0">
+              <a:t> </a:t>
+            </a:r>
+            <a:r>
+              <a:rPr lang="fr-BE" sz="2000" dirty="0" smtClean="0">
                 <a:solidFill>
                   <a:schemeClr val="bg2">
                     <a:lumMod val="10000"/>
                   </a:schemeClr>
                 </a:solidFill>
               </a:rPr>
-              <a:t> </a:t>
-            </a:r>
-            <a:r>
-              <a:rPr lang="fr-BE" sz="2000" dirty="0" err="1" smtClean="0">
+              <a:t>Behavior</a:t>
+            </a:r>
+            <a:r>
+              <a:rPr lang="fr-BE" sz="2000" dirty="0">
                 <a:solidFill>
                   <a:schemeClr val="bg2">
                     <a:lumMod val="10000"/>
                   </a:schemeClr>
                 </a:solidFill>
               </a:rPr>
-              <a:t>Behavior</a:t>
-            </a:r>
-            <a:r>
-              <a:rPr lang="fr-BE" sz="2000" dirty="0">
+              <a:t> </a:t>
+            </a:r>
+            <a:r>
+              <a:rPr lang="fr-BE" sz="2000" dirty="0" smtClean="0">
                 <a:solidFill>
                   <a:schemeClr val="bg2">
                     <a:lumMod val="10000"/>
                   </a:schemeClr>
                 </a:solidFill>
               </a:rPr>
-              <a:t> </a:t>
-            </a:r>
-            <a:r>
-              <a:rPr lang="fr-BE" sz="2000" dirty="0" smtClean="0">
+              <a:t>-</a:t>
+            </a:r>
+            <a:r>
+              <a:rPr lang="fr-BE" sz="2000" dirty="0">
                 <a:solidFill>
                   <a:schemeClr val="bg2">
                     <a:lumMod val="10000"/>
                   </a:schemeClr>
                 </a:solidFill>
               </a:rPr>
-              <a:t>-</a:t>
-            </a:r>
-            <a:r>
-              <a:rPr lang="fr-BE" sz="2000" dirty="0">
+              <a:t> </a:t>
+            </a:r>
+            <a:r>
+              <a:rPr lang="fr-BE" sz="2000" dirty="0" smtClean="0">
                 <a:solidFill>
                   <a:schemeClr val="bg2">
                     <a:lumMod val="10000"/>
                   </a:schemeClr>
                 </a:solidFill>
               </a:rPr>
-              <a:t> </a:t>
-            </a:r>
-            <a:r>
-              <a:rPr lang="fr-BE" sz="2000" dirty="0" smtClean="0">
+              <a:t>Light -</a:t>
+            </a:r>
+            <a:r>
+              <a:rPr lang="fr-BE" sz="2000" dirty="0">
                 <a:solidFill>
                   <a:schemeClr val="bg2">
                     <a:lumMod val="10000"/>
                   </a:schemeClr>
                 </a:solidFill>
               </a:rPr>
-              <a:t>Light -</a:t>
-            </a:r>
-            <a:r>
-              <a:rPr lang="fr-BE" sz="2000" dirty="0">
+              <a:t> </a:t>
+            </a:r>
+            <a:r>
+              <a:rPr lang="fr-BE" sz="2000" dirty="0" smtClean="0">
                 <a:solidFill>
                   <a:schemeClr val="bg2">
                     <a:lumMod val="10000"/>
                   </a:schemeClr>
                 </a:solidFill>
               </a:rPr>
-              <a:t> Shape3D</a:t>
-            </a:r>
+              <a:t>Shape3D ]</a:t>
+            </a:r>
+            <a:endParaRPr lang="fr-BE" sz="2000" dirty="0" smtClean="0">
+              <a:solidFill>
+                <a:schemeClr val="bg2">
+                  <a:lumMod val="10000"/>
+                </a:schemeClr>
+              </a:solidFill>
+            </a:endParaRPr>
+          </a:p>
+          <a:p>
+            <a:pPr marL="914400" lvl="2" indent="0">
+              <a:buNone/>
+            </a:pPr>
             <a:r>
               <a:rPr lang="fr-BE" sz="2000" dirty="0" smtClean="0">
                 <a:solidFill>
@@ -8798,22 +9179,7 @@
                   </a:schemeClr>
                 </a:solidFill>
               </a:rPr>
-              <a:t>.]</a:t>
-            </a:r>
-          </a:p>
-          <a:p>
-            <a:pPr marL="914400" lvl="2" indent="0">
-              <a:buNone/>
-            </a:pPr>
-            <a:r>
-              <a:rPr lang="fr-BE" sz="2000" dirty="0" smtClean="0">
-                <a:solidFill>
-                  <a:schemeClr val="bg2">
-                    <a:lumMod val="10000"/>
-                  </a:schemeClr>
-                </a:solidFill>
-              </a:rPr>
-              <a:t>On ajoute une feuille a un group avec la fonction </a:t>
+              <a:t>On ajoute une feuille à un group avec la fonction </a:t>
             </a:r>
           </a:p>
           <a:p>
@@ -9064,11 +9430,7 @@
           <a:p>
             <a:r>
               <a:rPr lang="fr-BE" dirty="0" smtClean="0"/>
-              <a:t>Graphe de </a:t>
-            </a:r>
-            <a:r>
-              <a:rPr lang="fr-BE" dirty="0" smtClean="0"/>
-              <a:t>scène </a:t>
+              <a:t>Graphe de scène </a:t>
             </a:r>
             <a:endParaRPr lang="fr-BE" dirty="0"/>
           </a:p>
@@ -9134,13 +9496,12 @@
             </a:r>
             <a:r>
               <a:rPr lang="fr-BE" dirty="0" smtClean="0"/>
-              <a:t>programme </a:t>
+              <a:t>un programme </a:t>
             </a:r>
             <a:r>
               <a:rPr lang="fr-BE" dirty="0"/>
               <a:t>3D traçant un cube multicolore </a:t>
             </a:r>
-            <a:endParaRPr lang="fr-BE" dirty="0"/>
           </a:p>
         </p:txBody>
       </p:sp>
@@ -9361,8 +9722,8 @@
           </a:lstStyle>
           <a:p>
             <a:r>
-              <a:rPr lang="fr-BE" dirty="0" smtClean="0"/>
-              <a:t>Rotation appliqué a notre cube multicolore suivie d’une translation </a:t>
+              <a:rPr lang="fr-BE" sz="2200" dirty="0" smtClean="0"/>
+              <a:t>Rotation appliquée à notre cube multicolore suivie d’une translation </a:t>
             </a:r>
           </a:p>
         </p:txBody>

--- a/powerpoint/Présentation1.pptx
+++ b/powerpoint/Présentation1.pptx
@@ -1692,6 +1692,10 @@
           <a:bodyPr/>
           <a:lstStyle/>
           <a:p>
+            <a:r>
+              <a:rPr lang="fr-BE" baseline="0" smtClean="0"/>
+              <a:t>TOTO</a:t>
+            </a:r>
             <a:endParaRPr lang="fr-BE" baseline="0" dirty="0" smtClean="0"/>
           </a:p>
         </p:txBody>
@@ -8292,36 +8296,20 @@
           <a:p>
             <a:r>
               <a:rPr lang="fr-BE" dirty="0" smtClean="0"/>
-              <a:t>1998 </a:t>
-            </a:r>
-            <a:r>
-              <a:rPr lang="fr-BE" dirty="0" smtClean="0"/>
-              <a:t>:  première version.</a:t>
+              <a:t>1998 :  première version.</a:t>
             </a:r>
             <a:endParaRPr lang="fr-BE" dirty="0"/>
           </a:p>
           <a:p>
             <a:r>
               <a:rPr lang="en-US" dirty="0" smtClean="0"/>
-              <a:t>2003-2004 : </a:t>
-            </a:r>
+              <a:t>2003-2004 : Arrêt du projet.</a:t>
+            </a:r>
+          </a:p>
+          <a:p>
             <a:r>
               <a:rPr lang="en-US" dirty="0" smtClean="0"/>
-              <a:t>Arrêt </a:t>
-            </a:r>
-            <a:r>
-              <a:rPr lang="en-US" dirty="0" smtClean="0"/>
-              <a:t>du projet.</a:t>
-            </a:r>
-          </a:p>
-          <a:p>
-            <a:r>
-              <a:rPr lang="en-US" dirty="0" smtClean="0"/>
-              <a:t>2004  : le </a:t>
-            </a:r>
-            <a:r>
-              <a:rPr lang="en-US" dirty="0" smtClean="0"/>
-              <a:t>projet est </a:t>
+              <a:t>2004  : le projet est </a:t>
             </a:r>
             <a:r>
               <a:rPr lang="en-US" dirty="0"/>
@@ -8957,15 +8945,7 @@
           <a:p>
             <a:r>
               <a:rPr lang="fr-BE" dirty="0" smtClean="0"/>
-              <a:t>2 </a:t>
-            </a:r>
-            <a:r>
-              <a:rPr lang="fr-BE" dirty="0" smtClean="0"/>
-              <a:t>types </a:t>
-            </a:r>
-            <a:r>
-              <a:rPr lang="fr-BE" dirty="0" smtClean="0"/>
-              <a:t>de nœuds : </a:t>
+              <a:t>2 types de nœuds : </a:t>
             </a:r>
           </a:p>
           <a:p>
@@ -9057,17 +9037,17 @@
                   </a:schemeClr>
                 </a:solidFill>
               </a:rPr>
-              <a:t>Leaf-&gt; </a:t>
-            </a:r>
-            <a:r>
-              <a:rPr lang="fr-BE" sz="2000" dirty="0" smtClean="0">
+              <a:t>Leaf-&gt; [ BackGround -</a:t>
+            </a:r>
+            <a:r>
+              <a:rPr lang="fr-BE" sz="2000" dirty="0">
                 <a:solidFill>
                   <a:schemeClr val="bg2">
                     <a:lumMod val="10000"/>
                   </a:schemeClr>
                 </a:solidFill>
               </a:rPr>
-              <a:t>[ BackGround </a:t>
+              <a:t> </a:t>
             </a:r>
             <a:r>
               <a:rPr lang="fr-BE" sz="2000" dirty="0" smtClean="0">
@@ -9077,7 +9057,7 @@
                   </a:schemeClr>
                 </a:solidFill>
               </a:rPr>
-              <a:t>-</a:t>
+              <a:t>Behavior</a:t>
             </a:r>
             <a:r>
               <a:rPr lang="fr-BE" sz="2000" dirty="0">
@@ -9087,7 +9067,7 @@
                   </a:schemeClr>
                 </a:solidFill>
               </a:rPr>
-              <a:t> </a:t>
+              <a:t> </a:t>
             </a:r>
             <a:r>
               <a:rPr lang="fr-BE" sz="2000" dirty="0" smtClean="0">
@@ -9097,7 +9077,7 @@
                   </a:schemeClr>
                 </a:solidFill>
               </a:rPr>
-              <a:t>Behavior</a:t>
+              <a:t>-</a:t>
             </a:r>
             <a:r>
               <a:rPr lang="fr-BE" sz="2000" dirty="0">
@@ -9107,7 +9087,7 @@
                   </a:schemeClr>
                 </a:solidFill>
               </a:rPr>
-              <a:t> </a:t>
+              <a:t> </a:t>
             </a:r>
             <a:r>
               <a:rPr lang="fr-BE" sz="2000" dirty="0" smtClean="0">
@@ -9117,7 +9097,7 @@
                   </a:schemeClr>
                 </a:solidFill>
               </a:rPr>
-              <a:t>-</a:t>
+              <a:t>Light -</a:t>
             </a:r>
             <a:r>
               <a:rPr lang="fr-BE" sz="2000" dirty="0">
@@ -9137,35 +9117,8 @@
                   </a:schemeClr>
                 </a:solidFill>
               </a:rPr>
-              <a:t>Light -</a:t>
-            </a:r>
-            <a:r>
-              <a:rPr lang="fr-BE" sz="2000" dirty="0">
-                <a:solidFill>
-                  <a:schemeClr val="bg2">
-                    <a:lumMod val="10000"/>
-                  </a:schemeClr>
-                </a:solidFill>
-              </a:rPr>
-              <a:t> </a:t>
-            </a:r>
-            <a:r>
-              <a:rPr lang="fr-BE" sz="2000" dirty="0" smtClean="0">
-                <a:solidFill>
-                  <a:schemeClr val="bg2">
-                    <a:lumMod val="10000"/>
-                  </a:schemeClr>
-                </a:solidFill>
-              </a:rPr>
               <a:t>Shape3D ]</a:t>
             </a:r>
-            <a:endParaRPr lang="fr-BE" sz="2000" dirty="0" smtClean="0">
-              <a:solidFill>
-                <a:schemeClr val="bg2">
-                  <a:lumMod val="10000"/>
-                </a:schemeClr>
-              </a:solidFill>
-            </a:endParaRPr>
           </a:p>
           <a:p>
             <a:pPr marL="914400" lvl="2" indent="0">

--- a/powerpoint/Présentation1.pptx
+++ b/powerpoint/Présentation1.pptx
@@ -5,7 +5,7 @@
     <p:sldMasterId id="2147483648" r:id="rId1"/>
   </p:sldMasterIdLst>
   <p:notesMasterIdLst>
-    <p:notesMasterId r:id="rId21"/>
+    <p:notesMasterId r:id="rId22"/>
   </p:notesMasterIdLst>
   <p:sldIdLst>
     <p:sldId id="256" r:id="rId2"/>
@@ -20,13 +20,14 @@
     <p:sldId id="271" r:id="rId11"/>
     <p:sldId id="266" r:id="rId12"/>
     <p:sldId id="272" r:id="rId13"/>
-    <p:sldId id="273" r:id="rId14"/>
-    <p:sldId id="274" r:id="rId15"/>
-    <p:sldId id="270" r:id="rId16"/>
-    <p:sldId id="260" r:id="rId17"/>
-    <p:sldId id="264" r:id="rId18"/>
-    <p:sldId id="265" r:id="rId19"/>
-    <p:sldId id="261" r:id="rId20"/>
+    <p:sldId id="275" r:id="rId14"/>
+    <p:sldId id="273" r:id="rId15"/>
+    <p:sldId id="274" r:id="rId16"/>
+    <p:sldId id="270" r:id="rId17"/>
+    <p:sldId id="260" r:id="rId18"/>
+    <p:sldId id="264" r:id="rId19"/>
+    <p:sldId id="265" r:id="rId20"/>
+    <p:sldId id="261" r:id="rId21"/>
   </p:sldIdLst>
   <p:sldSz cx="9144000" cy="6858000" type="screen4x3"/>
   <p:notesSz cx="6858000" cy="9144000"/>
@@ -1570,7 +1571,7 @@
       </p:grpSpPr>
       <p:sp>
         <p:nvSpPr>
-          <p:cNvPr id="2" name="Slide Image Placeholder 1"/>
+          <p:cNvPr id="2" name="Espace réservé de l'image des diapositives 1"/>
           <p:cNvSpPr>
             <a:spLocks noGrp="1" noRot="1" noChangeAspect="1"/>
           </p:cNvSpPr>
@@ -1582,7 +1583,7 @@
       </p:sp>
       <p:sp>
         <p:nvSpPr>
-          <p:cNvPr id="3" name="Notes Placeholder 2"/>
+          <p:cNvPr id="3" name="Espace réservé des commentaires 2"/>
           <p:cNvSpPr>
             <a:spLocks noGrp="1"/>
           </p:cNvSpPr>
@@ -1595,26 +1596,13 @@
           <a:bodyPr/>
           <a:lstStyle/>
           <a:p>
-            <a:r>
-              <a:rPr lang="fr-BE" dirty="0" smtClean="0"/>
-              <a:t>Primitive -&gt;</a:t>
-            </a:r>
-            <a:r>
-              <a:rPr lang="fr-BE" baseline="0" dirty="0" smtClean="0"/>
-              <a:t> formes basiques</a:t>
-            </a:r>
-          </a:p>
-          <a:p>
-            <a:r>
-              <a:rPr lang="fr-BE" baseline="0" dirty="0" smtClean="0"/>
-              <a:t>Shape3D -&gt; formes plus complexes</a:t>
-            </a:r>
-          </a:p>
-        </p:txBody>
-      </p:sp>
-      <p:sp>
-        <p:nvSpPr>
-          <p:cNvPr id="4" name="Slide Number Placeholder 3"/>
+            <a:endParaRPr lang="fr-BE" dirty="0"/>
+          </a:p>
+        </p:txBody>
+      </p:sp>
+      <p:sp>
+        <p:nvSpPr>
+          <p:cNvPr id="4" name="Espace réservé du numéro de diapositive 3"/>
           <p:cNvSpPr>
             <a:spLocks noGrp="1"/>
           </p:cNvSpPr>
@@ -1638,7 +1626,7 @@
     </p:spTree>
     <p:extLst>
       <p:ext uri="{BB962C8B-B14F-4D97-AF65-F5344CB8AC3E}">
-        <p14:creationId xmlns:p14="http://schemas.microsoft.com/office/powerpoint/2010/main" val="1289593922"/>
+        <p14:creationId xmlns:p14="http://schemas.microsoft.com/office/powerpoint/2010/main" val="4098458345"/>
       </p:ext>
     </p:extLst>
   </p:cSld>
@@ -1693,8 +1681,15 @@
           <a:lstStyle/>
           <a:p>
             <a:r>
-              <a:rPr lang="fr-BE" baseline="0" smtClean="0"/>
-              <a:t>TOTO</a:t>
+              <a:rPr lang="fr-BE" dirty="0" smtClean="0"/>
+              <a:t>Les formes de base dérivent de Primitive</a:t>
+            </a:r>
+            <a:endParaRPr lang="fr-BE" baseline="0" dirty="0" smtClean="0"/>
+          </a:p>
+          <a:p>
+            <a:r>
+              <a:rPr lang="fr-BE" baseline="0" dirty="0" smtClean="0"/>
+              <a:t>Les formes plus complexes dérivent de Shape3D</a:t>
             </a:r>
             <a:endParaRPr lang="fr-BE" baseline="0" dirty="0" smtClean="0"/>
           </a:p>
@@ -1726,7 +1721,7 @@
     </p:spTree>
     <p:extLst>
       <p:ext uri="{BB962C8B-B14F-4D97-AF65-F5344CB8AC3E}">
-        <p14:creationId xmlns:p14="http://schemas.microsoft.com/office/powerpoint/2010/main" val="399359772"/>
+        <p14:creationId xmlns:p14="http://schemas.microsoft.com/office/powerpoint/2010/main" val="1289593922"/>
       </p:ext>
     </p:extLst>
   </p:cSld>
@@ -1780,6 +1775,94 @@
           <a:bodyPr/>
           <a:lstStyle/>
           <a:p>
+            <a:r>
+              <a:rPr lang="fr-BE" baseline="0" smtClean="0"/>
+              <a:t>TOTO</a:t>
+            </a:r>
+            <a:endParaRPr lang="fr-BE" baseline="0" dirty="0" smtClean="0"/>
+          </a:p>
+        </p:txBody>
+      </p:sp>
+      <p:sp>
+        <p:nvSpPr>
+          <p:cNvPr id="4" name="Slide Number Placeholder 3"/>
+          <p:cNvSpPr>
+            <a:spLocks noGrp="1"/>
+          </p:cNvSpPr>
+          <p:nvPr>
+            <p:ph type="sldNum" sz="quarter" idx="10"/>
+          </p:nvPr>
+        </p:nvSpPr>
+        <p:spPr/>
+        <p:txBody>
+          <a:bodyPr/>
+          <a:lstStyle/>
+          <a:p>
+            <a:fld id="{F9B9F26C-5E20-463A-A30E-4B3CD8C634F9}" type="slidenum">
+              <a:rPr lang="en-US" smtClean="0"/>
+              <a:t>15</a:t>
+            </a:fld>
+            <a:endParaRPr lang="en-US"/>
+          </a:p>
+        </p:txBody>
+      </p:sp>
+    </p:spTree>
+    <p:extLst>
+      <p:ext uri="{BB962C8B-B14F-4D97-AF65-F5344CB8AC3E}">
+        <p14:creationId xmlns:p14="http://schemas.microsoft.com/office/powerpoint/2010/main" val="399359772"/>
+      </p:ext>
+    </p:extLst>
+  </p:cSld>
+  <p:clrMapOvr>
+    <a:masterClrMapping/>
+  </p:clrMapOvr>
+</p:notes>
+</file>
+
+<file path=ppt/notesSlides/notesSlide9.xml><?xml version="1.0" encoding="utf-8"?>
+<p:notes xmlns:a="http://schemas.openxmlformats.org/drawingml/2006/main" xmlns:r="http://schemas.openxmlformats.org/officeDocument/2006/relationships" xmlns:p="http://schemas.openxmlformats.org/presentationml/2006/main">
+  <p:cSld>
+    <p:spTree>
+      <p:nvGrpSpPr>
+        <p:cNvPr id="1" name=""/>
+        <p:cNvGrpSpPr/>
+        <p:nvPr/>
+      </p:nvGrpSpPr>
+      <p:grpSpPr>
+        <a:xfrm>
+          <a:off x="0" y="0"/>
+          <a:ext cx="0" cy="0"/>
+          <a:chOff x="0" y="0"/>
+          <a:chExt cx="0" cy="0"/>
+        </a:xfrm>
+      </p:grpSpPr>
+      <p:sp>
+        <p:nvSpPr>
+          <p:cNvPr id="2" name="Slide Image Placeholder 1"/>
+          <p:cNvSpPr>
+            <a:spLocks noGrp="1" noRot="1" noChangeAspect="1"/>
+          </p:cNvSpPr>
+          <p:nvPr>
+            <p:ph type="sldImg"/>
+          </p:nvPr>
+        </p:nvSpPr>
+        <p:spPr/>
+      </p:sp>
+      <p:sp>
+        <p:nvSpPr>
+          <p:cNvPr id="3" name="Notes Placeholder 2"/>
+          <p:cNvSpPr>
+            <a:spLocks noGrp="1"/>
+          </p:cNvSpPr>
+          <p:nvPr>
+            <p:ph type="body" idx="1"/>
+          </p:nvPr>
+        </p:nvSpPr>
+        <p:spPr/>
+        <p:txBody>
+          <a:bodyPr/>
+          <a:lstStyle/>
+          <a:p>
             <a:endParaRPr lang="en-US" dirty="0"/>
           </a:p>
         </p:txBody>
@@ -1806,7 +1889,7 @@
                 </a:solidFill>
               </a:rPr>
               <a:pPr/>
-              <a:t>19</a:t>
+              <a:t>20</a:t>
             </a:fld>
             <a:endParaRPr lang="en-US">
               <a:solidFill>
@@ -5868,44 +5951,23 @@
             <p:ph type="title"/>
           </p:nvPr>
         </p:nvSpPr>
-        <p:spPr/>
-        <p:txBody>
-          <a:bodyPr/>
-          <a:lstStyle/>
-          <a:p>
-            <a:r>
-              <a:rPr lang="fr-BE" dirty="0" smtClean="0"/>
-              <a:t>Formes de base</a:t>
-            </a:r>
-            <a:endParaRPr lang="fr-BE" dirty="0"/>
-          </a:p>
-        </p:txBody>
-      </p:sp>
-      <p:sp>
-        <p:nvSpPr>
-          <p:cNvPr id="3" name="Espace réservé du texte 2"/>
-          <p:cNvSpPr>
-            <a:spLocks noGrp="1"/>
-          </p:cNvSpPr>
-          <p:nvPr>
-            <p:ph type="body" idx="1"/>
-          </p:nvPr>
-        </p:nvSpPr>
         <p:spPr>
           <a:xfrm>
-            <a:off x="440731" y="1596539"/>
-            <a:ext cx="4123034" cy="571629"/>
+            <a:off x="5182819" y="833015"/>
+            <a:ext cx="2884925" cy="763525"/>
           </a:xfrm>
         </p:spPr>
         <p:txBody>
-          <a:bodyPr/>
-          <a:lstStyle/>
-          <a:p>
-            <a:r>
-              <a:rPr lang="fr-BE" u="sng" dirty="0" smtClean="0"/>
-              <a:t>Dérivées de « Primitive »</a:t>
-            </a:r>
-            <a:endParaRPr lang="fr-BE" u="sng" dirty="0"/>
+          <a:bodyPr>
+            <a:normAutofit/>
+          </a:bodyPr>
+          <a:lstStyle/>
+          <a:p>
+            <a:r>
+              <a:rPr lang="fr-BE" dirty="0" smtClean="0"/>
+              <a:t>Arrière-plan</a:t>
+            </a:r>
+            <a:endParaRPr lang="fr-BE" dirty="0"/>
           </a:p>
         </p:txBody>
       </p:sp>
@@ -5921,108 +5983,37 @@
         </p:nvSpPr>
         <p:spPr>
           <a:xfrm>
-            <a:off x="448965" y="2323617"/>
-            <a:ext cx="4428445" cy="1686704"/>
+            <a:off x="448965" y="2626284"/>
+            <a:ext cx="8398775" cy="3856815"/>
           </a:xfrm>
         </p:spPr>
         <p:txBody>
-          <a:bodyPr>
-            <a:normAutofit lnSpcReduction="10000"/>
-          </a:bodyPr>
+          <a:bodyPr/>
           <a:lstStyle/>
           <a:p>
             <a:r>
               <a:rPr lang="fr-BE" dirty="0" smtClean="0"/>
-              <a:t>Parallélipipède (classe « Box »)</a:t>
+              <a:t>Classe « Background »</a:t>
             </a:r>
           </a:p>
           <a:p>
             <a:r>
               <a:rPr lang="fr-BE" dirty="0" smtClean="0"/>
-              <a:t>Sphère (classe « Spere »)</a:t>
+              <a:t>Par défaut : noir</a:t>
             </a:r>
           </a:p>
           <a:p>
             <a:r>
               <a:rPr lang="fr-BE" dirty="0" smtClean="0"/>
-              <a:t>Cylindre (classe « Cylinder »)</a:t>
-            </a:r>
-          </a:p>
-          <a:p>
-            <a:r>
-              <a:rPr lang="fr-BE" dirty="0" smtClean="0"/>
-              <a:t>Cône (classe « Cone »)</a:t>
-            </a:r>
-            <a:endParaRPr lang="fr-BE" dirty="0"/>
-          </a:p>
-        </p:txBody>
-      </p:sp>
-      <p:sp>
-        <p:nvSpPr>
-          <p:cNvPr id="7" name="Espace réservé du texte 2"/>
-          <p:cNvSpPr>
-            <a:spLocks noGrp="1"/>
-          </p:cNvSpPr>
-          <p:nvPr>
-            <p:ph type="body" idx="1"/>
-          </p:nvPr>
-        </p:nvSpPr>
-        <p:spPr>
-          <a:xfrm>
-            <a:off x="4113885" y="4212123"/>
-            <a:ext cx="3449377" cy="571629"/>
-          </a:xfrm>
-        </p:spPr>
-        <p:txBody>
-          <a:bodyPr/>
-          <a:lstStyle/>
-          <a:p>
-            <a:r>
-              <a:rPr lang="fr-BE" u="sng" dirty="0" smtClean="0"/>
-              <a:t>Dérivées de « Shape3D »</a:t>
-            </a:r>
-            <a:endParaRPr lang="fr-BE" u="sng" dirty="0"/>
-          </a:p>
-        </p:txBody>
-      </p:sp>
-      <p:sp>
-        <p:nvSpPr>
-          <p:cNvPr id="8" name="Espace réservé du contenu 3"/>
-          <p:cNvSpPr>
-            <a:spLocks noGrp="1"/>
-          </p:cNvSpPr>
-          <p:nvPr>
-            <p:ph sz="half" idx="2"/>
-          </p:nvPr>
-        </p:nvSpPr>
-        <p:spPr>
-          <a:xfrm>
-            <a:off x="4113885" y="4937999"/>
-            <a:ext cx="4877410" cy="1068935"/>
-          </a:xfrm>
-        </p:spPr>
-        <p:txBody>
-          <a:bodyPr/>
-          <a:lstStyle/>
-          <a:p>
-            <a:r>
-              <a:rPr lang="fr-BE" dirty="0" smtClean="0"/>
-              <a:t>Cube coloré (classe « ColorCube »)</a:t>
-            </a:r>
-          </a:p>
-          <a:p>
-            <a:r>
-              <a:rPr lang="fr-BE" dirty="0" smtClean="0"/>
-              <a:t>Texte 2D (classe « Text2D »)</a:t>
-            </a:r>
-            <a:endParaRPr lang="fr-BE" dirty="0"/>
+              <a:t>Possibilité de changer la couleur ou appliquer une image</a:t>
+            </a:r>
           </a:p>
         </p:txBody>
       </p:sp>
     </p:spTree>
     <p:extLst>
       <p:ext uri="{BB962C8B-B14F-4D97-AF65-F5344CB8AC3E}">
-        <p14:creationId xmlns:p14="http://schemas.microsoft.com/office/powerpoint/2010/main" val="977299868"/>
+        <p14:creationId xmlns:p14="http://schemas.microsoft.com/office/powerpoint/2010/main" val="3928622953"/>
       </p:ext>
     </p:extLst>
   </p:cSld>
@@ -6059,23 +6050,44 @@
             <p:ph type="title"/>
           </p:nvPr>
         </p:nvSpPr>
+        <p:spPr/>
+        <p:txBody>
+          <a:bodyPr/>
+          <a:lstStyle/>
+          <a:p>
+            <a:r>
+              <a:rPr lang="fr-BE" dirty="0" smtClean="0"/>
+              <a:t>Formes de base</a:t>
+            </a:r>
+            <a:endParaRPr lang="fr-BE" dirty="0"/>
+          </a:p>
+        </p:txBody>
+      </p:sp>
+      <p:sp>
+        <p:nvSpPr>
+          <p:cNvPr id="3" name="Espace réservé du texte 2"/>
+          <p:cNvSpPr>
+            <a:spLocks noGrp="1"/>
+          </p:cNvSpPr>
+          <p:nvPr>
+            <p:ph type="body" idx="1"/>
+          </p:nvPr>
+        </p:nvSpPr>
         <p:spPr>
           <a:xfrm>
-            <a:off x="705605" y="1012974"/>
-            <a:ext cx="8229600" cy="763525"/>
+            <a:off x="440731" y="1596539"/>
+            <a:ext cx="4123034" cy="571629"/>
           </a:xfrm>
         </p:spPr>
         <p:txBody>
-          <a:bodyPr>
-            <a:normAutofit/>
-          </a:bodyPr>
-          <a:lstStyle/>
-          <a:p>
-            <a:r>
-              <a:rPr lang="fr-BE" dirty="0" smtClean="0"/>
-              <a:t>Création formes complexes</a:t>
-            </a:r>
-            <a:endParaRPr lang="fr-BE" dirty="0"/>
+          <a:bodyPr/>
+          <a:lstStyle/>
+          <a:p>
+            <a:r>
+              <a:rPr lang="fr-BE" u="sng" dirty="0" smtClean="0"/>
+              <a:t>Dérivées de « Primitive »</a:t>
+            </a:r>
+            <a:endParaRPr lang="fr-BE" u="sng" dirty="0"/>
           </a:p>
         </p:txBody>
       </p:sp>
@@ -6091,88 +6103,108 @@
         </p:nvSpPr>
         <p:spPr>
           <a:xfrm>
-            <a:off x="448966" y="1776499"/>
-            <a:ext cx="7787954" cy="4859306"/>
+            <a:off x="448965" y="2323617"/>
+            <a:ext cx="4428445" cy="1686704"/>
           </a:xfrm>
         </p:spPr>
         <p:txBody>
           <a:bodyPr>
-            <a:normAutofit/>
+            <a:normAutofit lnSpcReduction="10000"/>
           </a:bodyPr>
           <a:lstStyle/>
           <a:p>
             <a:r>
               <a:rPr lang="fr-BE" dirty="0" smtClean="0"/>
-              <a:t>Créer une Shape3d</a:t>
+              <a:t>Parallélipipède (classe « Box »)</a:t>
             </a:r>
           </a:p>
           <a:p>
             <a:r>
               <a:rPr lang="fr-BE" dirty="0" smtClean="0"/>
-              <a:t>Créer une Geometry</a:t>
-            </a:r>
-          </a:p>
-          <a:p>
-            <a:pPr lvl="1"/>
+              <a:t>Sphère (classe « Spere »)</a:t>
+            </a:r>
+          </a:p>
+          <a:p>
             <a:r>
               <a:rPr lang="fr-BE" dirty="0" smtClean="0"/>
-              <a:t>PointArray</a:t>
-            </a:r>
-          </a:p>
-          <a:p>
-            <a:pPr lvl="1"/>
+              <a:t>Cylindre (classe « Cylinder »)</a:t>
+            </a:r>
+          </a:p>
+          <a:p>
             <a:r>
               <a:rPr lang="fr-BE" dirty="0" smtClean="0"/>
-              <a:t>LineArray</a:t>
-            </a:r>
-          </a:p>
-          <a:p>
-            <a:pPr lvl="1"/>
+              <a:t>Cône (classe « Cone »)</a:t>
+            </a:r>
+            <a:endParaRPr lang="fr-BE" dirty="0"/>
+          </a:p>
+        </p:txBody>
+      </p:sp>
+      <p:sp>
+        <p:nvSpPr>
+          <p:cNvPr id="7" name="Espace réservé du texte 2"/>
+          <p:cNvSpPr>
+            <a:spLocks noGrp="1"/>
+          </p:cNvSpPr>
+          <p:nvPr>
+            <p:ph type="body" idx="1"/>
+          </p:nvPr>
+        </p:nvSpPr>
+        <p:spPr>
+          <a:xfrm>
+            <a:off x="4113885" y="4212123"/>
+            <a:ext cx="3449377" cy="571629"/>
+          </a:xfrm>
+        </p:spPr>
+        <p:txBody>
+          <a:bodyPr/>
+          <a:lstStyle/>
+          <a:p>
+            <a:r>
+              <a:rPr lang="fr-BE" u="sng" dirty="0" smtClean="0"/>
+              <a:t>Dérivées de « Shape3D »</a:t>
+            </a:r>
+            <a:endParaRPr lang="fr-BE" u="sng" dirty="0"/>
+          </a:p>
+        </p:txBody>
+      </p:sp>
+      <p:sp>
+        <p:nvSpPr>
+          <p:cNvPr id="8" name="Espace réservé du contenu 3"/>
+          <p:cNvSpPr>
+            <a:spLocks noGrp="1"/>
+          </p:cNvSpPr>
+          <p:nvPr>
+            <p:ph sz="half" idx="2"/>
+          </p:nvPr>
+        </p:nvSpPr>
+        <p:spPr>
+          <a:xfrm>
+            <a:off x="4113885" y="4937999"/>
+            <a:ext cx="4877410" cy="1068935"/>
+          </a:xfrm>
+        </p:spPr>
+        <p:txBody>
+          <a:bodyPr/>
+          <a:lstStyle/>
+          <a:p>
             <a:r>
               <a:rPr lang="fr-BE" dirty="0" smtClean="0"/>
-              <a:t>TriangleArray</a:t>
-            </a:r>
-          </a:p>
-          <a:p>
-            <a:pPr lvl="1"/>
+              <a:t>Cube coloré (classe « ColorCube »)</a:t>
+            </a:r>
+          </a:p>
+          <a:p>
             <a:r>
               <a:rPr lang="fr-BE" dirty="0" smtClean="0"/>
-              <a:t>QuadArray</a:t>
-            </a:r>
-          </a:p>
-          <a:p>
-            <a:pPr lvl="1"/>
-            <a:r>
-              <a:rPr lang="fr-BE" dirty="0" smtClean="0"/>
-              <a:t>LineStripArray</a:t>
-            </a:r>
-          </a:p>
-          <a:p>
-            <a:pPr lvl="1"/>
-            <a:r>
-              <a:rPr lang="fr-BE" dirty="0" smtClean="0"/>
-              <a:t>TriangleStripArray</a:t>
-            </a:r>
-          </a:p>
-          <a:p>
-            <a:pPr lvl="1"/>
-            <a:r>
-              <a:rPr lang="fr-BE" dirty="0" smtClean="0"/>
-              <a:t>TriangleFanArray</a:t>
-            </a:r>
-          </a:p>
-          <a:p>
-            <a:r>
-              <a:rPr lang="fr-BE" dirty="0" smtClean="0"/>
-              <a:t>Possibilité de réutiliser certains points (géométrie indicée) -&gt; optimisation mémoire</a:t>
-            </a:r>
+              <a:t>Texte 2D (classe « Text2D »)</a:t>
+            </a:r>
+            <a:endParaRPr lang="fr-BE" dirty="0"/>
           </a:p>
         </p:txBody>
       </p:sp>
     </p:spTree>
     <p:extLst>
       <p:ext uri="{BB962C8B-B14F-4D97-AF65-F5344CB8AC3E}">
-        <p14:creationId xmlns:p14="http://schemas.microsoft.com/office/powerpoint/2010/main" val="2277811695"/>
+        <p14:creationId xmlns:p14="http://schemas.microsoft.com/office/powerpoint/2010/main" val="977299868"/>
       </p:ext>
     </p:extLst>
   </p:cSld>
@@ -6209,6 +6241,156 @@
             <p:ph type="title"/>
           </p:nvPr>
         </p:nvSpPr>
+        <p:spPr>
+          <a:xfrm>
+            <a:off x="705605" y="1012974"/>
+            <a:ext cx="8229600" cy="763525"/>
+          </a:xfrm>
+        </p:spPr>
+        <p:txBody>
+          <a:bodyPr>
+            <a:normAutofit/>
+          </a:bodyPr>
+          <a:lstStyle/>
+          <a:p>
+            <a:r>
+              <a:rPr lang="fr-BE" dirty="0" smtClean="0"/>
+              <a:t>Création formes complexes</a:t>
+            </a:r>
+            <a:endParaRPr lang="fr-BE" dirty="0"/>
+          </a:p>
+        </p:txBody>
+      </p:sp>
+      <p:sp>
+        <p:nvSpPr>
+          <p:cNvPr id="4" name="Espace réservé du contenu 3"/>
+          <p:cNvSpPr>
+            <a:spLocks noGrp="1"/>
+          </p:cNvSpPr>
+          <p:nvPr>
+            <p:ph sz="half" idx="2"/>
+          </p:nvPr>
+        </p:nvSpPr>
+        <p:spPr>
+          <a:xfrm>
+            <a:off x="448966" y="1776499"/>
+            <a:ext cx="7787954" cy="4859306"/>
+          </a:xfrm>
+        </p:spPr>
+        <p:txBody>
+          <a:bodyPr>
+            <a:normAutofit/>
+          </a:bodyPr>
+          <a:lstStyle/>
+          <a:p>
+            <a:r>
+              <a:rPr lang="fr-BE" dirty="0" smtClean="0"/>
+              <a:t>Créer une Shape3d</a:t>
+            </a:r>
+          </a:p>
+          <a:p>
+            <a:r>
+              <a:rPr lang="fr-BE" dirty="0" smtClean="0"/>
+              <a:t>Créer une Geometry</a:t>
+            </a:r>
+          </a:p>
+          <a:p>
+            <a:pPr lvl="1"/>
+            <a:r>
+              <a:rPr lang="fr-BE" dirty="0" smtClean="0"/>
+              <a:t>PointArray</a:t>
+            </a:r>
+          </a:p>
+          <a:p>
+            <a:pPr lvl="1"/>
+            <a:r>
+              <a:rPr lang="fr-BE" dirty="0" smtClean="0"/>
+              <a:t>LineArray</a:t>
+            </a:r>
+          </a:p>
+          <a:p>
+            <a:pPr lvl="1"/>
+            <a:r>
+              <a:rPr lang="fr-BE" dirty="0" smtClean="0"/>
+              <a:t>TriangleArray</a:t>
+            </a:r>
+          </a:p>
+          <a:p>
+            <a:pPr lvl="1"/>
+            <a:r>
+              <a:rPr lang="fr-BE" dirty="0" smtClean="0"/>
+              <a:t>QuadArray</a:t>
+            </a:r>
+          </a:p>
+          <a:p>
+            <a:pPr lvl="1"/>
+            <a:r>
+              <a:rPr lang="fr-BE" dirty="0" smtClean="0"/>
+              <a:t>LineStripArray</a:t>
+            </a:r>
+          </a:p>
+          <a:p>
+            <a:pPr lvl="1"/>
+            <a:r>
+              <a:rPr lang="fr-BE" dirty="0" smtClean="0"/>
+              <a:t>TriangleStripArray</a:t>
+            </a:r>
+          </a:p>
+          <a:p>
+            <a:pPr lvl="1"/>
+            <a:r>
+              <a:rPr lang="fr-BE" dirty="0" smtClean="0"/>
+              <a:t>TriangleFanArray</a:t>
+            </a:r>
+          </a:p>
+          <a:p>
+            <a:r>
+              <a:rPr lang="fr-BE" dirty="0" smtClean="0"/>
+              <a:t>Possibilité de réutiliser certains points (géométrie indicée) -&gt; optimisation mémoire</a:t>
+            </a:r>
+          </a:p>
+        </p:txBody>
+      </p:sp>
+    </p:spTree>
+    <p:extLst>
+      <p:ext uri="{BB962C8B-B14F-4D97-AF65-F5344CB8AC3E}">
+        <p14:creationId xmlns:p14="http://schemas.microsoft.com/office/powerpoint/2010/main" val="2277811695"/>
+      </p:ext>
+    </p:extLst>
+  </p:cSld>
+  <p:clrMapOvr>
+    <a:masterClrMapping/>
+  </p:clrMapOvr>
+</p:sld>
+</file>
+
+<file path=ppt/slides/slide16.xml><?xml version="1.0" encoding="utf-8"?>
+<p:sld xmlns:a="http://schemas.openxmlformats.org/drawingml/2006/main" xmlns:r="http://schemas.openxmlformats.org/officeDocument/2006/relationships" xmlns:p="http://schemas.openxmlformats.org/presentationml/2006/main">
+  <p:cSld>
+    <p:spTree>
+      <p:nvGrpSpPr>
+        <p:cNvPr id="1" name=""/>
+        <p:cNvGrpSpPr/>
+        <p:nvPr/>
+      </p:nvGrpSpPr>
+      <p:grpSpPr>
+        <a:xfrm>
+          <a:off x="0" y="0"/>
+          <a:ext cx="0" cy="0"/>
+          <a:chOff x="0" y="0"/>
+          <a:chExt cx="0" cy="0"/>
+        </a:xfrm>
+      </p:grpSpPr>
+      <p:sp>
+        <p:nvSpPr>
+          <p:cNvPr id="2" name="Titre 1"/>
+          <p:cNvSpPr>
+            <a:spLocks noGrp="1"/>
+          </p:cNvSpPr>
+          <p:nvPr>
+            <p:ph type="title"/>
+          </p:nvPr>
+        </p:nvSpPr>
         <p:spPr/>
         <p:txBody>
           <a:bodyPr/>
@@ -6250,7 +6432,7 @@
 </p:sld>
 </file>
 
-<file path=ppt/slides/slide16.xml><?xml version="1.0" encoding="utf-8"?>
+<file path=ppt/slides/slide17.xml><?xml version="1.0" encoding="utf-8"?>
 <p:sld xmlns:a="http://schemas.openxmlformats.org/drawingml/2006/main" xmlns:r="http://schemas.openxmlformats.org/officeDocument/2006/relationships" xmlns:p="http://schemas.openxmlformats.org/presentationml/2006/main">
   <p:cSld>
     <p:spTree>
@@ -6405,7 +6587,7 @@
 </p:sld>
 </file>
 
-<file path=ppt/slides/slide17.xml><?xml version="1.0" encoding="utf-8"?>
+<file path=ppt/slides/slide18.xml><?xml version="1.0" encoding="utf-8"?>
 <p:sld xmlns:a="http://schemas.openxmlformats.org/drawingml/2006/main" xmlns:r="http://schemas.openxmlformats.org/officeDocument/2006/relationships" xmlns:p="http://schemas.openxmlformats.org/presentationml/2006/main">
   <p:cSld>
     <p:spTree>
@@ -6486,7 +6668,7 @@
 </p:sld>
 </file>
 
-<file path=ppt/slides/slide18.xml><?xml version="1.0" encoding="utf-8"?>
+<file path=ppt/slides/slide19.xml><?xml version="1.0" encoding="utf-8"?>
 <p:sld xmlns:a="http://schemas.openxmlformats.org/drawingml/2006/main" xmlns:r="http://schemas.openxmlformats.org/officeDocument/2006/relationships" xmlns:p="http://schemas.openxmlformats.org/presentationml/2006/main">
   <p:cSld>
     <p:spTree>
@@ -6616,7 +6798,179 @@
 </p:sld>
 </file>
 
-<file path=ppt/slides/slide19.xml><?xml version="1.0" encoding="utf-8"?>
+<file path=ppt/slides/slide2.xml><?xml version="1.0" encoding="utf-8"?>
+<p:sld xmlns:a="http://schemas.openxmlformats.org/drawingml/2006/main" xmlns:r="http://schemas.openxmlformats.org/officeDocument/2006/relationships" xmlns:p="http://schemas.openxmlformats.org/presentationml/2006/main">
+  <p:cSld>
+    <p:spTree>
+      <p:nvGrpSpPr>
+        <p:cNvPr id="1" name=""/>
+        <p:cNvGrpSpPr/>
+        <p:nvPr/>
+      </p:nvGrpSpPr>
+      <p:grpSpPr>
+        <a:xfrm>
+          <a:off x="0" y="0"/>
+          <a:ext cx="0" cy="0"/>
+          <a:chOff x="0" y="0"/>
+          <a:chExt cx="0" cy="0"/>
+        </a:xfrm>
+      </p:grpSpPr>
+      <p:sp>
+        <p:nvSpPr>
+          <p:cNvPr id="2" name="Title 1"/>
+          <p:cNvSpPr>
+            <a:spLocks noGrp="1"/>
+          </p:cNvSpPr>
+          <p:nvPr>
+            <p:ph type="title"/>
+          </p:nvPr>
+        </p:nvSpPr>
+        <p:spPr>
+          <a:xfrm>
+            <a:off x="601670" y="527605"/>
+            <a:ext cx="7940659" cy="763524"/>
+          </a:xfrm>
+        </p:spPr>
+        <p:txBody>
+          <a:bodyPr>
+            <a:normAutofit/>
+          </a:bodyPr>
+          <a:lstStyle/>
+          <a:p>
+            <a:r>
+              <a:rPr lang="en-US" dirty="0" smtClean="0"/>
+              <a:t>Slide Title</a:t>
+            </a:r>
+            <a:endParaRPr lang="en-US" dirty="0"/>
+          </a:p>
+        </p:txBody>
+      </p:sp>
+      <p:sp>
+        <p:nvSpPr>
+          <p:cNvPr id="3" name="Content Placeholder 2"/>
+          <p:cNvSpPr>
+            <a:spLocks noGrp="1"/>
+          </p:cNvSpPr>
+          <p:nvPr>
+            <p:ph idx="1"/>
+          </p:nvPr>
+        </p:nvSpPr>
+        <p:spPr/>
+        <p:txBody>
+          <a:bodyPr/>
+          <a:lstStyle/>
+          <a:p>
+            <a:r>
+              <a:rPr lang="en-US" dirty="0" smtClean="0">
+                <a:solidFill>
+                  <a:schemeClr val="bg1"/>
+                </a:solidFill>
+              </a:rPr>
+              <a:t>Make Effective Presentations</a:t>
+            </a:r>
+          </a:p>
+          <a:p>
+            <a:r>
+              <a:rPr lang="en-US" dirty="0" smtClean="0">
+                <a:solidFill>
+                  <a:schemeClr val="bg1"/>
+                </a:solidFill>
+              </a:rPr>
+              <a:t>Using Awesome Backgrounds</a:t>
+            </a:r>
+          </a:p>
+          <a:p>
+            <a:r>
+              <a:rPr lang="en-US" dirty="0" smtClean="0">
+                <a:solidFill>
+                  <a:schemeClr val="bg1"/>
+                </a:solidFill>
+              </a:rPr>
+              <a:t>Engage your Audience</a:t>
+            </a:r>
+          </a:p>
+          <a:p>
+            <a:r>
+              <a:rPr lang="en-US" dirty="0" smtClean="0">
+                <a:solidFill>
+                  <a:schemeClr val="bg1"/>
+                </a:solidFill>
+              </a:rPr>
+              <a:t>Capture Audience Attention</a:t>
+            </a:r>
+          </a:p>
+          <a:p>
+            <a:endParaRPr lang="en-US" dirty="0" smtClean="0"/>
+          </a:p>
+          <a:p>
+            <a:endParaRPr lang="en-US" dirty="0"/>
+          </a:p>
+        </p:txBody>
+      </p:sp>
+      <p:pic>
+        <p:nvPicPr>
+          <p:cNvPr id="4" name="Picture 2" descr="E:\cloud\drive\websites\ppttemplate\ppt\logo-ppttemplate.png">
+            <a:hlinkClick r:id="rId2"/>
+          </p:cNvPr>
+          <p:cNvPicPr>
+            <a:picLocks noChangeAspect="1" noChangeArrowheads="1"/>
+          </p:cNvPicPr>
+          <p:nvPr/>
+        </p:nvPicPr>
+        <p:blipFill>
+          <a:blip r:embed="rId3" cstate="print">
+            <a:extLst>
+              <a:ext uri="{28A0092B-C50C-407E-A947-70E740481C1C}">
+                <a14:useLocalDpi xmlns:a14="http://schemas.microsoft.com/office/drawing/2010/main" val="0"/>
+              </a:ext>
+            </a:extLst>
+          </a:blip>
+          <a:srcRect/>
+          <a:stretch>
+            <a:fillRect/>
+          </a:stretch>
+        </p:blipFill>
+        <p:spPr bwMode="auto">
+          <a:xfrm>
+            <a:off x="7878674" y="6531587"/>
+            <a:ext cx="1161288" cy="250278"/>
+          </a:xfrm>
+          <a:prstGeom prst="rect">
+            <a:avLst/>
+          </a:prstGeom>
+          <a:noFill/>
+          <a:extLst>
+            <a:ext uri="{909E8E84-426E-40DD-AFC4-6F175D3DCCD1}">
+              <a14:hiddenFill xmlns:a14="http://schemas.microsoft.com/office/drawing/2010/main">
+                <a:solidFill>
+                  <a:srgbClr val="FFFFFF"/>
+                </a:solidFill>
+              </a14:hiddenFill>
+            </a:ext>
+          </a:extLst>
+        </p:spPr>
+      </p:pic>
+    </p:spTree>
+    <p:extLst>
+      <p:ext uri="{BB962C8B-B14F-4D97-AF65-F5344CB8AC3E}">
+        <p14:creationId xmlns:p14="http://schemas.microsoft.com/office/powerpoint/2010/main" val="4103309497"/>
+      </p:ext>
+    </p:extLst>
+  </p:cSld>
+  <p:clrMapOvr>
+    <a:masterClrMapping/>
+  </p:clrMapOvr>
+  <p:timing>
+    <p:tnLst>
+      <p:par>
+        <p:cTn id="1" dur="indefinite" restart="never" nodeType="tmRoot"/>
+      </p:par>
+    </p:tnLst>
+  </p:timing>
+</p:sld>
+</file>
+
+<file path=ppt/slides/slide20.xml><?xml version="1.0" encoding="utf-8"?>
 <p:sld xmlns:a="http://schemas.openxmlformats.org/drawingml/2006/main" xmlns:r="http://schemas.openxmlformats.org/officeDocument/2006/relationships" xmlns:p="http://schemas.openxmlformats.org/presentationml/2006/main">
   <p:cSld>
     <p:bg>
@@ -7864,178 +8218,6 @@
     <p:extLst>
       <p:ext uri="{BB962C8B-B14F-4D97-AF65-F5344CB8AC3E}">
         <p14:creationId xmlns:p14="http://schemas.microsoft.com/office/powerpoint/2010/main" val="4292739298"/>
-      </p:ext>
-    </p:extLst>
-  </p:cSld>
-  <p:clrMapOvr>
-    <a:masterClrMapping/>
-  </p:clrMapOvr>
-  <p:timing>
-    <p:tnLst>
-      <p:par>
-        <p:cTn id="1" dur="indefinite" restart="never" nodeType="tmRoot"/>
-      </p:par>
-    </p:tnLst>
-  </p:timing>
-</p:sld>
-</file>
-
-<file path=ppt/slides/slide2.xml><?xml version="1.0" encoding="utf-8"?>
-<p:sld xmlns:a="http://schemas.openxmlformats.org/drawingml/2006/main" xmlns:r="http://schemas.openxmlformats.org/officeDocument/2006/relationships" xmlns:p="http://schemas.openxmlformats.org/presentationml/2006/main">
-  <p:cSld>
-    <p:spTree>
-      <p:nvGrpSpPr>
-        <p:cNvPr id="1" name=""/>
-        <p:cNvGrpSpPr/>
-        <p:nvPr/>
-      </p:nvGrpSpPr>
-      <p:grpSpPr>
-        <a:xfrm>
-          <a:off x="0" y="0"/>
-          <a:ext cx="0" cy="0"/>
-          <a:chOff x="0" y="0"/>
-          <a:chExt cx="0" cy="0"/>
-        </a:xfrm>
-      </p:grpSpPr>
-      <p:sp>
-        <p:nvSpPr>
-          <p:cNvPr id="2" name="Title 1"/>
-          <p:cNvSpPr>
-            <a:spLocks noGrp="1"/>
-          </p:cNvSpPr>
-          <p:nvPr>
-            <p:ph type="title"/>
-          </p:nvPr>
-        </p:nvSpPr>
-        <p:spPr>
-          <a:xfrm>
-            <a:off x="601670" y="527605"/>
-            <a:ext cx="7940659" cy="763524"/>
-          </a:xfrm>
-        </p:spPr>
-        <p:txBody>
-          <a:bodyPr>
-            <a:normAutofit/>
-          </a:bodyPr>
-          <a:lstStyle/>
-          <a:p>
-            <a:r>
-              <a:rPr lang="en-US" dirty="0" smtClean="0"/>
-              <a:t>Slide Title</a:t>
-            </a:r>
-            <a:endParaRPr lang="en-US" dirty="0"/>
-          </a:p>
-        </p:txBody>
-      </p:sp>
-      <p:sp>
-        <p:nvSpPr>
-          <p:cNvPr id="3" name="Content Placeholder 2"/>
-          <p:cNvSpPr>
-            <a:spLocks noGrp="1"/>
-          </p:cNvSpPr>
-          <p:nvPr>
-            <p:ph idx="1"/>
-          </p:nvPr>
-        </p:nvSpPr>
-        <p:spPr/>
-        <p:txBody>
-          <a:bodyPr/>
-          <a:lstStyle/>
-          <a:p>
-            <a:r>
-              <a:rPr lang="en-US" dirty="0" smtClean="0">
-                <a:solidFill>
-                  <a:schemeClr val="bg1"/>
-                </a:solidFill>
-              </a:rPr>
-              <a:t>Make Effective Presentations</a:t>
-            </a:r>
-          </a:p>
-          <a:p>
-            <a:r>
-              <a:rPr lang="en-US" dirty="0" smtClean="0">
-                <a:solidFill>
-                  <a:schemeClr val="bg1"/>
-                </a:solidFill>
-              </a:rPr>
-              <a:t>Using Awesome Backgrounds</a:t>
-            </a:r>
-          </a:p>
-          <a:p>
-            <a:r>
-              <a:rPr lang="en-US" dirty="0" smtClean="0">
-                <a:solidFill>
-                  <a:schemeClr val="bg1"/>
-                </a:solidFill>
-              </a:rPr>
-              <a:t>Engage your Audience</a:t>
-            </a:r>
-          </a:p>
-          <a:p>
-            <a:r>
-              <a:rPr lang="en-US" dirty="0" smtClean="0">
-                <a:solidFill>
-                  <a:schemeClr val="bg1"/>
-                </a:solidFill>
-              </a:rPr>
-              <a:t>Capture Audience Attention</a:t>
-            </a:r>
-          </a:p>
-          <a:p>
-            <a:endParaRPr lang="en-US" dirty="0" smtClean="0"/>
-          </a:p>
-          <a:p>
-            <a:endParaRPr lang="en-US" dirty="0"/>
-          </a:p>
-        </p:txBody>
-      </p:sp>
-      <p:pic>
-        <p:nvPicPr>
-          <p:cNvPr id="4" name="Picture 2" descr="E:\cloud\drive\websites\ppttemplate\ppt\logo-ppttemplate.png">
-            <a:hlinkClick r:id="rId2"/>
-          </p:cNvPr>
-          <p:cNvPicPr>
-            <a:picLocks noChangeAspect="1" noChangeArrowheads="1"/>
-          </p:cNvPicPr>
-          <p:nvPr/>
-        </p:nvPicPr>
-        <p:blipFill>
-          <a:blip r:embed="rId3" cstate="print">
-            <a:extLst>
-              <a:ext uri="{28A0092B-C50C-407E-A947-70E740481C1C}">
-                <a14:useLocalDpi xmlns:a14="http://schemas.microsoft.com/office/drawing/2010/main" val="0"/>
-              </a:ext>
-            </a:extLst>
-          </a:blip>
-          <a:srcRect/>
-          <a:stretch>
-            <a:fillRect/>
-          </a:stretch>
-        </p:blipFill>
-        <p:spPr bwMode="auto">
-          <a:xfrm>
-            <a:off x="7878674" y="6531587"/>
-            <a:ext cx="1161288" cy="250278"/>
-          </a:xfrm>
-          <a:prstGeom prst="rect">
-            <a:avLst/>
-          </a:prstGeom>
-          <a:noFill/>
-          <a:extLst>
-            <a:ext uri="{909E8E84-426E-40DD-AFC4-6F175D3DCCD1}">
-              <a14:hiddenFill xmlns:a14="http://schemas.microsoft.com/office/drawing/2010/main">
-                <a:solidFill>
-                  <a:srgbClr val="FFFFFF"/>
-                </a:solidFill>
-              </a14:hiddenFill>
-            </a:ext>
-          </a:extLst>
-        </p:spPr>
-      </p:pic>
-    </p:spTree>
-    <p:extLst>
-      <p:ext uri="{BB962C8B-B14F-4D97-AF65-F5344CB8AC3E}">
-        <p14:creationId xmlns:p14="http://schemas.microsoft.com/office/powerpoint/2010/main" val="4103309497"/>
       </p:ext>
     </p:extLst>
   </p:cSld>
